--- a/jinlu/barseq.pptx
+++ b/jinlu/barseq.pptx
@@ -12,17 +12,20 @@
     <p:sldId id="260" r:id="rId6"/>
     <p:sldId id="264" r:id="rId7"/>
     <p:sldId id="267" r:id="rId8"/>
-    <p:sldId id="261" r:id="rId9"/>
-    <p:sldId id="262" r:id="rId10"/>
-    <p:sldId id="263" r:id="rId11"/>
-    <p:sldId id="268" r:id="rId12"/>
-    <p:sldId id="265" r:id="rId13"/>
-    <p:sldId id="266" r:id="rId14"/>
-    <p:sldId id="269" r:id="rId15"/>
-    <p:sldId id="270" r:id="rId16"/>
-    <p:sldId id="271" r:id="rId17"/>
-    <p:sldId id="272" r:id="rId18"/>
-    <p:sldId id="273" r:id="rId19"/>
+    <p:sldId id="274" r:id="rId9"/>
+    <p:sldId id="275" r:id="rId10"/>
+    <p:sldId id="261" r:id="rId11"/>
+    <p:sldId id="276" r:id="rId12"/>
+    <p:sldId id="262" r:id="rId13"/>
+    <p:sldId id="263" r:id="rId14"/>
+    <p:sldId id="268" r:id="rId15"/>
+    <p:sldId id="265" r:id="rId16"/>
+    <p:sldId id="266" r:id="rId17"/>
+    <p:sldId id="269" r:id="rId18"/>
+    <p:sldId id="270" r:id="rId19"/>
+    <p:sldId id="271" r:id="rId20"/>
+    <p:sldId id="272" r:id="rId21"/>
+    <p:sldId id="273" r:id="rId22"/>
   </p:sldIdLst>
   <p:sldSz cx="12192000" cy="6858000"/>
   <p:notesSz cx="6858000" cy="9144000"/>
@@ -137,7 +140,10 @@
             <p14:sldId id="260"/>
             <p14:sldId id="264"/>
             <p14:sldId id="267"/>
+            <p14:sldId id="274"/>
+            <p14:sldId id="275"/>
             <p14:sldId id="261"/>
+            <p14:sldId id="276"/>
           </p14:sldIdLst>
         </p14:section>
         <p14:section name="k-means" id="{F22F1C75-4AA0-423B-A0AA-8C6D7020DBAB}">
@@ -176,10 +182,33 @@
   <pc:docChgLst>
     <pc:chgData name="Jinlu Liu" userId="78a8ae01-c209-4833-a803-14efb296c1fa" providerId="ADAL" clId="{9067584E-2DD1-48C8-A955-D83C4E6865F3}"/>
     <pc:docChg chg="custSel addSld modSld modSection">
-      <pc:chgData name="Jinlu Liu" userId="78a8ae01-c209-4833-a803-14efb296c1fa" providerId="ADAL" clId="{9067584E-2DD1-48C8-A955-D83C4E6865F3}" dt="2024-03-18T16:26:37.087" v="503" actId="20577"/>
+      <pc:chgData name="Jinlu Liu" userId="78a8ae01-c209-4833-a803-14efb296c1fa" providerId="ADAL" clId="{9067584E-2DD1-48C8-A955-D83C4E6865F3}" dt="2024-03-19T17:32:43.836" v="944" actId="20577"/>
       <pc:docMkLst>
         <pc:docMk/>
       </pc:docMkLst>
+      <pc:sldChg chg="modSp mod">
+        <pc:chgData name="Jinlu Liu" userId="78a8ae01-c209-4833-a803-14efb296c1fa" providerId="ADAL" clId="{9067584E-2DD1-48C8-A955-D83C4E6865F3}" dt="2024-03-19T16:46:02.186" v="509" actId="20577"/>
+        <pc:sldMkLst>
+          <pc:docMk/>
+          <pc:sldMk cId="2303705830" sldId="257"/>
+        </pc:sldMkLst>
+        <pc:spChg chg="mod">
+          <ac:chgData name="Jinlu Liu" userId="78a8ae01-c209-4833-a803-14efb296c1fa" providerId="ADAL" clId="{9067584E-2DD1-48C8-A955-D83C4E6865F3}" dt="2024-03-19T16:46:02.186" v="509" actId="20577"/>
+          <ac:spMkLst>
+            <pc:docMk/>
+            <pc:sldMk cId="2303705830" sldId="257"/>
+            <ac:spMk id="6" creationId="{8B2BDB2C-E702-4D7B-B403-697326B7B142}"/>
+          </ac:spMkLst>
+        </pc:spChg>
+        <pc:picChg chg="mod">
+          <ac:chgData name="Jinlu Liu" userId="78a8ae01-c209-4833-a803-14efb296c1fa" providerId="ADAL" clId="{9067584E-2DD1-48C8-A955-D83C4E6865F3}" dt="2024-03-19T16:45:59.597" v="505" actId="1076"/>
+          <ac:picMkLst>
+            <pc:docMk/>
+            <pc:sldMk cId="2303705830" sldId="257"/>
+            <ac:picMk id="7" creationId="{74C99822-B9F2-4048-85DA-1E944C8D9515}"/>
+          </ac:picMkLst>
+        </pc:picChg>
+      </pc:sldChg>
       <pc:sldChg chg="addSp delSp modSp mod">
         <pc:chgData name="Jinlu Liu" userId="78a8ae01-c209-4833-a803-14efb296c1fa" providerId="ADAL" clId="{9067584E-2DD1-48C8-A955-D83C4E6865F3}" dt="2024-03-18T14:34:58.297" v="98" actId="1076"/>
         <pc:sldMkLst>
@@ -210,6 +239,21 @@
             <ac:picMk id="9" creationId="{B4A3B6B0-7D67-4290-BFD2-4040CA5B2DEC}"/>
           </ac:picMkLst>
         </pc:picChg>
+      </pc:sldChg>
+      <pc:sldChg chg="modSp mod">
+        <pc:chgData name="Jinlu Liu" userId="78a8ae01-c209-4833-a803-14efb296c1fa" providerId="ADAL" clId="{9067584E-2DD1-48C8-A955-D83C4E6865F3}" dt="2024-03-19T17:02:04.636" v="510" actId="255"/>
+        <pc:sldMkLst>
+          <pc:docMk/>
+          <pc:sldMk cId="2478525457" sldId="267"/>
+        </pc:sldMkLst>
+        <pc:spChg chg="mod">
+          <ac:chgData name="Jinlu Liu" userId="78a8ae01-c209-4833-a803-14efb296c1fa" providerId="ADAL" clId="{9067584E-2DD1-48C8-A955-D83C4E6865F3}" dt="2024-03-19T17:02:04.636" v="510" actId="255"/>
+          <ac:spMkLst>
+            <pc:docMk/>
+            <pc:sldMk cId="2478525457" sldId="267"/>
+            <ac:spMk id="2" creationId="{ECD9DAA2-AE4E-4E1F-844F-3E8007CF8990}"/>
+          </ac:spMkLst>
+        </pc:spChg>
       </pc:sldChg>
       <pc:sldChg chg="addSp delSp modSp new mod">
         <pc:chgData name="Jinlu Liu" userId="78a8ae01-c209-4833-a803-14efb296c1fa" providerId="ADAL" clId="{9067584E-2DD1-48C8-A955-D83C4E6865F3}" dt="2024-03-18T15:47:54.440" v="371" actId="1076"/>
@@ -462,6 +506,99 @@
           </ac:picMkLst>
         </pc:picChg>
       </pc:sldChg>
+      <pc:sldChg chg="addSp delSp modSp new mod">
+        <pc:chgData name="Jinlu Liu" userId="78a8ae01-c209-4833-a803-14efb296c1fa" providerId="ADAL" clId="{9067584E-2DD1-48C8-A955-D83C4E6865F3}" dt="2024-03-19T17:06:19.767" v="516"/>
+        <pc:sldMkLst>
+          <pc:docMk/>
+          <pc:sldMk cId="978135275" sldId="274"/>
+        </pc:sldMkLst>
+        <pc:spChg chg="mod">
+          <ac:chgData name="Jinlu Liu" userId="78a8ae01-c209-4833-a803-14efb296c1fa" providerId="ADAL" clId="{9067584E-2DD1-48C8-A955-D83C4E6865F3}" dt="2024-03-19T17:06:19.767" v="516"/>
+          <ac:spMkLst>
+            <pc:docMk/>
+            <pc:sldMk cId="978135275" sldId="274"/>
+            <ac:spMk id="2" creationId="{4A7D980B-7B83-429E-B810-1B121633A43B}"/>
+          </ac:spMkLst>
+        </pc:spChg>
+        <pc:spChg chg="del">
+          <ac:chgData name="Jinlu Liu" userId="78a8ae01-c209-4833-a803-14efb296c1fa" providerId="ADAL" clId="{9067584E-2DD1-48C8-A955-D83C4E6865F3}" dt="2024-03-19T17:06:04.879" v="512" actId="478"/>
+          <ac:spMkLst>
+            <pc:docMk/>
+            <pc:sldMk cId="978135275" sldId="274"/>
+            <ac:spMk id="3" creationId="{D0FFFAD2-B6F9-4128-AC16-B25B96F9AC89}"/>
+          </ac:spMkLst>
+        </pc:spChg>
+        <pc:picChg chg="add mod">
+          <ac:chgData name="Jinlu Liu" userId="78a8ae01-c209-4833-a803-14efb296c1fa" providerId="ADAL" clId="{9067584E-2DD1-48C8-A955-D83C4E6865F3}" dt="2024-03-19T17:06:05.767" v="513"/>
+          <ac:picMkLst>
+            <pc:docMk/>
+            <pc:sldMk cId="978135275" sldId="274"/>
+            <ac:picMk id="5" creationId="{E76F88AF-EE71-49F7-AC98-24D0F5ABD5F2}"/>
+          </ac:picMkLst>
+        </pc:picChg>
+      </pc:sldChg>
+      <pc:sldChg chg="addSp delSp modSp new mod">
+        <pc:chgData name="Jinlu Liu" userId="78a8ae01-c209-4833-a803-14efb296c1fa" providerId="ADAL" clId="{9067584E-2DD1-48C8-A955-D83C4E6865F3}" dt="2024-03-19T17:24:15.304" v="628" actId="20577"/>
+        <pc:sldMkLst>
+          <pc:docMk/>
+          <pc:sldMk cId="1865936040" sldId="275"/>
+        </pc:sldMkLst>
+        <pc:spChg chg="mod">
+          <ac:chgData name="Jinlu Liu" userId="78a8ae01-c209-4833-a803-14efb296c1fa" providerId="ADAL" clId="{9067584E-2DD1-48C8-A955-D83C4E6865F3}" dt="2024-03-19T17:24:15.304" v="628" actId="20577"/>
+          <ac:spMkLst>
+            <pc:docMk/>
+            <pc:sldMk cId="1865936040" sldId="275"/>
+            <ac:spMk id="2" creationId="{4168C583-7E59-430E-804B-8FE25A882227}"/>
+          </ac:spMkLst>
+        </pc:spChg>
+        <pc:spChg chg="del">
+          <ac:chgData name="Jinlu Liu" userId="78a8ae01-c209-4833-a803-14efb296c1fa" providerId="ADAL" clId="{9067584E-2DD1-48C8-A955-D83C4E6865F3}" dt="2024-03-19T17:23:29.641" v="518" actId="478"/>
+          <ac:spMkLst>
+            <pc:docMk/>
+            <pc:sldMk cId="1865936040" sldId="275"/>
+            <ac:spMk id="3" creationId="{B811ECBC-8F06-495D-A9E2-2D1CB81062F0}"/>
+          </ac:spMkLst>
+        </pc:spChg>
+        <pc:picChg chg="add mod">
+          <ac:chgData name="Jinlu Liu" userId="78a8ae01-c209-4833-a803-14efb296c1fa" providerId="ADAL" clId="{9067584E-2DD1-48C8-A955-D83C4E6865F3}" dt="2024-03-19T17:23:34.566" v="523" actId="1076"/>
+          <ac:picMkLst>
+            <pc:docMk/>
+            <pc:sldMk cId="1865936040" sldId="275"/>
+            <ac:picMk id="5" creationId="{A5E00299-27F7-4478-B45C-26418AE96832}"/>
+          </ac:picMkLst>
+        </pc:picChg>
+      </pc:sldChg>
+      <pc:sldChg chg="addSp delSp modSp new mod">
+        <pc:chgData name="Jinlu Liu" userId="78a8ae01-c209-4833-a803-14efb296c1fa" providerId="ADAL" clId="{9067584E-2DD1-48C8-A955-D83C4E6865F3}" dt="2024-03-19T17:32:43.836" v="944" actId="20577"/>
+        <pc:sldMkLst>
+          <pc:docMk/>
+          <pc:sldMk cId="345600431" sldId="276"/>
+        </pc:sldMkLst>
+        <pc:spChg chg="mod">
+          <ac:chgData name="Jinlu Liu" userId="78a8ae01-c209-4833-a803-14efb296c1fa" providerId="ADAL" clId="{9067584E-2DD1-48C8-A955-D83C4E6865F3}" dt="2024-03-19T17:32:43.836" v="944" actId="20577"/>
+          <ac:spMkLst>
+            <pc:docMk/>
+            <pc:sldMk cId="345600431" sldId="276"/>
+            <ac:spMk id="2" creationId="{59F70DE4-3AAD-4498-A1F5-0BD1DDCDA8AA}"/>
+          </ac:spMkLst>
+        </pc:spChg>
+        <pc:spChg chg="del">
+          <ac:chgData name="Jinlu Liu" userId="78a8ae01-c209-4833-a803-14efb296c1fa" providerId="ADAL" clId="{9067584E-2DD1-48C8-A955-D83C4E6865F3}" dt="2024-03-19T17:30:09.817" v="734" actId="478"/>
+          <ac:spMkLst>
+            <pc:docMk/>
+            <pc:sldMk cId="345600431" sldId="276"/>
+            <ac:spMk id="3" creationId="{FF396A5F-3F8E-4512-BCC2-40D70F7161B9}"/>
+          </ac:spMkLst>
+        </pc:spChg>
+        <pc:picChg chg="add mod">
+          <ac:chgData name="Jinlu Liu" userId="78a8ae01-c209-4833-a803-14efb296c1fa" providerId="ADAL" clId="{9067584E-2DD1-48C8-A955-D83C4E6865F3}" dt="2024-03-19T17:31:42.099" v="737" actId="1076"/>
+          <ac:picMkLst>
+            <pc:docMk/>
+            <pc:sldMk cId="345600431" sldId="276"/>
+            <ac:picMk id="5" creationId="{A4954BC7-F990-4E00-AFDE-34B57D8B3B38}"/>
+          </ac:picMkLst>
+        </pc:picChg>
+      </pc:sldChg>
     </pc:docChg>
   </pc:docChgLst>
 </pc:chgInfo>
@@ -616,7 +753,7 @@
           <a:p>
             <a:fld id="{2F71A33B-744B-475E-8ECD-966AACEE20CA}" type="datetimeFigureOut">
               <a:rPr lang="en-GB" smtClean="0"/>
-              <a:t>18/03/2024</a:t>
+              <a:t>19/03/2024</a:t>
             </a:fld>
             <a:endParaRPr lang="en-GB"/>
           </a:p>
@@ -816,7 +953,7 @@
           <a:p>
             <a:fld id="{2F71A33B-744B-475E-8ECD-966AACEE20CA}" type="datetimeFigureOut">
               <a:rPr lang="en-GB" smtClean="0"/>
-              <a:t>18/03/2024</a:t>
+              <a:t>19/03/2024</a:t>
             </a:fld>
             <a:endParaRPr lang="en-GB"/>
           </a:p>
@@ -1026,7 +1163,7 @@
           <a:p>
             <a:fld id="{2F71A33B-744B-475E-8ECD-966AACEE20CA}" type="datetimeFigureOut">
               <a:rPr lang="en-GB" smtClean="0"/>
-              <a:t>18/03/2024</a:t>
+              <a:t>19/03/2024</a:t>
             </a:fld>
             <a:endParaRPr lang="en-GB"/>
           </a:p>
@@ -1226,7 +1363,7 @@
           <a:p>
             <a:fld id="{2F71A33B-744B-475E-8ECD-966AACEE20CA}" type="datetimeFigureOut">
               <a:rPr lang="en-GB" smtClean="0"/>
-              <a:t>18/03/2024</a:t>
+              <a:t>19/03/2024</a:t>
             </a:fld>
             <a:endParaRPr lang="en-GB"/>
           </a:p>
@@ -1502,7 +1639,7 @@
           <a:p>
             <a:fld id="{2F71A33B-744B-475E-8ECD-966AACEE20CA}" type="datetimeFigureOut">
               <a:rPr lang="en-GB" smtClean="0"/>
-              <a:t>18/03/2024</a:t>
+              <a:t>19/03/2024</a:t>
             </a:fld>
             <a:endParaRPr lang="en-GB"/>
           </a:p>
@@ -1770,7 +1907,7 @@
           <a:p>
             <a:fld id="{2F71A33B-744B-475E-8ECD-966AACEE20CA}" type="datetimeFigureOut">
               <a:rPr lang="en-GB" smtClean="0"/>
-              <a:t>18/03/2024</a:t>
+              <a:t>19/03/2024</a:t>
             </a:fld>
             <a:endParaRPr lang="en-GB"/>
           </a:p>
@@ -2185,7 +2322,7 @@
           <a:p>
             <a:fld id="{2F71A33B-744B-475E-8ECD-966AACEE20CA}" type="datetimeFigureOut">
               <a:rPr lang="en-GB" smtClean="0"/>
-              <a:t>18/03/2024</a:t>
+              <a:t>19/03/2024</a:t>
             </a:fld>
             <a:endParaRPr lang="en-GB"/>
           </a:p>
@@ -2327,7 +2464,7 @@
           <a:p>
             <a:fld id="{2F71A33B-744B-475E-8ECD-966AACEE20CA}" type="datetimeFigureOut">
               <a:rPr lang="en-GB" smtClean="0"/>
-              <a:t>18/03/2024</a:t>
+              <a:t>19/03/2024</a:t>
             </a:fld>
             <a:endParaRPr lang="en-GB"/>
           </a:p>
@@ -2440,7 +2577,7 @@
           <a:p>
             <a:fld id="{2F71A33B-744B-475E-8ECD-966AACEE20CA}" type="datetimeFigureOut">
               <a:rPr lang="en-GB" smtClean="0"/>
-              <a:t>18/03/2024</a:t>
+              <a:t>19/03/2024</a:t>
             </a:fld>
             <a:endParaRPr lang="en-GB"/>
           </a:p>
@@ -2753,7 +2890,7 @@
           <a:p>
             <a:fld id="{2F71A33B-744B-475E-8ECD-966AACEE20CA}" type="datetimeFigureOut">
               <a:rPr lang="en-GB" smtClean="0"/>
-              <a:t>18/03/2024</a:t>
+              <a:t>19/03/2024</a:t>
             </a:fld>
             <a:endParaRPr lang="en-GB"/>
           </a:p>
@@ -3042,7 +3179,7 @@
           <a:p>
             <a:fld id="{2F71A33B-744B-475E-8ECD-966AACEE20CA}" type="datetimeFigureOut">
               <a:rPr lang="en-GB" smtClean="0"/>
-              <a:t>18/03/2024</a:t>
+              <a:t>19/03/2024</a:t>
             </a:fld>
             <a:endParaRPr lang="en-GB"/>
           </a:p>
@@ -3285,7 +3422,7 @@
           <a:p>
             <a:fld id="{2F71A33B-744B-475E-8ECD-966AACEE20CA}" type="datetimeFigureOut">
               <a:rPr lang="en-GB" smtClean="0"/>
-              <a:t>18/03/2024</a:t>
+              <a:t>19/03/2024</a:t>
             </a:fld>
             <a:endParaRPr lang="en-GB"/>
           </a:p>
@@ -3896,6 +4033,349 @@
           <p:cNvPr id="2" name="Title 1">
             <a:extLst>
               <a:ext uri="{FF2B5EF4-FFF2-40B4-BE49-F238E27FC236}">
+                <a16:creationId xmlns:a16="http://schemas.microsoft.com/office/drawing/2014/main" id="{0536A10A-EEF3-4DD2-98D8-1A2CE81B5310}"/>
+              </a:ext>
+            </a:extLst>
+          </p:cNvPr>
+          <p:cNvSpPr>
+            <a:spLocks noGrp="1"/>
+          </p:cNvSpPr>
+          <p:nvPr>
+            <p:ph type="title"/>
+          </p:nvPr>
+        </p:nvSpPr>
+        <p:spPr>
+          <a:xfrm>
+            <a:off x="838200" y="365125"/>
+            <a:ext cx="10411437" cy="767389"/>
+          </a:xfrm>
+        </p:spPr>
+        <p:txBody>
+          <a:bodyPr>
+            <a:normAutofit/>
+          </a:bodyPr>
+          <a:lstStyle/>
+          <a:p>
+            <a:r>
+              <a:rPr lang="en-GB" sz="1500" dirty="0"/>
+              <a:t>Posterior Predictive Checks: Comparing observed Barseq data against replicated data</a:t>
+            </a:r>
+          </a:p>
+        </p:txBody>
+      </p:sp>
+      <p:pic>
+        <p:nvPicPr>
+          <p:cNvPr id="5" name="Content Placeholder 4">
+            <a:extLst>
+              <a:ext uri="{FF2B5EF4-FFF2-40B4-BE49-F238E27FC236}">
+                <a16:creationId xmlns:a16="http://schemas.microsoft.com/office/drawing/2014/main" id="{2AFC8727-EB3D-4161-862C-0C6F049D57C0}"/>
+              </a:ext>
+            </a:extLst>
+          </p:cNvPr>
+          <p:cNvPicPr>
+            <a:picLocks noGrp="1" noChangeAspect="1"/>
+          </p:cNvPicPr>
+          <p:nvPr>
+            <p:ph idx="1"/>
+          </p:nvPr>
+        </p:nvPicPr>
+        <p:blipFill>
+          <a:blip r:embed="rId2">
+            <a:extLst>
+              <a:ext uri="{28A0092B-C50C-407E-A947-70E740481C1C}">
+                <a14:useLocalDpi xmlns:a14="http://schemas.microsoft.com/office/drawing/2010/main" val="0"/>
+              </a:ext>
+            </a:extLst>
+          </a:blip>
+          <a:stretch>
+            <a:fillRect/>
+          </a:stretch>
+        </p:blipFill>
+        <p:spPr>
+          <a:xfrm>
+            <a:off x="561364" y="4008336"/>
+            <a:ext cx="10515600" cy="2401945"/>
+          </a:xfrm>
+        </p:spPr>
+      </p:pic>
+      <p:pic>
+        <p:nvPicPr>
+          <p:cNvPr id="7" name="Picture 6">
+            <a:extLst>
+              <a:ext uri="{FF2B5EF4-FFF2-40B4-BE49-F238E27FC236}">
+                <a16:creationId xmlns:a16="http://schemas.microsoft.com/office/drawing/2014/main" id="{D6A229B7-9732-4DA6-8E24-182B82CFC419}"/>
+              </a:ext>
+            </a:extLst>
+          </p:cNvPr>
+          <p:cNvPicPr>
+            <a:picLocks noChangeAspect="1"/>
+          </p:cNvPicPr>
+          <p:nvPr/>
+        </p:nvPicPr>
+        <p:blipFill>
+          <a:blip r:embed="rId3">
+            <a:extLst>
+              <a:ext uri="{28A0092B-C50C-407E-A947-70E740481C1C}">
+                <a14:useLocalDpi xmlns:a14="http://schemas.microsoft.com/office/drawing/2010/main" val="0"/>
+              </a:ext>
+            </a:extLst>
+          </a:blip>
+          <a:stretch>
+            <a:fillRect/>
+          </a:stretch>
+        </p:blipFill>
+        <p:spPr>
+          <a:xfrm>
+            <a:off x="495349" y="1563458"/>
+            <a:ext cx="10515600" cy="2477497"/>
+          </a:xfrm>
+          <a:prstGeom prst="rect">
+            <a:avLst/>
+          </a:prstGeom>
+        </p:spPr>
+      </p:pic>
+    </p:spTree>
+    <p:extLst>
+      <p:ext uri="{BB962C8B-B14F-4D97-AF65-F5344CB8AC3E}">
+        <p14:creationId xmlns:p14="http://schemas.microsoft.com/office/powerpoint/2010/main" val="2773771917"/>
+      </p:ext>
+    </p:extLst>
+  </p:cSld>
+  <p:clrMapOvr>
+    <a:masterClrMapping/>
+  </p:clrMapOvr>
+</p:sld>
+</file>
+
+<file path=ppt/slides/slide11.xml><?xml version="1.0" encoding="utf-8"?>
+<p:sld xmlns:a="http://schemas.openxmlformats.org/drawingml/2006/main" xmlns:r="http://schemas.openxmlformats.org/officeDocument/2006/relationships" xmlns:p="http://schemas.openxmlformats.org/presentationml/2006/main">
+  <p:cSld>
+    <p:spTree>
+      <p:nvGrpSpPr>
+        <p:cNvPr id="1" name=""/>
+        <p:cNvGrpSpPr/>
+        <p:nvPr/>
+      </p:nvGrpSpPr>
+      <p:grpSpPr>
+        <a:xfrm>
+          <a:off x="0" y="0"/>
+          <a:ext cx="0" cy="0"/>
+          <a:chOff x="0" y="0"/>
+          <a:chExt cx="0" cy="0"/>
+        </a:xfrm>
+      </p:grpSpPr>
+      <p:sp>
+        <p:nvSpPr>
+          <p:cNvPr id="2" name="Title 1">
+            <a:extLst>
+              <a:ext uri="{FF2B5EF4-FFF2-40B4-BE49-F238E27FC236}">
+                <a16:creationId xmlns:a16="http://schemas.microsoft.com/office/drawing/2014/main" id="{59F70DE4-3AAD-4498-A1F5-0BD1DDCDA8AA}"/>
+              </a:ext>
+            </a:extLst>
+          </p:cNvPr>
+          <p:cNvSpPr>
+            <a:spLocks noGrp="1"/>
+          </p:cNvSpPr>
+          <p:nvPr>
+            <p:ph type="title"/>
+          </p:nvPr>
+        </p:nvSpPr>
+        <p:spPr>
+          <a:xfrm>
+            <a:off x="838200" y="365126"/>
+            <a:ext cx="10515600" cy="775778"/>
+          </a:xfrm>
+        </p:spPr>
+        <p:txBody>
+          <a:bodyPr>
+            <a:normAutofit/>
+          </a:bodyPr>
+          <a:lstStyle/>
+          <a:p>
+            <a:r>
+              <a:rPr lang="en-GB" sz="1500" dirty="0"/>
+              <a:t>We can also carry out posterior predictive check with a single set of replicated data. Below we present the findings for mouse 1. The same comparison could be carried out to all </a:t>
+            </a:r>
+            <a:r>
+              <a:rPr lang="en-GB" sz="1500"/>
+              <a:t>the remaining mice as well.</a:t>
+            </a:r>
+            <a:endParaRPr lang="en-GB" sz="1500" dirty="0"/>
+          </a:p>
+        </p:txBody>
+      </p:sp>
+      <p:pic>
+        <p:nvPicPr>
+          <p:cNvPr id="5" name="Picture 4">
+            <a:extLst>
+              <a:ext uri="{FF2B5EF4-FFF2-40B4-BE49-F238E27FC236}">
+                <a16:creationId xmlns:a16="http://schemas.microsoft.com/office/drawing/2014/main" id="{A4954BC7-F990-4E00-AFDE-34B57D8B3B38}"/>
+              </a:ext>
+            </a:extLst>
+          </p:cNvPr>
+          <p:cNvPicPr>
+            <a:picLocks noChangeAspect="1"/>
+          </p:cNvPicPr>
+          <p:nvPr/>
+        </p:nvPicPr>
+        <p:blipFill>
+          <a:blip r:embed="rId2">
+            <a:extLst>
+              <a:ext uri="{28A0092B-C50C-407E-A947-70E740481C1C}">
+                <a14:useLocalDpi xmlns:a14="http://schemas.microsoft.com/office/drawing/2010/main" val="0"/>
+              </a:ext>
+            </a:extLst>
+          </a:blip>
+          <a:stretch>
+            <a:fillRect/>
+          </a:stretch>
+        </p:blipFill>
+        <p:spPr>
+          <a:xfrm>
+            <a:off x="838200" y="1378357"/>
+            <a:ext cx="8511330" cy="4964943"/>
+          </a:xfrm>
+          <a:prstGeom prst="rect">
+            <a:avLst/>
+          </a:prstGeom>
+        </p:spPr>
+      </p:pic>
+    </p:spTree>
+    <p:extLst>
+      <p:ext uri="{BB962C8B-B14F-4D97-AF65-F5344CB8AC3E}">
+        <p14:creationId xmlns:p14="http://schemas.microsoft.com/office/powerpoint/2010/main" val="345600431"/>
+      </p:ext>
+    </p:extLst>
+  </p:cSld>
+  <p:clrMapOvr>
+    <a:masterClrMapping/>
+  </p:clrMapOvr>
+</p:sld>
+</file>
+
+<file path=ppt/slides/slide12.xml><?xml version="1.0" encoding="utf-8"?>
+<p:sld xmlns:a="http://schemas.openxmlformats.org/drawingml/2006/main" xmlns:r="http://schemas.openxmlformats.org/officeDocument/2006/relationships" xmlns:p="http://schemas.openxmlformats.org/presentationml/2006/main">
+  <p:cSld>
+    <p:spTree>
+      <p:nvGrpSpPr>
+        <p:cNvPr id="1" name=""/>
+        <p:cNvGrpSpPr/>
+        <p:nvPr/>
+      </p:nvGrpSpPr>
+      <p:grpSpPr>
+        <a:xfrm>
+          <a:off x="0" y="0"/>
+          <a:ext cx="0" cy="0"/>
+          <a:chOff x="0" y="0"/>
+          <a:chExt cx="0" cy="0"/>
+        </a:xfrm>
+      </p:grpSpPr>
+      <p:sp>
+        <p:nvSpPr>
+          <p:cNvPr id="2" name="Title 1">
+            <a:extLst>
+              <a:ext uri="{FF2B5EF4-FFF2-40B4-BE49-F238E27FC236}">
+                <a16:creationId xmlns:a16="http://schemas.microsoft.com/office/drawing/2014/main" id="{1ADB7B2D-E67E-4076-8452-280B02642C72}"/>
+              </a:ext>
+            </a:extLst>
+          </p:cNvPr>
+          <p:cNvSpPr>
+            <a:spLocks noGrp="1"/>
+          </p:cNvSpPr>
+          <p:nvPr>
+            <p:ph type="title"/>
+          </p:nvPr>
+        </p:nvSpPr>
+        <p:spPr>
+          <a:xfrm>
+            <a:off x="838200" y="365125"/>
+            <a:ext cx="10515600" cy="901613"/>
+          </a:xfrm>
+        </p:spPr>
+        <p:txBody>
+          <a:bodyPr>
+            <a:normAutofit/>
+          </a:bodyPr>
+          <a:lstStyle/>
+          <a:p>
+            <a:r>
+              <a:rPr lang="en-GB" sz="1500" dirty="0"/>
+              <a:t>K-means with 30 clusters: Neurons are reordered by the k-means allocation. </a:t>
+            </a:r>
+          </a:p>
+        </p:txBody>
+      </p:sp>
+      <p:pic>
+        <p:nvPicPr>
+          <p:cNvPr id="5" name="Picture 4">
+            <a:extLst>
+              <a:ext uri="{FF2B5EF4-FFF2-40B4-BE49-F238E27FC236}">
+                <a16:creationId xmlns:a16="http://schemas.microsoft.com/office/drawing/2014/main" id="{84BCDAAF-08C0-4E38-9EB2-709ADE5A92C6}"/>
+              </a:ext>
+            </a:extLst>
+          </p:cNvPr>
+          <p:cNvPicPr>
+            <a:picLocks noChangeAspect="1"/>
+          </p:cNvPicPr>
+          <p:nvPr/>
+        </p:nvPicPr>
+        <p:blipFill>
+          <a:blip r:embed="rId2">
+            <a:extLst>
+              <a:ext uri="{28A0092B-C50C-407E-A947-70E740481C1C}">
+                <a14:useLocalDpi xmlns:a14="http://schemas.microsoft.com/office/drawing/2010/main" val="0"/>
+              </a:ext>
+            </a:extLst>
+          </a:blip>
+          <a:stretch>
+            <a:fillRect/>
+          </a:stretch>
+        </p:blipFill>
+        <p:spPr>
+          <a:xfrm>
+            <a:off x="838200" y="1338220"/>
+            <a:ext cx="7606417" cy="4537832"/>
+          </a:xfrm>
+          <a:prstGeom prst="rect">
+            <a:avLst/>
+          </a:prstGeom>
+        </p:spPr>
+      </p:pic>
+    </p:spTree>
+    <p:extLst>
+      <p:ext uri="{BB962C8B-B14F-4D97-AF65-F5344CB8AC3E}">
+        <p14:creationId xmlns:p14="http://schemas.microsoft.com/office/powerpoint/2010/main" val="3647369202"/>
+      </p:ext>
+    </p:extLst>
+  </p:cSld>
+  <p:clrMapOvr>
+    <a:masterClrMapping/>
+  </p:clrMapOvr>
+</p:sld>
+</file>
+
+<file path=ppt/slides/slide13.xml><?xml version="1.0" encoding="utf-8"?>
+<p:sld xmlns:a="http://schemas.openxmlformats.org/drawingml/2006/main" xmlns:r="http://schemas.openxmlformats.org/officeDocument/2006/relationships" xmlns:p="http://schemas.openxmlformats.org/presentationml/2006/main">
+  <p:cSld>
+    <p:spTree>
+      <p:nvGrpSpPr>
+        <p:cNvPr id="1" name=""/>
+        <p:cNvGrpSpPr/>
+        <p:nvPr/>
+      </p:nvGrpSpPr>
+      <p:grpSpPr>
+        <a:xfrm>
+          <a:off x="0" y="0"/>
+          <a:ext cx="0" cy="0"/>
+          <a:chOff x="0" y="0"/>
+          <a:chExt cx="0" cy="0"/>
+        </a:xfrm>
+      </p:grpSpPr>
+      <p:sp>
+        <p:nvSpPr>
+          <p:cNvPr id="2" name="Title 1">
+            <a:extLst>
+              <a:ext uri="{FF2B5EF4-FFF2-40B4-BE49-F238E27FC236}">
                 <a16:creationId xmlns:a16="http://schemas.microsoft.com/office/drawing/2014/main" id="{1ADB7B2D-E67E-4076-8452-280B02642C72}"/>
               </a:ext>
             </a:extLst>
@@ -3975,7 +4455,7 @@
 </p:sld>
 </file>
 
-<file path=ppt/slides/slide11.xml><?xml version="1.0" encoding="utf-8"?>
+<file path=ppt/slides/slide14.xml><?xml version="1.0" encoding="utf-8"?>
 <p:sld xmlns:a="http://schemas.openxmlformats.org/drawingml/2006/main" xmlns:r="http://schemas.openxmlformats.org/officeDocument/2006/relationships" xmlns:p="http://schemas.openxmlformats.org/presentationml/2006/main">
   <p:cSld>
     <p:spTree>
@@ -4075,7 +4555,7 @@
 </p:sld>
 </file>
 
-<file path=ppt/slides/slide12.xml><?xml version="1.0" encoding="utf-8"?>
+<file path=ppt/slides/slide15.xml><?xml version="1.0" encoding="utf-8"?>
 <p:sld xmlns:a="http://schemas.openxmlformats.org/drawingml/2006/main" xmlns:r="http://schemas.openxmlformats.org/officeDocument/2006/relationships" xmlns:p="http://schemas.openxmlformats.org/presentationml/2006/main">
   <p:cSld>
     <p:spTree>
@@ -4175,7 +4655,7 @@
 </p:sld>
 </file>
 
-<file path=ppt/slides/slide13.xml><?xml version="1.0" encoding="utf-8"?>
+<file path=ppt/slides/slide16.xml><?xml version="1.0" encoding="utf-8"?>
 <p:sld xmlns:a="http://schemas.openxmlformats.org/drawingml/2006/main" xmlns:r="http://schemas.openxmlformats.org/officeDocument/2006/relationships" xmlns:p="http://schemas.openxmlformats.org/presentationml/2006/main">
   <p:cSld>
     <p:spTree>
@@ -4271,7 +4751,7 @@
 </p:sld>
 </file>
 
-<file path=ppt/slides/slide14.xml><?xml version="1.0" encoding="utf-8"?>
+<file path=ppt/slides/slide17.xml><?xml version="1.0" encoding="utf-8"?>
 <p:sld xmlns:a="http://schemas.openxmlformats.org/drawingml/2006/main" xmlns:r="http://schemas.openxmlformats.org/officeDocument/2006/relationships" xmlns:p="http://schemas.openxmlformats.org/presentationml/2006/main">
   <p:cSld>
     <p:spTree>
@@ -4411,7 +4891,7 @@
 </p:sld>
 </file>
 
-<file path=ppt/slides/slide15.xml><?xml version="1.0" encoding="utf-8"?>
+<file path=ppt/slides/slide18.xml><?xml version="1.0" encoding="utf-8"?>
 <p:sld xmlns:a="http://schemas.openxmlformats.org/drawingml/2006/main" xmlns:r="http://schemas.openxmlformats.org/officeDocument/2006/relationships" xmlns:p="http://schemas.openxmlformats.org/presentationml/2006/main">
   <p:cSld>
     <p:spTree>
@@ -4513,7 +4993,7 @@
 </p:sld>
 </file>
 
-<file path=ppt/slides/slide16.xml><?xml version="1.0" encoding="utf-8"?>
+<file path=ppt/slides/slide19.xml><?xml version="1.0" encoding="utf-8"?>
 <p:sld xmlns:a="http://schemas.openxmlformats.org/drawingml/2006/main" xmlns:r="http://schemas.openxmlformats.org/officeDocument/2006/relationships" xmlns:p="http://schemas.openxmlformats.org/presentationml/2006/main">
   <p:cSld>
     <p:spTree>
@@ -4614,7 +5094,7 @@
 </p:sld>
 </file>
 
-<file path=ppt/slides/slide17.xml><?xml version="1.0" encoding="utf-8"?>
+<file path=ppt/slides/slide2.xml><?xml version="1.0" encoding="utf-8"?>
 <p:sld xmlns:a="http://schemas.openxmlformats.org/drawingml/2006/main" xmlns:r="http://schemas.openxmlformats.org/officeDocument/2006/relationships" xmlns:p="http://schemas.openxmlformats.org/presentationml/2006/main">
   <p:cSld>
     <p:spTree>
@@ -4631,200 +5111,24 @@
           <a:chExt cx="0" cy="0"/>
         </a:xfrm>
       </p:grpSpPr>
-      <p:pic>
-        <p:nvPicPr>
-          <p:cNvPr id="5" name="Picture 4">
-            <a:extLst>
-              <a:ext uri="{FF2B5EF4-FFF2-40B4-BE49-F238E27FC236}">
-                <a16:creationId xmlns:a16="http://schemas.microsoft.com/office/drawing/2014/main" id="{6C51C247-EEE5-41F2-AC2A-F0C68B97BF81}"/>
-              </a:ext>
-            </a:extLst>
-          </p:cNvPr>
-          <p:cNvPicPr>
-            <a:picLocks noChangeAspect="1"/>
-          </p:cNvPicPr>
+      <p:sp>
+        <p:nvSpPr>
+          <p:cNvPr id="6" name="Subtitle 2">
+            <a:extLst>
+              <a:ext uri="{FF2B5EF4-FFF2-40B4-BE49-F238E27FC236}">
+                <a16:creationId xmlns:a16="http://schemas.microsoft.com/office/drawing/2014/main" id="{8B2BDB2C-E702-4D7B-B403-697326B7B142}"/>
+              </a:ext>
+            </a:extLst>
+          </p:cNvPr>
+          <p:cNvSpPr txBox="1">
+            <a:spLocks/>
+          </p:cNvSpPr>
           <p:nvPr/>
-        </p:nvPicPr>
-        <p:blipFill>
-          <a:blip r:embed="rId2">
-            <a:extLst>
-              <a:ext uri="{28A0092B-C50C-407E-A947-70E740481C1C}">
-                <a14:useLocalDpi xmlns:a14="http://schemas.microsoft.com/office/drawing/2010/main" val="0"/>
-              </a:ext>
-            </a:extLst>
-          </a:blip>
-          <a:stretch>
-            <a:fillRect/>
-          </a:stretch>
-        </p:blipFill>
+        </p:nvSpPr>
         <p:spPr>
           <a:xfrm>
-            <a:off x="708870" y="1089695"/>
-            <a:ext cx="5733875" cy="3583672"/>
-          </a:xfrm>
-          <a:prstGeom prst="rect">
-            <a:avLst/>
-          </a:prstGeom>
-        </p:spPr>
-      </p:pic>
-    </p:spTree>
-    <p:extLst>
-      <p:ext uri="{BB962C8B-B14F-4D97-AF65-F5344CB8AC3E}">
-        <p14:creationId xmlns:p14="http://schemas.microsoft.com/office/powerpoint/2010/main" val="280099353"/>
-      </p:ext>
-    </p:extLst>
-  </p:cSld>
-  <p:clrMapOvr>
-    <a:masterClrMapping/>
-  </p:clrMapOvr>
-</p:sld>
-</file>
-
-<file path=ppt/slides/slide18.xml><?xml version="1.0" encoding="utf-8"?>
-<p:sld xmlns:a="http://schemas.openxmlformats.org/drawingml/2006/main" xmlns:r="http://schemas.openxmlformats.org/officeDocument/2006/relationships" xmlns:p="http://schemas.openxmlformats.org/presentationml/2006/main">
-  <p:cSld>
-    <p:spTree>
-      <p:nvGrpSpPr>
-        <p:cNvPr id="1" name=""/>
-        <p:cNvGrpSpPr/>
-        <p:nvPr/>
-      </p:nvGrpSpPr>
-      <p:grpSpPr>
-        <a:xfrm>
-          <a:off x="0" y="0"/>
-          <a:ext cx="0" cy="0"/>
-          <a:chOff x="0" y="0"/>
-          <a:chExt cx="0" cy="0"/>
-        </a:xfrm>
-      </p:grpSpPr>
-      <p:pic>
-        <p:nvPicPr>
-          <p:cNvPr id="5" name="Picture 4">
-            <a:extLst>
-              <a:ext uri="{FF2B5EF4-FFF2-40B4-BE49-F238E27FC236}">
-                <a16:creationId xmlns:a16="http://schemas.microsoft.com/office/drawing/2014/main" id="{3E86CE03-61EA-4D10-91CE-F9B7EC0A55FD}"/>
-              </a:ext>
-            </a:extLst>
-          </p:cNvPr>
-          <p:cNvPicPr>
-            <a:picLocks noChangeAspect="1"/>
-          </p:cNvPicPr>
-          <p:nvPr/>
-        </p:nvPicPr>
-        <p:blipFill>
-          <a:blip r:embed="rId2">
-            <a:extLst>
-              <a:ext uri="{28A0092B-C50C-407E-A947-70E740481C1C}">
-                <a14:useLocalDpi xmlns:a14="http://schemas.microsoft.com/office/drawing/2010/main" val="0"/>
-              </a:ext>
-            </a:extLst>
-          </a:blip>
-          <a:stretch>
-            <a:fillRect/>
-          </a:stretch>
-        </p:blipFill>
-        <p:spPr>
-          <a:xfrm>
-            <a:off x="171974" y="1302215"/>
-            <a:ext cx="5799869" cy="3624918"/>
-          </a:xfrm>
-          <a:prstGeom prst="rect">
-            <a:avLst/>
-          </a:prstGeom>
-        </p:spPr>
-      </p:pic>
-      <p:pic>
-        <p:nvPicPr>
-          <p:cNvPr id="7" name="Picture 6">
-            <a:extLst>
-              <a:ext uri="{FF2B5EF4-FFF2-40B4-BE49-F238E27FC236}">
-                <a16:creationId xmlns:a16="http://schemas.microsoft.com/office/drawing/2014/main" id="{570FAEE7-D896-45E9-A15E-EC86C3F3891B}"/>
-              </a:ext>
-            </a:extLst>
-          </p:cNvPr>
-          <p:cNvPicPr>
-            <a:picLocks noChangeAspect="1"/>
-          </p:cNvPicPr>
-          <p:nvPr/>
-        </p:nvPicPr>
-        <p:blipFill>
-          <a:blip r:embed="rId3">
-            <a:extLst>
-              <a:ext uri="{28A0092B-C50C-407E-A947-70E740481C1C}">
-                <a14:useLocalDpi xmlns:a14="http://schemas.microsoft.com/office/drawing/2010/main" val="0"/>
-              </a:ext>
-            </a:extLst>
-          </a:blip>
-          <a:stretch>
-            <a:fillRect/>
-          </a:stretch>
-        </p:blipFill>
-        <p:spPr>
-          <a:xfrm>
-            <a:off x="5971843" y="1302215"/>
-            <a:ext cx="5799868" cy="3624917"/>
-          </a:xfrm>
-          <a:prstGeom prst="rect">
-            <a:avLst/>
-          </a:prstGeom>
-        </p:spPr>
-      </p:pic>
-      <p:sp>
-        <p:nvSpPr>
-          <p:cNvPr id="8" name="Content Placeholder 2">
-            <a:extLst>
-              <a:ext uri="{FF2B5EF4-FFF2-40B4-BE49-F238E27FC236}">
-                <a16:creationId xmlns:a16="http://schemas.microsoft.com/office/drawing/2014/main" id="{F795A6A2-31A7-4618-A744-6CE6D3CE5FC6}"/>
-              </a:ext>
-            </a:extLst>
-          </p:cNvPr>
-          <p:cNvSpPr>
-            <a:spLocks noGrp="1"/>
-          </p:cNvSpPr>
-          <p:nvPr>
-            <p:ph idx="1"/>
-          </p:nvPr>
-        </p:nvSpPr>
-        <p:spPr>
-          <a:xfrm>
-            <a:off x="171974" y="474998"/>
-            <a:ext cx="10515600" cy="573626"/>
-          </a:xfrm>
-        </p:spPr>
-        <p:txBody>
-          <a:bodyPr>
-            <a:normAutofit/>
-          </a:bodyPr>
-          <a:lstStyle/>
-          <a:p>
-            <a:pPr marL="0" indent="0">
-              <a:buNone/>
-            </a:pPr>
-            <a:r>
-              <a:rPr lang="en-GB" sz="1500" dirty="0"/>
-              <a:t>For some large Binomial motifs, we plot the projection strength of neurons, color-coded by the corresponding Bayesian motifs.</a:t>
-            </a:r>
-          </a:p>
-        </p:txBody>
-      </p:sp>
-      <p:sp>
-        <p:nvSpPr>
-          <p:cNvPr id="9" name="Content Placeholder 2">
-            <a:extLst>
-              <a:ext uri="{FF2B5EF4-FFF2-40B4-BE49-F238E27FC236}">
-                <a16:creationId xmlns:a16="http://schemas.microsoft.com/office/drawing/2014/main" id="{75D09BB4-C614-4850-94B0-8305631F2FFF}"/>
-              </a:ext>
-            </a:extLst>
-          </p:cNvPr>
-          <p:cNvSpPr txBox="1">
-            <a:spLocks/>
-          </p:cNvSpPr>
-          <p:nvPr/>
-        </p:nvSpPr>
-        <p:spPr>
-          <a:xfrm>
-            <a:off x="374708" y="5555785"/>
-            <a:ext cx="10515600" cy="573626"/>
+            <a:off x="838200" y="750277"/>
+            <a:ext cx="9144000" cy="1992923"/>
           </a:xfrm>
           <a:prstGeom prst="rect">
             <a:avLst/>
@@ -5000,25 +5304,67 @@
           </a:lstStyle>
           <a:p>
             <a:pPr marL="0" indent="0">
-              <a:buFont typeface="Arial" panose="020B0604020202020204" pitchFamily="34" charset="0"/>
               <a:buNone/>
             </a:pPr>
             <a:r>
+              <a:rPr lang="en-GB" dirty="0"/>
+              <a:t>Bayesian Result – minVI to obtain point estimates of neuron allocations</a:t>
+            </a:r>
+          </a:p>
+          <a:p>
+            <a:endParaRPr lang="en-GB" dirty="0"/>
+          </a:p>
+          <a:p>
+            <a:pPr marL="0" indent="0">
+              <a:buNone/>
+            </a:pPr>
+            <a:r>
               <a:rPr lang="en-GB" sz="1500" dirty="0"/>
-              <a:t>And there are 12 other Binomial motifs with more than </a:t>
-            </a:r>
-            <a:r>
-              <a:rPr lang="en-GB" sz="1500"/>
-              <a:t>100 neurons.</a:t>
-            </a:r>
-            <a:endParaRPr lang="en-GB" sz="1500" dirty="0"/>
-          </a:p>
-        </p:txBody>
-      </p:sp>
+              <a:t>There are 149 clusters (motifs) in total:</a:t>
+            </a:r>
+          </a:p>
+        </p:txBody>
+      </p:sp>
+      <p:pic>
+        <p:nvPicPr>
+          <p:cNvPr id="7" name="Picture 6">
+            <a:extLst>
+              <a:ext uri="{FF2B5EF4-FFF2-40B4-BE49-F238E27FC236}">
+                <a16:creationId xmlns:a16="http://schemas.microsoft.com/office/drawing/2014/main" id="{74C99822-B9F2-4048-85DA-1E944C8D9515}"/>
+              </a:ext>
+            </a:extLst>
+          </p:cNvPr>
+          <p:cNvPicPr>
+            <a:picLocks noChangeAspect="1"/>
+          </p:cNvPicPr>
+          <p:nvPr/>
+        </p:nvPicPr>
+        <p:blipFill>
+          <a:blip r:embed="rId2">
+            <a:extLst>
+              <a:ext uri="{28A0092B-C50C-407E-A947-70E740481C1C}">
+                <a14:useLocalDpi xmlns:a14="http://schemas.microsoft.com/office/drawing/2010/main" val="0"/>
+              </a:ext>
+            </a:extLst>
+          </a:blip>
+          <a:stretch>
+            <a:fillRect/>
+          </a:stretch>
+        </p:blipFill>
+        <p:spPr>
+          <a:xfrm>
+            <a:off x="0" y="2556545"/>
+            <a:ext cx="12192000" cy="3657600"/>
+          </a:xfrm>
+          <a:prstGeom prst="rect">
+            <a:avLst/>
+          </a:prstGeom>
+        </p:spPr>
+      </p:pic>
     </p:spTree>
     <p:extLst>
       <p:ext uri="{BB962C8B-B14F-4D97-AF65-F5344CB8AC3E}">
-        <p14:creationId xmlns:p14="http://schemas.microsoft.com/office/powerpoint/2010/main" val="3384237116"/>
+        <p14:creationId xmlns:p14="http://schemas.microsoft.com/office/powerpoint/2010/main" val="2303705830"/>
       </p:ext>
     </p:extLst>
   </p:cSld>
@@ -5028,7 +5374,7 @@
 </p:sld>
 </file>
 
-<file path=ppt/slides/slide2.xml><?xml version="1.0" encoding="utf-8"?>
+<file path=ppt/slides/slide20.xml><?xml version="1.0" encoding="utf-8"?>
 <p:sld xmlns:a="http://schemas.openxmlformats.org/drawingml/2006/main" xmlns:r="http://schemas.openxmlformats.org/officeDocument/2006/relationships" xmlns:p="http://schemas.openxmlformats.org/presentationml/2006/main">
   <p:cSld>
     <p:spTree>
@@ -5045,12 +5391,188 @@
           <a:chExt cx="0" cy="0"/>
         </a:xfrm>
       </p:grpSpPr>
-      <p:sp>
-        <p:nvSpPr>
-          <p:cNvPr id="6" name="Subtitle 2">
-            <a:extLst>
-              <a:ext uri="{FF2B5EF4-FFF2-40B4-BE49-F238E27FC236}">
-                <a16:creationId xmlns:a16="http://schemas.microsoft.com/office/drawing/2014/main" id="{8B2BDB2C-E702-4D7B-B403-697326B7B142}"/>
+      <p:pic>
+        <p:nvPicPr>
+          <p:cNvPr id="5" name="Picture 4">
+            <a:extLst>
+              <a:ext uri="{FF2B5EF4-FFF2-40B4-BE49-F238E27FC236}">
+                <a16:creationId xmlns:a16="http://schemas.microsoft.com/office/drawing/2014/main" id="{6C51C247-EEE5-41F2-AC2A-F0C68B97BF81}"/>
+              </a:ext>
+            </a:extLst>
+          </p:cNvPr>
+          <p:cNvPicPr>
+            <a:picLocks noChangeAspect="1"/>
+          </p:cNvPicPr>
+          <p:nvPr/>
+        </p:nvPicPr>
+        <p:blipFill>
+          <a:blip r:embed="rId2">
+            <a:extLst>
+              <a:ext uri="{28A0092B-C50C-407E-A947-70E740481C1C}">
+                <a14:useLocalDpi xmlns:a14="http://schemas.microsoft.com/office/drawing/2010/main" val="0"/>
+              </a:ext>
+            </a:extLst>
+          </a:blip>
+          <a:stretch>
+            <a:fillRect/>
+          </a:stretch>
+        </p:blipFill>
+        <p:spPr>
+          <a:xfrm>
+            <a:off x="708870" y="1089695"/>
+            <a:ext cx="5733875" cy="3583672"/>
+          </a:xfrm>
+          <a:prstGeom prst="rect">
+            <a:avLst/>
+          </a:prstGeom>
+        </p:spPr>
+      </p:pic>
+    </p:spTree>
+    <p:extLst>
+      <p:ext uri="{BB962C8B-B14F-4D97-AF65-F5344CB8AC3E}">
+        <p14:creationId xmlns:p14="http://schemas.microsoft.com/office/powerpoint/2010/main" val="280099353"/>
+      </p:ext>
+    </p:extLst>
+  </p:cSld>
+  <p:clrMapOvr>
+    <a:masterClrMapping/>
+  </p:clrMapOvr>
+</p:sld>
+</file>
+
+<file path=ppt/slides/slide21.xml><?xml version="1.0" encoding="utf-8"?>
+<p:sld xmlns:a="http://schemas.openxmlformats.org/drawingml/2006/main" xmlns:r="http://schemas.openxmlformats.org/officeDocument/2006/relationships" xmlns:p="http://schemas.openxmlformats.org/presentationml/2006/main">
+  <p:cSld>
+    <p:spTree>
+      <p:nvGrpSpPr>
+        <p:cNvPr id="1" name=""/>
+        <p:cNvGrpSpPr/>
+        <p:nvPr/>
+      </p:nvGrpSpPr>
+      <p:grpSpPr>
+        <a:xfrm>
+          <a:off x="0" y="0"/>
+          <a:ext cx="0" cy="0"/>
+          <a:chOff x="0" y="0"/>
+          <a:chExt cx="0" cy="0"/>
+        </a:xfrm>
+      </p:grpSpPr>
+      <p:pic>
+        <p:nvPicPr>
+          <p:cNvPr id="5" name="Picture 4">
+            <a:extLst>
+              <a:ext uri="{FF2B5EF4-FFF2-40B4-BE49-F238E27FC236}">
+                <a16:creationId xmlns:a16="http://schemas.microsoft.com/office/drawing/2014/main" id="{3E86CE03-61EA-4D10-91CE-F9B7EC0A55FD}"/>
+              </a:ext>
+            </a:extLst>
+          </p:cNvPr>
+          <p:cNvPicPr>
+            <a:picLocks noChangeAspect="1"/>
+          </p:cNvPicPr>
+          <p:nvPr/>
+        </p:nvPicPr>
+        <p:blipFill>
+          <a:blip r:embed="rId2">
+            <a:extLst>
+              <a:ext uri="{28A0092B-C50C-407E-A947-70E740481C1C}">
+                <a14:useLocalDpi xmlns:a14="http://schemas.microsoft.com/office/drawing/2010/main" val="0"/>
+              </a:ext>
+            </a:extLst>
+          </a:blip>
+          <a:stretch>
+            <a:fillRect/>
+          </a:stretch>
+        </p:blipFill>
+        <p:spPr>
+          <a:xfrm>
+            <a:off x="171974" y="1302215"/>
+            <a:ext cx="5799869" cy="3624918"/>
+          </a:xfrm>
+          <a:prstGeom prst="rect">
+            <a:avLst/>
+          </a:prstGeom>
+        </p:spPr>
+      </p:pic>
+      <p:pic>
+        <p:nvPicPr>
+          <p:cNvPr id="7" name="Picture 6">
+            <a:extLst>
+              <a:ext uri="{FF2B5EF4-FFF2-40B4-BE49-F238E27FC236}">
+                <a16:creationId xmlns:a16="http://schemas.microsoft.com/office/drawing/2014/main" id="{570FAEE7-D896-45E9-A15E-EC86C3F3891B}"/>
+              </a:ext>
+            </a:extLst>
+          </p:cNvPr>
+          <p:cNvPicPr>
+            <a:picLocks noChangeAspect="1"/>
+          </p:cNvPicPr>
+          <p:nvPr/>
+        </p:nvPicPr>
+        <p:blipFill>
+          <a:blip r:embed="rId3">
+            <a:extLst>
+              <a:ext uri="{28A0092B-C50C-407E-A947-70E740481C1C}">
+                <a14:useLocalDpi xmlns:a14="http://schemas.microsoft.com/office/drawing/2010/main" val="0"/>
+              </a:ext>
+            </a:extLst>
+          </a:blip>
+          <a:stretch>
+            <a:fillRect/>
+          </a:stretch>
+        </p:blipFill>
+        <p:spPr>
+          <a:xfrm>
+            <a:off x="5971843" y="1302215"/>
+            <a:ext cx="5799868" cy="3624917"/>
+          </a:xfrm>
+          <a:prstGeom prst="rect">
+            <a:avLst/>
+          </a:prstGeom>
+        </p:spPr>
+      </p:pic>
+      <p:sp>
+        <p:nvSpPr>
+          <p:cNvPr id="8" name="Content Placeholder 2">
+            <a:extLst>
+              <a:ext uri="{FF2B5EF4-FFF2-40B4-BE49-F238E27FC236}">
+                <a16:creationId xmlns:a16="http://schemas.microsoft.com/office/drawing/2014/main" id="{F795A6A2-31A7-4618-A744-6CE6D3CE5FC6}"/>
+              </a:ext>
+            </a:extLst>
+          </p:cNvPr>
+          <p:cNvSpPr>
+            <a:spLocks noGrp="1"/>
+          </p:cNvSpPr>
+          <p:nvPr>
+            <p:ph idx="1"/>
+          </p:nvPr>
+        </p:nvSpPr>
+        <p:spPr>
+          <a:xfrm>
+            <a:off x="171974" y="474998"/>
+            <a:ext cx="10515600" cy="573626"/>
+          </a:xfrm>
+        </p:spPr>
+        <p:txBody>
+          <a:bodyPr>
+            <a:normAutofit/>
+          </a:bodyPr>
+          <a:lstStyle/>
+          <a:p>
+            <a:pPr marL="0" indent="0">
+              <a:buNone/>
+            </a:pPr>
+            <a:r>
+              <a:rPr lang="en-GB" sz="1500" dirty="0"/>
+              <a:t>For some large Binomial motifs, we plot the projection strength of neurons, color-coded by the corresponding Bayesian motifs.</a:t>
+            </a:r>
+          </a:p>
+        </p:txBody>
+      </p:sp>
+      <p:sp>
+        <p:nvSpPr>
+          <p:cNvPr id="9" name="Content Placeholder 2">
+            <a:extLst>
+              <a:ext uri="{FF2B5EF4-FFF2-40B4-BE49-F238E27FC236}">
+                <a16:creationId xmlns:a16="http://schemas.microsoft.com/office/drawing/2014/main" id="{75D09BB4-C614-4850-94B0-8305631F2FFF}"/>
               </a:ext>
             </a:extLst>
           </p:cNvPr>
@@ -5061,8 +5583,8 @@
         </p:nvSpPr>
         <p:spPr>
           <a:xfrm>
-            <a:off x="838200" y="750277"/>
-            <a:ext cx="9144000" cy="1992923"/>
+            <a:off x="374708" y="5555785"/>
+            <a:ext cx="10515600" cy="573626"/>
           </a:xfrm>
           <a:prstGeom prst="rect">
             <a:avLst/>
@@ -5238,67 +5760,25 @@
           </a:lstStyle>
           <a:p>
             <a:pPr marL="0" indent="0">
+              <a:buFont typeface="Arial" panose="020B0604020202020204" pitchFamily="34" charset="0"/>
               <a:buNone/>
             </a:pPr>
             <a:r>
-              <a:rPr lang="en-GB" dirty="0"/>
-              <a:t>Bayesian Result – minVI to obtain point estimates of neuron allocations</a:t>
-            </a:r>
-          </a:p>
-          <a:p>
-            <a:endParaRPr lang="en-GB" dirty="0"/>
-          </a:p>
-          <a:p>
-            <a:pPr marL="0" indent="0">
-              <a:buNone/>
-            </a:pPr>
-            <a:r>
               <a:rPr lang="en-GB" sz="1500" dirty="0"/>
-              <a:t>There are 138 clusters (motifs) in total:</a:t>
-            </a:r>
-          </a:p>
-        </p:txBody>
-      </p:sp>
-      <p:pic>
-        <p:nvPicPr>
-          <p:cNvPr id="7" name="Picture 6">
-            <a:extLst>
-              <a:ext uri="{FF2B5EF4-FFF2-40B4-BE49-F238E27FC236}">
-                <a16:creationId xmlns:a16="http://schemas.microsoft.com/office/drawing/2014/main" id="{74C99822-B9F2-4048-85DA-1E944C8D9515}"/>
-              </a:ext>
-            </a:extLst>
-          </p:cNvPr>
-          <p:cNvPicPr>
-            <a:picLocks noChangeAspect="1"/>
-          </p:cNvPicPr>
-          <p:nvPr/>
-        </p:nvPicPr>
-        <p:blipFill>
-          <a:blip r:embed="rId2">
-            <a:extLst>
-              <a:ext uri="{28A0092B-C50C-407E-A947-70E740481C1C}">
-                <a14:useLocalDpi xmlns:a14="http://schemas.microsoft.com/office/drawing/2010/main" val="0"/>
-              </a:ext>
-            </a:extLst>
-          </a:blip>
-          <a:stretch>
-            <a:fillRect/>
-          </a:stretch>
-        </p:blipFill>
-        <p:spPr>
-          <a:xfrm>
-            <a:off x="0" y="1600200"/>
-            <a:ext cx="12192000" cy="3657600"/>
-          </a:xfrm>
-          <a:prstGeom prst="rect">
-            <a:avLst/>
-          </a:prstGeom>
-        </p:spPr>
-      </p:pic>
+              <a:t>And there are 12 other Binomial motifs with more than </a:t>
+            </a:r>
+            <a:r>
+              <a:rPr lang="en-GB" sz="1500"/>
+              <a:t>100 neurons.</a:t>
+            </a:r>
+            <a:endParaRPr lang="en-GB" sz="1500" dirty="0"/>
+          </a:p>
+        </p:txBody>
+      </p:sp>
     </p:spTree>
     <p:extLst>
       <p:ext uri="{BB962C8B-B14F-4D97-AF65-F5344CB8AC3E}">
-        <p14:creationId xmlns:p14="http://schemas.microsoft.com/office/powerpoint/2010/main" val="2303705830"/>
+        <p14:creationId xmlns:p14="http://schemas.microsoft.com/office/powerpoint/2010/main" val="3384237116"/>
       </p:ext>
     </p:extLst>
   </p:cSld>
@@ -5723,7 +6203,7 @@
           <a:lstStyle/>
           <a:p>
             <a:r>
-              <a:rPr lang="en-GB" sz="3000" dirty="0"/>
+              <a:rPr lang="en-GB" sz="1500" dirty="0"/>
               <a:t>Comparison of allocation proportions across any two mice</a:t>
             </a:r>
           </a:p>
@@ -5799,7 +6279,7 @@
           <p:cNvPr id="2" name="Title 1">
             <a:extLst>
               <a:ext uri="{FF2B5EF4-FFF2-40B4-BE49-F238E27FC236}">
-                <a16:creationId xmlns:a16="http://schemas.microsoft.com/office/drawing/2014/main" id="{0536A10A-EEF3-4DD2-98D8-1A2CE81B5310}"/>
+                <a16:creationId xmlns:a16="http://schemas.microsoft.com/office/drawing/2014/main" id="{4A7D980B-7B83-429E-B810-1B121633A43B}"/>
               </a:ext>
             </a:extLst>
           </p:cNvPr>
@@ -5812,8 +6292,8 @@
         </p:nvSpPr>
         <p:spPr>
           <a:xfrm>
-            <a:off x="838200" y="365125"/>
-            <a:ext cx="10411437" cy="767389"/>
+            <a:off x="838200" y="365126"/>
+            <a:ext cx="10515600" cy="977114"/>
           </a:xfrm>
         </p:spPr>
         <p:txBody>
@@ -5824,26 +6304,24 @@
           <a:p>
             <a:r>
               <a:rPr lang="en-GB" sz="1500" dirty="0"/>
-              <a:t>Posterior Predictive Checks: Comparing observed Barseq data against replicated data</a:t>
+              <a:t>Probability of having the projection strength greater than 0.01 for each cluster and region:</a:t>
             </a:r>
           </a:p>
         </p:txBody>
       </p:sp>
       <p:pic>
         <p:nvPicPr>
-          <p:cNvPr id="5" name="Content Placeholder 4">
-            <a:extLst>
-              <a:ext uri="{FF2B5EF4-FFF2-40B4-BE49-F238E27FC236}">
-                <a16:creationId xmlns:a16="http://schemas.microsoft.com/office/drawing/2014/main" id="{2AFC8727-EB3D-4161-862C-0C6F049D57C0}"/>
+          <p:cNvPr id="5" name="Picture 4">
+            <a:extLst>
+              <a:ext uri="{FF2B5EF4-FFF2-40B4-BE49-F238E27FC236}">
+                <a16:creationId xmlns:a16="http://schemas.microsoft.com/office/drawing/2014/main" id="{E76F88AF-EE71-49F7-AC98-24D0F5ABD5F2}"/>
               </a:ext>
             </a:extLst>
           </p:cNvPr>
           <p:cNvPicPr>
-            <a:picLocks noGrp="1" noChangeAspect="1"/>
+            <a:picLocks noChangeAspect="1"/>
           </p:cNvPicPr>
-          <p:nvPr>
-            <p:ph idx="1"/>
-          </p:nvPr>
+          <p:nvPr/>
         </p:nvPicPr>
         <p:blipFill>
           <a:blip r:embed="rId2">
@@ -5859,41 +6337,8 @@
         </p:blipFill>
         <p:spPr>
           <a:xfrm>
-            <a:off x="561364" y="4008336"/>
-            <a:ext cx="10515600" cy="2401945"/>
-          </a:xfrm>
-        </p:spPr>
-      </p:pic>
-      <p:pic>
-        <p:nvPicPr>
-          <p:cNvPr id="7" name="Picture 6">
-            <a:extLst>
-              <a:ext uri="{FF2B5EF4-FFF2-40B4-BE49-F238E27FC236}">
-                <a16:creationId xmlns:a16="http://schemas.microsoft.com/office/drawing/2014/main" id="{D6A229B7-9732-4DA6-8E24-182B82CFC419}"/>
-              </a:ext>
-            </a:extLst>
-          </p:cNvPr>
-          <p:cNvPicPr>
-            <a:picLocks noChangeAspect="1"/>
-          </p:cNvPicPr>
-          <p:nvPr/>
-        </p:nvPicPr>
-        <p:blipFill>
-          <a:blip r:embed="rId3">
-            <a:extLst>
-              <a:ext uri="{28A0092B-C50C-407E-A947-70E740481C1C}">
-                <a14:useLocalDpi xmlns:a14="http://schemas.microsoft.com/office/drawing/2010/main" val="0"/>
-              </a:ext>
-            </a:extLst>
-          </a:blip>
-          <a:stretch>
-            <a:fillRect/>
-          </a:stretch>
-        </p:blipFill>
-        <p:spPr>
-          <a:xfrm>
-            <a:off x="495349" y="1563458"/>
-            <a:ext cx="10515600" cy="2477497"/>
+            <a:off x="0" y="2209800"/>
+            <a:ext cx="12192000" cy="2438400"/>
           </a:xfrm>
           <a:prstGeom prst="rect">
             <a:avLst/>
@@ -5903,7 +6348,7 @@
     </p:spTree>
     <p:extLst>
       <p:ext uri="{BB962C8B-B14F-4D97-AF65-F5344CB8AC3E}">
-        <p14:creationId xmlns:p14="http://schemas.microsoft.com/office/powerpoint/2010/main" val="2773771917"/>
+        <p14:creationId xmlns:p14="http://schemas.microsoft.com/office/powerpoint/2010/main" val="978135275"/>
       </p:ext>
     </p:extLst>
   </p:cSld>
@@ -5935,7 +6380,7 @@
           <p:cNvPr id="2" name="Title 1">
             <a:extLst>
               <a:ext uri="{FF2B5EF4-FFF2-40B4-BE49-F238E27FC236}">
-                <a16:creationId xmlns:a16="http://schemas.microsoft.com/office/drawing/2014/main" id="{1ADB7B2D-E67E-4076-8452-280B02642C72}"/>
+                <a16:creationId xmlns:a16="http://schemas.microsoft.com/office/drawing/2014/main" id="{4168C583-7E59-430E-804B-8FE25A882227}"/>
               </a:ext>
             </a:extLst>
           </p:cNvPr>
@@ -5948,8 +6393,8 @@
         </p:nvSpPr>
         <p:spPr>
           <a:xfrm>
-            <a:off x="838200" y="365125"/>
-            <a:ext cx="10515600" cy="901613"/>
+            <a:off x="838200" y="365126"/>
+            <a:ext cx="10515600" cy="759000"/>
           </a:xfrm>
         </p:spPr>
         <p:txBody>
@@ -5960,7 +6405,7 @@
           <a:p>
             <a:r>
               <a:rPr lang="en-GB" sz="1500" dirty="0"/>
-              <a:t>K-means with 30 clusters: Neurons are reordered by the k-means allocation. </a:t>
+              <a:t>Example of significant difference in component probabilities between two mice:</a:t>
             </a:r>
           </a:p>
         </p:txBody>
@@ -5970,7 +6415,7 @@
           <p:cNvPr id="5" name="Picture 4">
             <a:extLst>
               <a:ext uri="{FF2B5EF4-FFF2-40B4-BE49-F238E27FC236}">
-                <a16:creationId xmlns:a16="http://schemas.microsoft.com/office/drawing/2014/main" id="{84BCDAAF-08C0-4E38-9EB2-709ADE5A92C6}"/>
+                <a16:creationId xmlns:a16="http://schemas.microsoft.com/office/drawing/2014/main" id="{A5E00299-27F7-4478-B45C-26418AE96832}"/>
               </a:ext>
             </a:extLst>
           </p:cNvPr>
@@ -5993,8 +6438,8 @@
         </p:blipFill>
         <p:spPr>
           <a:xfrm>
-            <a:off x="838200" y="1338220"/>
-            <a:ext cx="7606417" cy="4537832"/>
+            <a:off x="1400961" y="1851200"/>
+            <a:ext cx="8703141" cy="4641675"/>
           </a:xfrm>
           <a:prstGeom prst="rect">
             <a:avLst/>
@@ -6004,7 +6449,7 @@
     </p:spTree>
     <p:extLst>
       <p:ext uri="{BB962C8B-B14F-4D97-AF65-F5344CB8AC3E}">
-        <p14:creationId xmlns:p14="http://schemas.microsoft.com/office/powerpoint/2010/main" val="3647369202"/>
+        <p14:creationId xmlns:p14="http://schemas.microsoft.com/office/powerpoint/2010/main" val="1865936040"/>
       </p:ext>
     </p:extLst>
   </p:cSld>

--- a/jinlu/barseq.pptx
+++ b/jinlu/barseq.pptx
@@ -13,19 +13,21 @@
     <p:sldId id="264" r:id="rId7"/>
     <p:sldId id="267" r:id="rId8"/>
     <p:sldId id="274" r:id="rId9"/>
-    <p:sldId id="275" r:id="rId10"/>
-    <p:sldId id="261" r:id="rId11"/>
+    <p:sldId id="261" r:id="rId10"/>
+    <p:sldId id="277" r:id="rId11"/>
     <p:sldId id="276" r:id="rId12"/>
-    <p:sldId id="262" r:id="rId13"/>
-    <p:sldId id="263" r:id="rId14"/>
-    <p:sldId id="268" r:id="rId15"/>
-    <p:sldId id="265" r:id="rId16"/>
-    <p:sldId id="266" r:id="rId17"/>
-    <p:sldId id="269" r:id="rId18"/>
-    <p:sldId id="270" r:id="rId19"/>
-    <p:sldId id="271" r:id="rId20"/>
-    <p:sldId id="272" r:id="rId21"/>
-    <p:sldId id="273" r:id="rId22"/>
+    <p:sldId id="278" r:id="rId13"/>
+    <p:sldId id="279" r:id="rId14"/>
+    <p:sldId id="280" r:id="rId15"/>
+    <p:sldId id="262" r:id="rId16"/>
+    <p:sldId id="263" r:id="rId17"/>
+    <p:sldId id="268" r:id="rId18"/>
+    <p:sldId id="281" r:id="rId19"/>
+    <p:sldId id="282" r:id="rId20"/>
+    <p:sldId id="283" r:id="rId21"/>
+    <p:sldId id="284" r:id="rId22"/>
+    <p:sldId id="285" r:id="rId23"/>
+    <p:sldId id="286" r:id="rId24"/>
   </p:sldIdLst>
   <p:sldSz cx="12192000" cy="6858000"/>
   <p:notesSz cx="6858000" cy="9144000"/>
@@ -141,9 +143,12 @@
             <p14:sldId id="264"/>
             <p14:sldId id="267"/>
             <p14:sldId id="274"/>
-            <p14:sldId id="275"/>
             <p14:sldId id="261"/>
+            <p14:sldId id="277"/>
             <p14:sldId id="276"/>
+            <p14:sldId id="278"/>
+            <p14:sldId id="279"/>
+            <p14:sldId id="280"/>
           </p14:sldIdLst>
         </p14:section>
         <p14:section name="k-means" id="{F22F1C75-4AA0-423B-A0AA-8C6D7020DBAB}">
@@ -153,20 +158,21 @@
             <p14:sldId id="268"/>
           </p14:sldIdLst>
         </p14:section>
-        <p14:section name="Binomial" id="{11188551-8B90-4221-BFE8-7BA8199B37F4}">
+        <p14:section name="Mouse comparisons" id="{D54EEF5A-6B0C-413F-A811-4A76E1B96CD1}">
           <p14:sldIdLst>
-            <p14:sldId id="265"/>
+            <p14:sldId id="281"/>
+            <p14:sldId id="282"/>
+            <p14:sldId id="283"/>
+            <p14:sldId id="284"/>
+            <p14:sldId id="285"/>
+            <p14:sldId id="286"/>
           </p14:sldIdLst>
         </p14:section>
+        <p14:section name="Binomial" id="{11188551-8B90-4221-BFE8-7BA8199B37F4}">
+          <p14:sldIdLst/>
+        </p14:section>
         <p14:section name="comparison" id="{1BF3087A-CA41-4AF4-BFCC-1A79AD143C8D}">
-          <p14:sldIdLst>
-            <p14:sldId id="266"/>
-            <p14:sldId id="269"/>
-            <p14:sldId id="270"/>
-            <p14:sldId id="271"/>
-            <p14:sldId id="272"/>
-            <p14:sldId id="273"/>
-          </p14:sldIdLst>
+          <p14:sldIdLst/>
         </p14:section>
       </p14:sectionLst>
     </p:ext>
@@ -596,6 +602,737 @@
             <pc:docMk/>
             <pc:sldMk cId="345600431" sldId="276"/>
             <ac:picMk id="5" creationId="{A4954BC7-F990-4E00-AFDE-34B57D8B3B38}"/>
+          </ac:picMkLst>
+        </pc:picChg>
+      </pc:sldChg>
+    </pc:docChg>
+  </pc:docChgLst>
+  <pc:docChgLst>
+    <pc:chgData name="Jinlu Liu" userId="78a8ae01-c209-4833-a803-14efb296c1fa" providerId="ADAL" clId="{84474861-6A75-48C5-AA8F-E47B908A5E85}"/>
+    <pc:docChg chg="custSel addSld delSld modSld addSection modSection">
+      <pc:chgData name="Jinlu Liu" userId="78a8ae01-c209-4833-a803-14efb296c1fa" providerId="ADAL" clId="{84474861-6A75-48C5-AA8F-E47B908A5E85}" dt="2024-04-26T09:12:13.784" v="386" actId="20577"/>
+      <pc:docMkLst>
+        <pc:docMk/>
+      </pc:docMkLst>
+      <pc:sldChg chg="addSp delSp modSp mod">
+        <pc:chgData name="Jinlu Liu" userId="78a8ae01-c209-4833-a803-14efb296c1fa" providerId="ADAL" clId="{84474861-6A75-48C5-AA8F-E47B908A5E85}" dt="2024-04-26T07:55:07.799" v="10" actId="20577"/>
+        <pc:sldMkLst>
+          <pc:docMk/>
+          <pc:sldMk cId="2303705830" sldId="257"/>
+        </pc:sldMkLst>
+        <pc:spChg chg="add del">
+          <ac:chgData name="Jinlu Liu" userId="78a8ae01-c209-4833-a803-14efb296c1fa" providerId="ADAL" clId="{84474861-6A75-48C5-AA8F-E47B908A5E85}" dt="2024-04-26T07:54:56.243" v="2" actId="478"/>
+          <ac:spMkLst>
+            <pc:docMk/>
+            <pc:sldMk cId="2303705830" sldId="257"/>
+            <ac:spMk id="5" creationId="{68F745C8-31BC-479F-BBC6-2B38F17D62C0}"/>
+          </ac:spMkLst>
+        </pc:spChg>
+        <pc:spChg chg="mod">
+          <ac:chgData name="Jinlu Liu" userId="78a8ae01-c209-4833-a803-14efb296c1fa" providerId="ADAL" clId="{84474861-6A75-48C5-AA8F-E47B908A5E85}" dt="2024-04-26T07:55:07.799" v="10" actId="20577"/>
+          <ac:spMkLst>
+            <pc:docMk/>
+            <pc:sldMk cId="2303705830" sldId="257"/>
+            <ac:spMk id="6" creationId="{8B2BDB2C-E702-4D7B-B403-697326B7B142}"/>
+          </ac:spMkLst>
+        </pc:spChg>
+        <pc:picChg chg="add mod">
+          <ac:chgData name="Jinlu Liu" userId="78a8ae01-c209-4833-a803-14efb296c1fa" providerId="ADAL" clId="{84474861-6A75-48C5-AA8F-E47B908A5E85}" dt="2024-04-26T07:55:05.175" v="5" actId="1076"/>
+          <ac:picMkLst>
+            <pc:docMk/>
+            <pc:sldMk cId="2303705830" sldId="257"/>
+            <ac:picMk id="4" creationId="{B72F8511-5182-4DDD-BD11-76BF478360F8}"/>
+          </ac:picMkLst>
+        </pc:picChg>
+        <pc:picChg chg="del">
+          <ac:chgData name="Jinlu Liu" userId="78a8ae01-c209-4833-a803-14efb296c1fa" providerId="ADAL" clId="{84474861-6A75-48C5-AA8F-E47B908A5E85}" dt="2024-04-26T07:54:48.397" v="0" actId="478"/>
+          <ac:picMkLst>
+            <pc:docMk/>
+            <pc:sldMk cId="2303705830" sldId="257"/>
+            <ac:picMk id="7" creationId="{74C99822-B9F2-4048-85DA-1E944C8D9515}"/>
+          </ac:picMkLst>
+        </pc:picChg>
+      </pc:sldChg>
+      <pc:sldChg chg="addSp delSp modSp mod">
+        <pc:chgData name="Jinlu Liu" userId="78a8ae01-c209-4833-a803-14efb296c1fa" providerId="ADAL" clId="{84474861-6A75-48C5-AA8F-E47B908A5E85}" dt="2024-04-26T07:55:23.145" v="15" actId="1076"/>
+        <pc:sldMkLst>
+          <pc:docMk/>
+          <pc:sldMk cId="2741256159" sldId="258"/>
+        </pc:sldMkLst>
+        <pc:spChg chg="add del mod">
+          <ac:chgData name="Jinlu Liu" userId="78a8ae01-c209-4833-a803-14efb296c1fa" providerId="ADAL" clId="{84474861-6A75-48C5-AA8F-E47B908A5E85}" dt="2024-04-26T07:55:16.924" v="12"/>
+          <ac:spMkLst>
+            <pc:docMk/>
+            <pc:sldMk cId="2741256159" sldId="258"/>
+            <ac:spMk id="3" creationId="{902D984D-38F3-4783-9BC9-EB6E017392A4}"/>
+          </ac:spMkLst>
+        </pc:spChg>
+        <pc:picChg chg="add mod">
+          <ac:chgData name="Jinlu Liu" userId="78a8ae01-c209-4833-a803-14efb296c1fa" providerId="ADAL" clId="{84474861-6A75-48C5-AA8F-E47B908A5E85}" dt="2024-04-26T07:55:23.145" v="15" actId="1076"/>
+          <ac:picMkLst>
+            <pc:docMk/>
+            <pc:sldMk cId="2741256159" sldId="258"/>
+            <ac:picMk id="5" creationId="{489B9B3A-9734-4801-AEB5-5F393F04FA71}"/>
+          </ac:picMkLst>
+        </pc:picChg>
+        <pc:picChg chg="del">
+          <ac:chgData name="Jinlu Liu" userId="78a8ae01-c209-4833-a803-14efb296c1fa" providerId="ADAL" clId="{84474861-6A75-48C5-AA8F-E47B908A5E85}" dt="2024-04-26T07:55:12.831" v="11" actId="478"/>
+          <ac:picMkLst>
+            <pc:docMk/>
+            <pc:sldMk cId="2741256159" sldId="258"/>
+            <ac:picMk id="6" creationId="{A3166965-3AA0-49FD-8323-882EC8BAC049}"/>
+          </ac:picMkLst>
+        </pc:picChg>
+      </pc:sldChg>
+      <pc:sldChg chg="addSp delSp modSp mod">
+        <pc:chgData name="Jinlu Liu" userId="78a8ae01-c209-4833-a803-14efb296c1fa" providerId="ADAL" clId="{84474861-6A75-48C5-AA8F-E47B908A5E85}" dt="2024-04-26T07:55:47.641" v="23" actId="1076"/>
+        <pc:sldMkLst>
+          <pc:docMk/>
+          <pc:sldMk cId="1812519805" sldId="259"/>
+        </pc:sldMkLst>
+        <pc:spChg chg="add del mod">
+          <ac:chgData name="Jinlu Liu" userId="78a8ae01-c209-4833-a803-14efb296c1fa" providerId="ADAL" clId="{84474861-6A75-48C5-AA8F-E47B908A5E85}" dt="2024-04-26T07:55:34.161" v="17"/>
+          <ac:spMkLst>
+            <pc:docMk/>
+            <pc:sldMk cId="1812519805" sldId="259"/>
+            <ac:spMk id="3" creationId="{AA4AAEC0-41A2-4F9D-B262-8613F3B6B872}"/>
+          </ac:spMkLst>
+        </pc:spChg>
+        <pc:picChg chg="del">
+          <ac:chgData name="Jinlu Liu" userId="78a8ae01-c209-4833-a803-14efb296c1fa" providerId="ADAL" clId="{84474861-6A75-48C5-AA8F-E47B908A5E85}" dt="2024-04-26T07:55:29.123" v="16" actId="478"/>
+          <ac:picMkLst>
+            <pc:docMk/>
+            <pc:sldMk cId="1812519805" sldId="259"/>
+            <ac:picMk id="5" creationId="{1D8DC62B-269B-4822-A9E9-CD4AAA91C2F3}"/>
+          </ac:picMkLst>
+        </pc:picChg>
+        <pc:picChg chg="add mod">
+          <ac:chgData name="Jinlu Liu" userId="78a8ae01-c209-4833-a803-14efb296c1fa" providerId="ADAL" clId="{84474861-6A75-48C5-AA8F-E47B908A5E85}" dt="2024-04-26T07:55:36.240" v="18" actId="1076"/>
+          <ac:picMkLst>
+            <pc:docMk/>
+            <pc:sldMk cId="1812519805" sldId="259"/>
+            <ac:picMk id="6" creationId="{B65AF6E3-AEB8-43B5-9C44-01A912546DBC}"/>
+          </ac:picMkLst>
+        </pc:picChg>
+        <pc:picChg chg="del">
+          <ac:chgData name="Jinlu Liu" userId="78a8ae01-c209-4833-a803-14efb296c1fa" providerId="ADAL" clId="{84474861-6A75-48C5-AA8F-E47B908A5E85}" dt="2024-04-26T07:55:29.123" v="16" actId="478"/>
+          <ac:picMkLst>
+            <pc:docMk/>
+            <pc:sldMk cId="1812519805" sldId="259"/>
+            <ac:picMk id="7" creationId="{BB520516-D44D-46C8-9367-5E22A9738FA2}"/>
+          </ac:picMkLst>
+        </pc:picChg>
+        <pc:picChg chg="add mod">
+          <ac:chgData name="Jinlu Liu" userId="78a8ae01-c209-4833-a803-14efb296c1fa" providerId="ADAL" clId="{84474861-6A75-48C5-AA8F-E47B908A5E85}" dt="2024-04-26T07:55:47.641" v="23" actId="1076"/>
+          <ac:picMkLst>
+            <pc:docMk/>
+            <pc:sldMk cId="1812519805" sldId="259"/>
+            <ac:picMk id="9" creationId="{38DE3F48-D211-4AD6-A8EF-0A982E2D2E43}"/>
+          </ac:picMkLst>
+        </pc:picChg>
+      </pc:sldChg>
+      <pc:sldChg chg="addSp delSp modSp mod">
+        <pc:chgData name="Jinlu Liu" userId="78a8ae01-c209-4833-a803-14efb296c1fa" providerId="ADAL" clId="{84474861-6A75-48C5-AA8F-E47B908A5E85}" dt="2024-04-26T07:55:59.010" v="27" actId="1076"/>
+        <pc:sldMkLst>
+          <pc:docMk/>
+          <pc:sldMk cId="2435384474" sldId="260"/>
+        </pc:sldMkLst>
+        <pc:picChg chg="del">
+          <ac:chgData name="Jinlu Liu" userId="78a8ae01-c209-4833-a803-14efb296c1fa" providerId="ADAL" clId="{84474861-6A75-48C5-AA8F-E47B908A5E85}" dt="2024-04-26T07:55:51.465" v="24" actId="478"/>
+          <ac:picMkLst>
+            <pc:docMk/>
+            <pc:sldMk cId="2435384474" sldId="260"/>
+            <ac:picMk id="3" creationId="{2D6D7F6A-6F5A-4009-A93A-67916124C5F7}"/>
+          </ac:picMkLst>
+        </pc:picChg>
+        <pc:picChg chg="add mod">
+          <ac:chgData name="Jinlu Liu" userId="78a8ae01-c209-4833-a803-14efb296c1fa" providerId="ADAL" clId="{84474861-6A75-48C5-AA8F-E47B908A5E85}" dt="2024-04-26T07:55:59.010" v="27" actId="1076"/>
+          <ac:picMkLst>
+            <pc:docMk/>
+            <pc:sldMk cId="2435384474" sldId="260"/>
+            <ac:picMk id="4" creationId="{0ED1AAEF-FA0C-48F3-88D0-E7021B7F60F0}"/>
+          </ac:picMkLst>
+        </pc:picChg>
+      </pc:sldChg>
+      <pc:sldChg chg="addSp delSp modSp mod">
+        <pc:chgData name="Jinlu Liu" userId="78a8ae01-c209-4833-a803-14efb296c1fa" providerId="ADAL" clId="{84474861-6A75-48C5-AA8F-E47B908A5E85}" dt="2024-04-26T07:56:58.165" v="43" actId="1076"/>
+        <pc:sldMkLst>
+          <pc:docMk/>
+          <pc:sldMk cId="2773771917" sldId="261"/>
+        </pc:sldMkLst>
+        <pc:spChg chg="add del mod">
+          <ac:chgData name="Jinlu Liu" userId="78a8ae01-c209-4833-a803-14efb296c1fa" providerId="ADAL" clId="{84474861-6A75-48C5-AA8F-E47B908A5E85}" dt="2024-04-26T07:56:53.188" v="39"/>
+          <ac:spMkLst>
+            <pc:docMk/>
+            <pc:sldMk cId="2773771917" sldId="261"/>
+            <ac:spMk id="4" creationId="{EC2B700E-7AB3-4B08-8160-A4BF068E04C9}"/>
+          </ac:spMkLst>
+        </pc:spChg>
+        <pc:picChg chg="del">
+          <ac:chgData name="Jinlu Liu" userId="78a8ae01-c209-4833-a803-14efb296c1fa" providerId="ADAL" clId="{84474861-6A75-48C5-AA8F-E47B908A5E85}" dt="2024-04-26T07:56:48.033" v="38" actId="478"/>
+          <ac:picMkLst>
+            <pc:docMk/>
+            <pc:sldMk cId="2773771917" sldId="261"/>
+            <ac:picMk id="5" creationId="{2AFC8727-EB3D-4161-862C-0C6F049D57C0}"/>
+          </ac:picMkLst>
+        </pc:picChg>
+        <pc:picChg chg="del">
+          <ac:chgData name="Jinlu Liu" userId="78a8ae01-c209-4833-a803-14efb296c1fa" providerId="ADAL" clId="{84474861-6A75-48C5-AA8F-E47B908A5E85}" dt="2024-04-26T07:56:48.033" v="38" actId="478"/>
+          <ac:picMkLst>
+            <pc:docMk/>
+            <pc:sldMk cId="2773771917" sldId="261"/>
+            <ac:picMk id="7" creationId="{D6A229B7-9732-4DA6-8E24-182B82CFC419}"/>
+          </ac:picMkLst>
+        </pc:picChg>
+        <pc:picChg chg="add mod">
+          <ac:chgData name="Jinlu Liu" userId="78a8ae01-c209-4833-a803-14efb296c1fa" providerId="ADAL" clId="{84474861-6A75-48C5-AA8F-E47B908A5E85}" dt="2024-04-26T07:56:58.165" v="43" actId="1076"/>
+          <ac:picMkLst>
+            <pc:docMk/>
+            <pc:sldMk cId="2773771917" sldId="261"/>
+            <ac:picMk id="8" creationId="{CDB9A02D-63BD-4ED5-96DE-449446CFE7AB}"/>
+          </ac:picMkLst>
+        </pc:picChg>
+      </pc:sldChg>
+      <pc:sldChg chg="addSp delSp modSp mod">
+        <pc:chgData name="Jinlu Liu" userId="78a8ae01-c209-4833-a803-14efb296c1fa" providerId="ADAL" clId="{84474861-6A75-48C5-AA8F-E47B908A5E85}" dt="2024-04-26T07:58:04.255" v="70" actId="20577"/>
+        <pc:sldMkLst>
+          <pc:docMk/>
+          <pc:sldMk cId="3647369202" sldId="262"/>
+        </pc:sldMkLst>
+        <pc:spChg chg="mod">
+          <ac:chgData name="Jinlu Liu" userId="78a8ae01-c209-4833-a803-14efb296c1fa" providerId="ADAL" clId="{84474861-6A75-48C5-AA8F-E47B908A5E85}" dt="2024-04-26T07:58:04.255" v="70" actId="20577"/>
+          <ac:spMkLst>
+            <pc:docMk/>
+            <pc:sldMk cId="3647369202" sldId="262"/>
+            <ac:spMk id="2" creationId="{1ADB7B2D-E67E-4076-8452-280B02642C72}"/>
+          </ac:spMkLst>
+        </pc:spChg>
+        <pc:picChg chg="add mod">
+          <ac:chgData name="Jinlu Liu" userId="78a8ae01-c209-4833-a803-14efb296c1fa" providerId="ADAL" clId="{84474861-6A75-48C5-AA8F-E47B908A5E85}" dt="2024-04-26T07:58:00.760" v="66" actId="1076"/>
+          <ac:picMkLst>
+            <pc:docMk/>
+            <pc:sldMk cId="3647369202" sldId="262"/>
+            <ac:picMk id="4" creationId="{BC0D7EB3-5932-45C6-86ED-1F3C95BCD6D2}"/>
+          </ac:picMkLst>
+        </pc:picChg>
+        <pc:picChg chg="del">
+          <ac:chgData name="Jinlu Liu" userId="78a8ae01-c209-4833-a803-14efb296c1fa" providerId="ADAL" clId="{84474861-6A75-48C5-AA8F-E47B908A5E85}" dt="2024-04-26T07:57:50.143" v="63" actId="478"/>
+          <ac:picMkLst>
+            <pc:docMk/>
+            <pc:sldMk cId="3647369202" sldId="262"/>
+            <ac:picMk id="5" creationId="{84BCDAAF-08C0-4E38-9EB2-709ADE5A92C6}"/>
+          </ac:picMkLst>
+        </pc:picChg>
+      </pc:sldChg>
+      <pc:sldChg chg="addSp delSp modSp mod">
+        <pc:chgData name="Jinlu Liu" userId="78a8ae01-c209-4833-a803-14efb296c1fa" providerId="ADAL" clId="{84474861-6A75-48C5-AA8F-E47B908A5E85}" dt="2024-04-26T07:58:36.299" v="82" actId="20577"/>
+        <pc:sldMkLst>
+          <pc:docMk/>
+          <pc:sldMk cId="4251302318" sldId="263"/>
+        </pc:sldMkLst>
+        <pc:spChg chg="mod">
+          <ac:chgData name="Jinlu Liu" userId="78a8ae01-c209-4833-a803-14efb296c1fa" providerId="ADAL" clId="{84474861-6A75-48C5-AA8F-E47B908A5E85}" dt="2024-04-26T07:58:36.299" v="82" actId="20577"/>
+          <ac:spMkLst>
+            <pc:docMk/>
+            <pc:sldMk cId="4251302318" sldId="263"/>
+            <ac:spMk id="2" creationId="{1ADB7B2D-E67E-4076-8452-280B02642C72}"/>
+          </ac:spMkLst>
+        </pc:spChg>
+        <pc:picChg chg="del">
+          <ac:chgData name="Jinlu Liu" userId="78a8ae01-c209-4833-a803-14efb296c1fa" providerId="ADAL" clId="{84474861-6A75-48C5-AA8F-E47B908A5E85}" dt="2024-04-26T07:58:22.986" v="73" actId="478"/>
+          <ac:picMkLst>
+            <pc:docMk/>
+            <pc:sldMk cId="4251302318" sldId="263"/>
+            <ac:picMk id="4" creationId="{534D9784-D00D-4F7F-B2B0-6C23E9B56262}"/>
+          </ac:picMkLst>
+        </pc:picChg>
+        <pc:picChg chg="add mod">
+          <ac:chgData name="Jinlu Liu" userId="78a8ae01-c209-4833-a803-14efb296c1fa" providerId="ADAL" clId="{84474861-6A75-48C5-AA8F-E47B908A5E85}" dt="2024-04-26T07:58:33.662" v="78" actId="1076"/>
+          <ac:picMkLst>
+            <pc:docMk/>
+            <pc:sldMk cId="4251302318" sldId="263"/>
+            <ac:picMk id="5" creationId="{EAEBF452-6976-4AF6-942D-43B2FFBDB1B9}"/>
+          </ac:picMkLst>
+        </pc:picChg>
+      </pc:sldChg>
+      <pc:sldChg chg="addSp delSp modSp mod">
+        <pc:chgData name="Jinlu Liu" userId="78a8ae01-c209-4833-a803-14efb296c1fa" providerId="ADAL" clId="{84474861-6A75-48C5-AA8F-E47B908A5E85}" dt="2024-04-26T07:56:09.459" v="31" actId="1076"/>
+        <pc:sldMkLst>
+          <pc:docMk/>
+          <pc:sldMk cId="677334447" sldId="264"/>
+        </pc:sldMkLst>
+        <pc:picChg chg="del">
+          <ac:chgData name="Jinlu Liu" userId="78a8ae01-c209-4833-a803-14efb296c1fa" providerId="ADAL" clId="{84474861-6A75-48C5-AA8F-E47B908A5E85}" dt="2024-04-26T07:56:02.635" v="28" actId="478"/>
+          <ac:picMkLst>
+            <pc:docMk/>
+            <pc:sldMk cId="677334447" sldId="264"/>
+            <ac:picMk id="4" creationId="{6F5806EA-1A12-46BC-A6F1-D122084311F0}"/>
+          </ac:picMkLst>
+        </pc:picChg>
+        <pc:picChg chg="add mod">
+          <ac:chgData name="Jinlu Liu" userId="78a8ae01-c209-4833-a803-14efb296c1fa" providerId="ADAL" clId="{84474861-6A75-48C5-AA8F-E47B908A5E85}" dt="2024-04-26T07:56:09.459" v="31" actId="1076"/>
+          <ac:picMkLst>
+            <pc:docMk/>
+            <pc:sldMk cId="677334447" sldId="264"/>
+            <ac:picMk id="5" creationId="{986E421D-1947-49A8-AECE-4AA55996E801}"/>
+          </ac:picMkLst>
+        </pc:picChg>
+      </pc:sldChg>
+      <pc:sldChg chg="del">
+        <pc:chgData name="Jinlu Liu" userId="78a8ae01-c209-4833-a803-14efb296c1fa" providerId="ADAL" clId="{84474861-6A75-48C5-AA8F-E47B908A5E85}" dt="2024-04-26T07:58:18.760" v="72" actId="47"/>
+        <pc:sldMkLst>
+          <pc:docMk/>
+          <pc:sldMk cId="1938836949" sldId="265"/>
+        </pc:sldMkLst>
+      </pc:sldChg>
+      <pc:sldChg chg="del">
+        <pc:chgData name="Jinlu Liu" userId="78a8ae01-c209-4833-a803-14efb296c1fa" providerId="ADAL" clId="{84474861-6A75-48C5-AA8F-E47B908A5E85}" dt="2024-04-26T07:58:18.760" v="72" actId="47"/>
+        <pc:sldMkLst>
+          <pc:docMk/>
+          <pc:sldMk cId="654275408" sldId="266"/>
+        </pc:sldMkLst>
+      </pc:sldChg>
+      <pc:sldChg chg="addSp delSp modSp mod">
+        <pc:chgData name="Jinlu Liu" userId="78a8ae01-c209-4833-a803-14efb296c1fa" providerId="ADAL" clId="{84474861-6A75-48C5-AA8F-E47B908A5E85}" dt="2024-04-26T07:56:19.494" v="33"/>
+        <pc:sldMkLst>
+          <pc:docMk/>
+          <pc:sldMk cId="2478525457" sldId="267"/>
+        </pc:sldMkLst>
+        <pc:spChg chg="add del mod">
+          <ac:chgData name="Jinlu Liu" userId="78a8ae01-c209-4833-a803-14efb296c1fa" providerId="ADAL" clId="{84474861-6A75-48C5-AA8F-E47B908A5E85}" dt="2024-04-26T07:56:19.494" v="33"/>
+          <ac:spMkLst>
+            <pc:docMk/>
+            <pc:sldMk cId="2478525457" sldId="267"/>
+            <ac:spMk id="4" creationId="{7A07F2D7-A081-4D7C-A1E7-EDFF4E4DE9AF}"/>
+          </ac:spMkLst>
+        </pc:spChg>
+        <pc:picChg chg="add mod">
+          <ac:chgData name="Jinlu Liu" userId="78a8ae01-c209-4833-a803-14efb296c1fa" providerId="ADAL" clId="{84474861-6A75-48C5-AA8F-E47B908A5E85}" dt="2024-04-26T07:56:19.494" v="33"/>
+          <ac:picMkLst>
+            <pc:docMk/>
+            <pc:sldMk cId="2478525457" sldId="267"/>
+            <ac:picMk id="6" creationId="{C254402C-AB7A-4945-B477-CBC4C4460705}"/>
+          </ac:picMkLst>
+        </pc:picChg>
+        <pc:picChg chg="del">
+          <ac:chgData name="Jinlu Liu" userId="78a8ae01-c209-4833-a803-14efb296c1fa" providerId="ADAL" clId="{84474861-6A75-48C5-AA8F-E47B908A5E85}" dt="2024-04-26T07:56:14.659" v="32" actId="478"/>
+          <ac:picMkLst>
+            <pc:docMk/>
+            <pc:sldMk cId="2478525457" sldId="267"/>
+            <ac:picMk id="7" creationId="{8FDADCC0-A2BB-46FA-AFE9-D782EE378D27}"/>
+          </ac:picMkLst>
+        </pc:picChg>
+      </pc:sldChg>
+      <pc:sldChg chg="addSp delSp modSp mod">
+        <pc:chgData name="Jinlu Liu" userId="78a8ae01-c209-4833-a803-14efb296c1fa" providerId="ADAL" clId="{84474861-6A75-48C5-AA8F-E47B908A5E85}" dt="2024-04-26T07:58:54.033" v="91" actId="14100"/>
+        <pc:sldMkLst>
+          <pc:docMk/>
+          <pc:sldMk cId="676060478" sldId="268"/>
+        </pc:sldMkLst>
+        <pc:spChg chg="add del mod">
+          <ac:chgData name="Jinlu Liu" userId="78a8ae01-c209-4833-a803-14efb296c1fa" providerId="ADAL" clId="{84474861-6A75-48C5-AA8F-E47B908A5E85}" dt="2024-04-26T07:58:49.729" v="88"/>
+          <ac:spMkLst>
+            <pc:docMk/>
+            <pc:sldMk cId="676060478" sldId="268"/>
+            <ac:spMk id="3" creationId="{FDAEF9D1-2595-41DD-8305-9ECCAAABE177}"/>
+          </ac:spMkLst>
+        </pc:spChg>
+        <pc:spChg chg="mod">
+          <ac:chgData name="Jinlu Liu" userId="78a8ae01-c209-4833-a803-14efb296c1fa" providerId="ADAL" clId="{84474861-6A75-48C5-AA8F-E47B908A5E85}" dt="2024-04-26T07:58:44.551" v="86" actId="20577"/>
+          <ac:spMkLst>
+            <pc:docMk/>
+            <pc:sldMk cId="676060478" sldId="268"/>
+            <ac:spMk id="6" creationId="{B065EB0E-FEB5-4BDF-B27A-DCB83305FEB5}"/>
+          </ac:spMkLst>
+        </pc:spChg>
+        <pc:picChg chg="del">
+          <ac:chgData name="Jinlu Liu" userId="78a8ae01-c209-4833-a803-14efb296c1fa" providerId="ADAL" clId="{84474861-6A75-48C5-AA8F-E47B908A5E85}" dt="2024-04-26T07:58:46.328" v="87" actId="478"/>
+          <ac:picMkLst>
+            <pc:docMk/>
+            <pc:sldMk cId="676060478" sldId="268"/>
+            <ac:picMk id="5" creationId="{BB5E7FDA-3D5D-41CF-BC61-AB1DB9D6F473}"/>
+          </ac:picMkLst>
+        </pc:picChg>
+        <pc:picChg chg="add mod">
+          <ac:chgData name="Jinlu Liu" userId="78a8ae01-c209-4833-a803-14efb296c1fa" providerId="ADAL" clId="{84474861-6A75-48C5-AA8F-E47B908A5E85}" dt="2024-04-26T07:58:54.033" v="91" actId="14100"/>
+          <ac:picMkLst>
+            <pc:docMk/>
+            <pc:sldMk cId="676060478" sldId="268"/>
+            <ac:picMk id="7" creationId="{124D4F1D-8DFF-4AA2-A1E0-FA9BA962DD58}"/>
+          </ac:picMkLst>
+        </pc:picChg>
+      </pc:sldChg>
+      <pc:sldChg chg="del">
+        <pc:chgData name="Jinlu Liu" userId="78a8ae01-c209-4833-a803-14efb296c1fa" providerId="ADAL" clId="{84474861-6A75-48C5-AA8F-E47B908A5E85}" dt="2024-04-26T07:58:15.633" v="71" actId="47"/>
+        <pc:sldMkLst>
+          <pc:docMk/>
+          <pc:sldMk cId="1062846705" sldId="269"/>
+        </pc:sldMkLst>
+      </pc:sldChg>
+      <pc:sldChg chg="del">
+        <pc:chgData name="Jinlu Liu" userId="78a8ae01-c209-4833-a803-14efb296c1fa" providerId="ADAL" clId="{84474861-6A75-48C5-AA8F-E47B908A5E85}" dt="2024-04-26T07:58:15.633" v="71" actId="47"/>
+        <pc:sldMkLst>
+          <pc:docMk/>
+          <pc:sldMk cId="2054459301" sldId="270"/>
+        </pc:sldMkLst>
+      </pc:sldChg>
+      <pc:sldChg chg="del">
+        <pc:chgData name="Jinlu Liu" userId="78a8ae01-c209-4833-a803-14efb296c1fa" providerId="ADAL" clId="{84474861-6A75-48C5-AA8F-E47B908A5E85}" dt="2024-04-26T07:58:15.633" v="71" actId="47"/>
+        <pc:sldMkLst>
+          <pc:docMk/>
+          <pc:sldMk cId="255377094" sldId="271"/>
+        </pc:sldMkLst>
+      </pc:sldChg>
+      <pc:sldChg chg="del">
+        <pc:chgData name="Jinlu Liu" userId="78a8ae01-c209-4833-a803-14efb296c1fa" providerId="ADAL" clId="{84474861-6A75-48C5-AA8F-E47B908A5E85}" dt="2024-04-26T07:58:15.633" v="71" actId="47"/>
+        <pc:sldMkLst>
+          <pc:docMk/>
+          <pc:sldMk cId="280099353" sldId="272"/>
+        </pc:sldMkLst>
+      </pc:sldChg>
+      <pc:sldChg chg="del">
+        <pc:chgData name="Jinlu Liu" userId="78a8ae01-c209-4833-a803-14efb296c1fa" providerId="ADAL" clId="{84474861-6A75-48C5-AA8F-E47B908A5E85}" dt="2024-04-26T07:58:15.633" v="71" actId="47"/>
+        <pc:sldMkLst>
+          <pc:docMk/>
+          <pc:sldMk cId="3384237116" sldId="273"/>
+        </pc:sldMkLst>
+      </pc:sldChg>
+      <pc:sldChg chg="addSp delSp modSp mod">
+        <pc:chgData name="Jinlu Liu" userId="78a8ae01-c209-4833-a803-14efb296c1fa" providerId="ADAL" clId="{84474861-6A75-48C5-AA8F-E47B908A5E85}" dt="2024-04-26T07:56:28.130" v="35"/>
+        <pc:sldMkLst>
+          <pc:docMk/>
+          <pc:sldMk cId="978135275" sldId="274"/>
+        </pc:sldMkLst>
+        <pc:picChg chg="add mod">
+          <ac:chgData name="Jinlu Liu" userId="78a8ae01-c209-4833-a803-14efb296c1fa" providerId="ADAL" clId="{84474861-6A75-48C5-AA8F-E47B908A5E85}" dt="2024-04-26T07:56:28.130" v="35"/>
+          <ac:picMkLst>
+            <pc:docMk/>
+            <pc:sldMk cId="978135275" sldId="274"/>
+            <ac:picMk id="4" creationId="{B3AEADEF-FB95-4DD9-BD36-5BCB15948E96}"/>
+          </ac:picMkLst>
+        </pc:picChg>
+        <pc:picChg chg="del">
+          <ac:chgData name="Jinlu Liu" userId="78a8ae01-c209-4833-a803-14efb296c1fa" providerId="ADAL" clId="{84474861-6A75-48C5-AA8F-E47B908A5E85}" dt="2024-04-26T07:56:24.327" v="34" actId="478"/>
+          <ac:picMkLst>
+            <pc:docMk/>
+            <pc:sldMk cId="978135275" sldId="274"/>
+            <ac:picMk id="5" creationId="{E76F88AF-EE71-49F7-AC98-24D0F5ABD5F2}"/>
+          </ac:picMkLst>
+        </pc:picChg>
+      </pc:sldChg>
+      <pc:sldChg chg="delSp del mod">
+        <pc:chgData name="Jinlu Liu" userId="78a8ae01-c209-4833-a803-14efb296c1fa" providerId="ADAL" clId="{84474861-6A75-48C5-AA8F-E47B908A5E85}" dt="2024-04-26T07:56:36.664" v="37" actId="47"/>
+        <pc:sldMkLst>
+          <pc:docMk/>
+          <pc:sldMk cId="1865936040" sldId="275"/>
+        </pc:sldMkLst>
+        <pc:picChg chg="del">
+          <ac:chgData name="Jinlu Liu" userId="78a8ae01-c209-4833-a803-14efb296c1fa" providerId="ADAL" clId="{84474861-6A75-48C5-AA8F-E47B908A5E85}" dt="2024-04-26T07:56:33.355" v="36" actId="478"/>
+          <ac:picMkLst>
+            <pc:docMk/>
+            <pc:sldMk cId="1865936040" sldId="275"/>
+            <ac:picMk id="5" creationId="{A5E00299-27F7-4478-B45C-26418AE96832}"/>
+          </ac:picMkLst>
+        </pc:picChg>
+      </pc:sldChg>
+      <pc:sldChg chg="addSp delSp modSp mod">
+        <pc:chgData name="Jinlu Liu" userId="78a8ae01-c209-4833-a803-14efb296c1fa" providerId="ADAL" clId="{84474861-6A75-48C5-AA8F-E47B908A5E85}" dt="2024-04-26T07:57:22.638" v="53" actId="1076"/>
+        <pc:sldMkLst>
+          <pc:docMk/>
+          <pc:sldMk cId="345600431" sldId="276"/>
+        </pc:sldMkLst>
+        <pc:picChg chg="add mod">
+          <ac:chgData name="Jinlu Liu" userId="78a8ae01-c209-4833-a803-14efb296c1fa" providerId="ADAL" clId="{84474861-6A75-48C5-AA8F-E47B908A5E85}" dt="2024-04-26T07:57:22.638" v="53" actId="1076"/>
+          <ac:picMkLst>
+            <pc:docMk/>
+            <pc:sldMk cId="345600431" sldId="276"/>
+            <ac:picMk id="4" creationId="{036712D8-9205-4216-A8E9-91103EEDF029}"/>
+          </ac:picMkLst>
+        </pc:picChg>
+        <pc:picChg chg="del">
+          <ac:chgData name="Jinlu Liu" userId="78a8ae01-c209-4833-a803-14efb296c1fa" providerId="ADAL" clId="{84474861-6A75-48C5-AA8F-E47B908A5E85}" dt="2024-04-26T07:57:11.289" v="48" actId="478"/>
+          <ac:picMkLst>
+            <pc:docMk/>
+            <pc:sldMk cId="345600431" sldId="276"/>
+            <ac:picMk id="5" creationId="{A4954BC7-F990-4E00-AFDE-34B57D8B3B38}"/>
+          </ac:picMkLst>
+        </pc:picChg>
+      </pc:sldChg>
+      <pc:sldChg chg="addSp delSp modSp new mod">
+        <pc:chgData name="Jinlu Liu" userId="78a8ae01-c209-4833-a803-14efb296c1fa" providerId="ADAL" clId="{84474861-6A75-48C5-AA8F-E47B908A5E85}" dt="2024-04-26T07:57:08.890" v="47" actId="14100"/>
+        <pc:sldMkLst>
+          <pc:docMk/>
+          <pc:sldMk cId="3490467886" sldId="277"/>
+        </pc:sldMkLst>
+        <pc:spChg chg="del">
+          <ac:chgData name="Jinlu Liu" userId="78a8ae01-c209-4833-a803-14efb296c1fa" providerId="ADAL" clId="{84474861-6A75-48C5-AA8F-E47B908A5E85}" dt="2024-04-26T07:57:05.254" v="45"/>
+          <ac:spMkLst>
+            <pc:docMk/>
+            <pc:sldMk cId="3490467886" sldId="277"/>
+            <ac:spMk id="3" creationId="{3B19ABCD-9C0D-4362-B148-4A0E9D424098}"/>
+          </ac:spMkLst>
+        </pc:spChg>
+        <pc:picChg chg="add mod">
+          <ac:chgData name="Jinlu Liu" userId="78a8ae01-c209-4833-a803-14efb296c1fa" providerId="ADAL" clId="{84474861-6A75-48C5-AA8F-E47B908A5E85}" dt="2024-04-26T07:57:08.890" v="47" actId="14100"/>
+          <ac:picMkLst>
+            <pc:docMk/>
+            <pc:sldMk cId="3490467886" sldId="277"/>
+            <ac:picMk id="5" creationId="{6979BA88-AB6C-4EB5-A327-5C399A9F4669}"/>
+          </ac:picMkLst>
+        </pc:picChg>
+      </pc:sldChg>
+      <pc:sldChg chg="addSp delSp modSp new mod">
+        <pc:chgData name="Jinlu Liu" userId="78a8ae01-c209-4833-a803-14efb296c1fa" providerId="ADAL" clId="{84474861-6A75-48C5-AA8F-E47B908A5E85}" dt="2024-04-26T07:57:32.153" v="57" actId="14100"/>
+        <pc:sldMkLst>
+          <pc:docMk/>
+          <pc:sldMk cId="3777134402" sldId="278"/>
+        </pc:sldMkLst>
+        <pc:spChg chg="del">
+          <ac:chgData name="Jinlu Liu" userId="78a8ae01-c209-4833-a803-14efb296c1fa" providerId="ADAL" clId="{84474861-6A75-48C5-AA8F-E47B908A5E85}" dt="2024-04-26T07:57:27.597" v="55"/>
+          <ac:spMkLst>
+            <pc:docMk/>
+            <pc:sldMk cId="3777134402" sldId="278"/>
+            <ac:spMk id="3" creationId="{40BFDF07-F9CE-4108-A757-B297BD975079}"/>
+          </ac:spMkLst>
+        </pc:spChg>
+        <pc:picChg chg="add mod">
+          <ac:chgData name="Jinlu Liu" userId="78a8ae01-c209-4833-a803-14efb296c1fa" providerId="ADAL" clId="{84474861-6A75-48C5-AA8F-E47B908A5E85}" dt="2024-04-26T07:57:32.153" v="57" actId="14100"/>
+          <ac:picMkLst>
+            <pc:docMk/>
+            <pc:sldMk cId="3777134402" sldId="278"/>
+            <ac:picMk id="5" creationId="{957E2A9F-DCE3-4FBB-A509-5ACC42498492}"/>
+          </ac:picMkLst>
+        </pc:picChg>
+      </pc:sldChg>
+      <pc:sldChg chg="addSp delSp modSp new mod">
+        <pc:chgData name="Jinlu Liu" userId="78a8ae01-c209-4833-a803-14efb296c1fa" providerId="ADAL" clId="{84474861-6A75-48C5-AA8F-E47B908A5E85}" dt="2024-04-26T07:57:46.743" v="62" actId="14100"/>
+        <pc:sldMkLst>
+          <pc:docMk/>
+          <pc:sldMk cId="2955535300" sldId="279"/>
+        </pc:sldMkLst>
+        <pc:spChg chg="del">
+          <ac:chgData name="Jinlu Liu" userId="78a8ae01-c209-4833-a803-14efb296c1fa" providerId="ADAL" clId="{84474861-6A75-48C5-AA8F-E47B908A5E85}" dt="2024-04-26T07:57:38.398" v="59"/>
+          <ac:spMkLst>
+            <pc:docMk/>
+            <pc:sldMk cId="2955535300" sldId="279"/>
+            <ac:spMk id="3" creationId="{3BC213A2-169E-4780-B4FE-A2319F02209B}"/>
+          </ac:spMkLst>
+        </pc:spChg>
+        <pc:picChg chg="add mod">
+          <ac:chgData name="Jinlu Liu" userId="78a8ae01-c209-4833-a803-14efb296c1fa" providerId="ADAL" clId="{84474861-6A75-48C5-AA8F-E47B908A5E85}" dt="2024-04-26T07:57:46.743" v="62" actId="14100"/>
+          <ac:picMkLst>
+            <pc:docMk/>
+            <pc:sldMk cId="2955535300" sldId="279"/>
+            <ac:picMk id="5" creationId="{448CFF37-34D0-4B9F-8F31-25EE635B1DA8}"/>
+          </ac:picMkLst>
+        </pc:picChg>
+      </pc:sldChg>
+      <pc:sldChg chg="addSp delSp modSp new mod">
+        <pc:chgData name="Jinlu Liu" userId="78a8ae01-c209-4833-a803-14efb296c1fa" providerId="ADAL" clId="{84474861-6A75-48C5-AA8F-E47B908A5E85}" dt="2024-04-26T07:59:28.632" v="129" actId="1076"/>
+        <pc:sldMkLst>
+          <pc:docMk/>
+          <pc:sldMk cId="3392379724" sldId="280"/>
+        </pc:sldMkLst>
+        <pc:spChg chg="mod">
+          <ac:chgData name="Jinlu Liu" userId="78a8ae01-c209-4833-a803-14efb296c1fa" providerId="ADAL" clId="{84474861-6A75-48C5-AA8F-E47B908A5E85}" dt="2024-04-26T07:59:18.955" v="128" actId="255"/>
+          <ac:spMkLst>
+            <pc:docMk/>
+            <pc:sldMk cId="3392379724" sldId="280"/>
+            <ac:spMk id="2" creationId="{B5AFF049-52A8-4D65-AED0-DC1A2E912224}"/>
+          </ac:spMkLst>
+        </pc:spChg>
+        <pc:spChg chg="del">
+          <ac:chgData name="Jinlu Liu" userId="78a8ae01-c209-4833-a803-14efb296c1fa" providerId="ADAL" clId="{84474861-6A75-48C5-AA8F-E47B908A5E85}" dt="2024-04-26T07:59:05.408" v="93"/>
+          <ac:spMkLst>
+            <pc:docMk/>
+            <pc:sldMk cId="3392379724" sldId="280"/>
+            <ac:spMk id="3" creationId="{087B9E0E-7F9A-4C3A-AC34-2A8767D598F5}"/>
+          </ac:spMkLst>
+        </pc:spChg>
+        <pc:picChg chg="add mod">
+          <ac:chgData name="Jinlu Liu" userId="78a8ae01-c209-4833-a803-14efb296c1fa" providerId="ADAL" clId="{84474861-6A75-48C5-AA8F-E47B908A5E85}" dt="2024-04-26T07:59:28.632" v="129" actId="1076"/>
+          <ac:picMkLst>
+            <pc:docMk/>
+            <pc:sldMk cId="3392379724" sldId="280"/>
+            <ac:picMk id="5" creationId="{F85AEDFD-3299-4938-83BF-4EAFE031605B}"/>
+          </ac:picMkLst>
+        </pc:picChg>
+      </pc:sldChg>
+      <pc:sldChg chg="addSp delSp modSp new mod">
+        <pc:chgData name="Jinlu Liu" userId="78a8ae01-c209-4833-a803-14efb296c1fa" providerId="ADAL" clId="{84474861-6A75-48C5-AA8F-E47B908A5E85}" dt="2024-04-26T08:40:34.909" v="184" actId="1076"/>
+        <pc:sldMkLst>
+          <pc:docMk/>
+          <pc:sldMk cId="4139649542" sldId="281"/>
+        </pc:sldMkLst>
+        <pc:spChg chg="mod">
+          <ac:chgData name="Jinlu Liu" userId="78a8ae01-c209-4833-a803-14efb296c1fa" providerId="ADAL" clId="{84474861-6A75-48C5-AA8F-E47B908A5E85}" dt="2024-04-26T08:39:42.346" v="164" actId="20577"/>
+          <ac:spMkLst>
+            <pc:docMk/>
+            <pc:sldMk cId="4139649542" sldId="281"/>
+            <ac:spMk id="2" creationId="{21968E11-A22E-4067-A507-557560BDC73E}"/>
+          </ac:spMkLst>
+        </pc:spChg>
+        <pc:spChg chg="del">
+          <ac:chgData name="Jinlu Liu" userId="78a8ae01-c209-4833-a803-14efb296c1fa" providerId="ADAL" clId="{84474861-6A75-48C5-AA8F-E47B908A5E85}" dt="2024-04-26T08:40:03.485" v="167"/>
+          <ac:spMkLst>
+            <pc:docMk/>
+            <pc:sldMk cId="4139649542" sldId="281"/>
+            <ac:spMk id="3" creationId="{10B56627-7408-41A2-A0D4-389DD66A2EEF}"/>
+          </ac:spMkLst>
+        </pc:spChg>
+        <pc:picChg chg="add mod">
+          <ac:chgData name="Jinlu Liu" userId="78a8ae01-c209-4833-a803-14efb296c1fa" providerId="ADAL" clId="{84474861-6A75-48C5-AA8F-E47B908A5E85}" dt="2024-04-26T08:40:10.242" v="172" actId="1076"/>
+          <ac:picMkLst>
+            <pc:docMk/>
+            <pc:sldMk cId="4139649542" sldId="281"/>
+            <ac:picMk id="5" creationId="{49470330-34D7-42AC-92C1-8C6F40A6C4E9}"/>
+          </ac:picMkLst>
+        </pc:picChg>
+        <pc:picChg chg="add mod">
+          <ac:chgData name="Jinlu Liu" userId="78a8ae01-c209-4833-a803-14efb296c1fa" providerId="ADAL" clId="{84474861-6A75-48C5-AA8F-E47B908A5E85}" dt="2024-04-26T08:40:34.909" v="184" actId="1076"/>
+          <ac:picMkLst>
+            <pc:docMk/>
+            <pc:sldMk cId="4139649542" sldId="281"/>
+            <ac:picMk id="7" creationId="{A0D48AFE-1CA3-4460-AB84-3916C4427F20}"/>
+          </ac:picMkLst>
+        </pc:picChg>
+        <pc:picChg chg="add mod">
+          <ac:chgData name="Jinlu Liu" userId="78a8ae01-c209-4833-a803-14efb296c1fa" providerId="ADAL" clId="{84474861-6A75-48C5-AA8F-E47B908A5E85}" dt="2024-04-26T08:40:31.505" v="183" actId="1076"/>
+          <ac:picMkLst>
+            <pc:docMk/>
+            <pc:sldMk cId="4139649542" sldId="281"/>
+            <ac:picMk id="9" creationId="{41EE855B-3F08-4153-8056-79D8E3C62146}"/>
+          </ac:picMkLst>
+        </pc:picChg>
+      </pc:sldChg>
+      <pc:sldChg chg="addSp delSp modSp new mod">
+        <pc:chgData name="Jinlu Liu" userId="78a8ae01-c209-4833-a803-14efb296c1fa" providerId="ADAL" clId="{84474861-6A75-48C5-AA8F-E47B908A5E85}" dt="2024-04-26T08:40:44.173" v="187" actId="1076"/>
+        <pc:sldMkLst>
+          <pc:docMk/>
+          <pc:sldMk cId="3690412395" sldId="282"/>
+        </pc:sldMkLst>
+        <pc:spChg chg="del">
+          <ac:chgData name="Jinlu Liu" userId="78a8ae01-c209-4833-a803-14efb296c1fa" providerId="ADAL" clId="{84474861-6A75-48C5-AA8F-E47B908A5E85}" dt="2024-04-26T08:40:41.709" v="186"/>
+          <ac:spMkLst>
+            <pc:docMk/>
+            <pc:sldMk cId="3690412395" sldId="282"/>
+            <ac:spMk id="3" creationId="{6F5D68BA-6CDD-42F1-BC48-B72414CC4F0F}"/>
+          </ac:spMkLst>
+        </pc:spChg>
+        <pc:picChg chg="add mod">
+          <ac:chgData name="Jinlu Liu" userId="78a8ae01-c209-4833-a803-14efb296c1fa" providerId="ADAL" clId="{84474861-6A75-48C5-AA8F-E47B908A5E85}" dt="2024-04-26T08:40:44.173" v="187" actId="1076"/>
+          <ac:picMkLst>
+            <pc:docMk/>
+            <pc:sldMk cId="3690412395" sldId="282"/>
+            <ac:picMk id="5" creationId="{A2B386F8-1D52-46D4-90C5-62F4A2C9C1E3}"/>
+          </ac:picMkLst>
+        </pc:picChg>
+      </pc:sldChg>
+      <pc:sldChg chg="addSp delSp modSp new mod">
+        <pc:chgData name="Jinlu Liu" userId="78a8ae01-c209-4833-a803-14efb296c1fa" providerId="ADAL" clId="{84474861-6A75-48C5-AA8F-E47B908A5E85}" dt="2024-04-26T09:11:20.164" v="313" actId="20577"/>
+        <pc:sldMkLst>
+          <pc:docMk/>
+          <pc:sldMk cId="57223636" sldId="283"/>
+        </pc:sldMkLst>
+        <pc:spChg chg="mod">
+          <ac:chgData name="Jinlu Liu" userId="78a8ae01-c209-4833-a803-14efb296c1fa" providerId="ADAL" clId="{84474861-6A75-48C5-AA8F-E47B908A5E85}" dt="2024-04-26T09:11:20.164" v="313" actId="20577"/>
+          <ac:spMkLst>
+            <pc:docMk/>
+            <pc:sldMk cId="57223636" sldId="283"/>
+            <ac:spMk id="2" creationId="{5FB941C3-D8BE-4F78-9F2C-91F1C9BC7DDE}"/>
+          </ac:spMkLst>
+        </pc:spChg>
+        <pc:spChg chg="del">
+          <ac:chgData name="Jinlu Liu" userId="78a8ae01-c209-4833-a803-14efb296c1fa" providerId="ADAL" clId="{84474861-6A75-48C5-AA8F-E47B908A5E85}" dt="2024-04-26T09:10:44.477" v="189"/>
+          <ac:spMkLst>
+            <pc:docMk/>
+            <pc:sldMk cId="57223636" sldId="283"/>
+            <ac:spMk id="3" creationId="{51A025C1-7265-43C4-BD2D-EB342ADE40DE}"/>
+          </ac:spMkLst>
+        </pc:spChg>
+        <pc:picChg chg="add mod">
+          <ac:chgData name="Jinlu Liu" userId="78a8ae01-c209-4833-a803-14efb296c1fa" providerId="ADAL" clId="{84474861-6A75-48C5-AA8F-E47B908A5E85}" dt="2024-04-26T09:11:00.589" v="205" actId="14100"/>
+          <ac:picMkLst>
+            <pc:docMk/>
+            <pc:sldMk cId="57223636" sldId="283"/>
+            <ac:picMk id="5" creationId="{84F7564A-21B3-49D2-BECC-583579C7A1A4}"/>
+          </ac:picMkLst>
+        </pc:picChg>
+      </pc:sldChg>
+      <pc:sldChg chg="addSp delSp modSp new mod">
+        <pc:chgData name="Jinlu Liu" userId="78a8ae01-c209-4833-a803-14efb296c1fa" providerId="ADAL" clId="{84474861-6A75-48C5-AA8F-E47B908A5E85}" dt="2024-04-26T09:11:31.716" v="317" actId="14100"/>
+        <pc:sldMkLst>
+          <pc:docMk/>
+          <pc:sldMk cId="1245428203" sldId="284"/>
+        </pc:sldMkLst>
+        <pc:spChg chg="del">
+          <ac:chgData name="Jinlu Liu" userId="78a8ae01-c209-4833-a803-14efb296c1fa" providerId="ADAL" clId="{84474861-6A75-48C5-AA8F-E47B908A5E85}" dt="2024-04-26T09:11:27.079" v="315"/>
+          <ac:spMkLst>
+            <pc:docMk/>
+            <pc:sldMk cId="1245428203" sldId="284"/>
+            <ac:spMk id="3" creationId="{35FCE850-607A-4476-A20A-647FCAB7E591}"/>
+          </ac:spMkLst>
+        </pc:spChg>
+        <pc:picChg chg="add mod">
+          <ac:chgData name="Jinlu Liu" userId="78a8ae01-c209-4833-a803-14efb296c1fa" providerId="ADAL" clId="{84474861-6A75-48C5-AA8F-E47B908A5E85}" dt="2024-04-26T09:11:31.716" v="317" actId="14100"/>
+          <ac:picMkLst>
+            <pc:docMk/>
+            <pc:sldMk cId="1245428203" sldId="284"/>
+            <ac:picMk id="5" creationId="{B4BE98F6-7613-404D-9B90-C42D5A2E043A}"/>
+          </ac:picMkLst>
+        </pc:picChg>
+      </pc:sldChg>
+      <pc:sldChg chg="addSp delSp modSp new mod">
+        <pc:chgData name="Jinlu Liu" userId="78a8ae01-c209-4833-a803-14efb296c1fa" providerId="ADAL" clId="{84474861-6A75-48C5-AA8F-E47B908A5E85}" dt="2024-04-26T09:11:41.638" v="321" actId="14100"/>
+        <pc:sldMkLst>
+          <pc:docMk/>
+          <pc:sldMk cId="2507062780" sldId="285"/>
+        </pc:sldMkLst>
+        <pc:spChg chg="del">
+          <ac:chgData name="Jinlu Liu" userId="78a8ae01-c209-4833-a803-14efb296c1fa" providerId="ADAL" clId="{84474861-6A75-48C5-AA8F-E47B908A5E85}" dt="2024-04-26T09:11:37.915" v="319"/>
+          <ac:spMkLst>
+            <pc:docMk/>
+            <pc:sldMk cId="2507062780" sldId="285"/>
+            <ac:spMk id="3" creationId="{C5694109-77F4-4997-9AFE-F908B5134752}"/>
+          </ac:spMkLst>
+        </pc:spChg>
+        <pc:picChg chg="add mod">
+          <ac:chgData name="Jinlu Liu" userId="78a8ae01-c209-4833-a803-14efb296c1fa" providerId="ADAL" clId="{84474861-6A75-48C5-AA8F-E47B908A5E85}" dt="2024-04-26T09:11:41.638" v="321" actId="14100"/>
+          <ac:picMkLst>
+            <pc:docMk/>
+            <pc:sldMk cId="2507062780" sldId="285"/>
+            <ac:picMk id="5" creationId="{A862E85F-CD47-4367-8BFC-B496DF303A10}"/>
+          </ac:picMkLst>
+        </pc:picChg>
+      </pc:sldChg>
+      <pc:sldChg chg="addSp delSp modSp new mod">
+        <pc:chgData name="Jinlu Liu" userId="78a8ae01-c209-4833-a803-14efb296c1fa" providerId="ADAL" clId="{84474861-6A75-48C5-AA8F-E47B908A5E85}" dt="2024-04-26T09:12:13.784" v="386" actId="20577"/>
+        <pc:sldMkLst>
+          <pc:docMk/>
+          <pc:sldMk cId="27252148" sldId="286"/>
+        </pc:sldMkLst>
+        <pc:spChg chg="mod">
+          <ac:chgData name="Jinlu Liu" userId="78a8ae01-c209-4833-a803-14efb296c1fa" providerId="ADAL" clId="{84474861-6A75-48C5-AA8F-E47B908A5E85}" dt="2024-04-26T09:12:13.784" v="386" actId="20577"/>
+          <ac:spMkLst>
+            <pc:docMk/>
+            <pc:sldMk cId="27252148" sldId="286"/>
+            <ac:spMk id="2" creationId="{CEABB2AD-4E3A-4DCF-91F7-196F4B6A426E}"/>
+          </ac:spMkLst>
+        </pc:spChg>
+        <pc:spChg chg="del">
+          <ac:chgData name="Jinlu Liu" userId="78a8ae01-c209-4833-a803-14efb296c1fa" providerId="ADAL" clId="{84474861-6A75-48C5-AA8F-E47B908A5E85}" dt="2024-04-26T09:11:55.187" v="323"/>
+          <ac:spMkLst>
+            <pc:docMk/>
+            <pc:sldMk cId="27252148" sldId="286"/>
+            <ac:spMk id="3" creationId="{84C12C54-5346-4FDD-8E4F-5821C06E331A}"/>
+          </ac:spMkLst>
+        </pc:spChg>
+        <pc:picChg chg="add mod">
+          <ac:chgData name="Jinlu Liu" userId="78a8ae01-c209-4833-a803-14efb296c1fa" providerId="ADAL" clId="{84474861-6A75-48C5-AA8F-E47B908A5E85}" dt="2024-04-26T09:11:59.203" v="325" actId="14100"/>
+          <ac:picMkLst>
+            <pc:docMk/>
+            <pc:sldMk cId="27252148" sldId="286"/>
+            <ac:picMk id="5" creationId="{C89A65C3-26CB-4264-B7F0-271D81A85424}"/>
           </ac:picMkLst>
         </pc:picChg>
       </pc:sldChg>
@@ -753,7 +1490,7 @@
           <a:p>
             <a:fld id="{2F71A33B-744B-475E-8ECD-966AACEE20CA}" type="datetimeFigureOut">
               <a:rPr lang="en-GB" smtClean="0"/>
-              <a:t>19/03/2024</a:t>
+              <a:t>26/04/2024</a:t>
             </a:fld>
             <a:endParaRPr lang="en-GB"/>
           </a:p>
@@ -953,7 +1690,7 @@
           <a:p>
             <a:fld id="{2F71A33B-744B-475E-8ECD-966AACEE20CA}" type="datetimeFigureOut">
               <a:rPr lang="en-GB" smtClean="0"/>
-              <a:t>19/03/2024</a:t>
+              <a:t>26/04/2024</a:t>
             </a:fld>
             <a:endParaRPr lang="en-GB"/>
           </a:p>
@@ -1163,7 +1900,7 @@
           <a:p>
             <a:fld id="{2F71A33B-744B-475E-8ECD-966AACEE20CA}" type="datetimeFigureOut">
               <a:rPr lang="en-GB" smtClean="0"/>
-              <a:t>19/03/2024</a:t>
+              <a:t>26/04/2024</a:t>
             </a:fld>
             <a:endParaRPr lang="en-GB"/>
           </a:p>
@@ -1363,7 +2100,7 @@
           <a:p>
             <a:fld id="{2F71A33B-744B-475E-8ECD-966AACEE20CA}" type="datetimeFigureOut">
               <a:rPr lang="en-GB" smtClean="0"/>
-              <a:t>19/03/2024</a:t>
+              <a:t>26/04/2024</a:t>
             </a:fld>
             <a:endParaRPr lang="en-GB"/>
           </a:p>
@@ -1639,7 +2376,7 @@
           <a:p>
             <a:fld id="{2F71A33B-744B-475E-8ECD-966AACEE20CA}" type="datetimeFigureOut">
               <a:rPr lang="en-GB" smtClean="0"/>
-              <a:t>19/03/2024</a:t>
+              <a:t>26/04/2024</a:t>
             </a:fld>
             <a:endParaRPr lang="en-GB"/>
           </a:p>
@@ -1907,7 +2644,7 @@
           <a:p>
             <a:fld id="{2F71A33B-744B-475E-8ECD-966AACEE20CA}" type="datetimeFigureOut">
               <a:rPr lang="en-GB" smtClean="0"/>
-              <a:t>19/03/2024</a:t>
+              <a:t>26/04/2024</a:t>
             </a:fld>
             <a:endParaRPr lang="en-GB"/>
           </a:p>
@@ -2322,7 +3059,7 @@
           <a:p>
             <a:fld id="{2F71A33B-744B-475E-8ECD-966AACEE20CA}" type="datetimeFigureOut">
               <a:rPr lang="en-GB" smtClean="0"/>
-              <a:t>19/03/2024</a:t>
+              <a:t>26/04/2024</a:t>
             </a:fld>
             <a:endParaRPr lang="en-GB"/>
           </a:p>
@@ -2464,7 +3201,7 @@
           <a:p>
             <a:fld id="{2F71A33B-744B-475E-8ECD-966AACEE20CA}" type="datetimeFigureOut">
               <a:rPr lang="en-GB" smtClean="0"/>
-              <a:t>19/03/2024</a:t>
+              <a:t>26/04/2024</a:t>
             </a:fld>
             <a:endParaRPr lang="en-GB"/>
           </a:p>
@@ -2577,7 +3314,7 @@
           <a:p>
             <a:fld id="{2F71A33B-744B-475E-8ECD-966AACEE20CA}" type="datetimeFigureOut">
               <a:rPr lang="en-GB" smtClean="0"/>
-              <a:t>19/03/2024</a:t>
+              <a:t>26/04/2024</a:t>
             </a:fld>
             <a:endParaRPr lang="en-GB"/>
           </a:p>
@@ -2890,7 +3627,7 @@
           <a:p>
             <a:fld id="{2F71A33B-744B-475E-8ECD-966AACEE20CA}" type="datetimeFigureOut">
               <a:rPr lang="en-GB" smtClean="0"/>
-              <a:t>19/03/2024</a:t>
+              <a:t>26/04/2024</a:t>
             </a:fld>
             <a:endParaRPr lang="en-GB"/>
           </a:p>
@@ -3179,7 +3916,7 @@
           <a:p>
             <a:fld id="{2F71A33B-744B-475E-8ECD-966AACEE20CA}" type="datetimeFigureOut">
               <a:rPr lang="en-GB" smtClean="0"/>
-              <a:t>19/03/2024</a:t>
+              <a:t>26/04/2024</a:t>
             </a:fld>
             <a:endParaRPr lang="en-GB"/>
           </a:p>
@@ -3422,7 +4159,7 @@
           <a:p>
             <a:fld id="{2F71A33B-744B-475E-8ECD-966AACEE20CA}" type="datetimeFigureOut">
               <a:rPr lang="en-GB" smtClean="0"/>
-              <a:t>19/03/2024</a:t>
+              <a:t>26/04/2024</a:t>
             </a:fld>
             <a:endParaRPr lang="en-GB"/>
           </a:p>
@@ -4033,7 +4770,7 @@
           <p:cNvPr id="2" name="Title 1">
             <a:extLst>
               <a:ext uri="{FF2B5EF4-FFF2-40B4-BE49-F238E27FC236}">
-                <a16:creationId xmlns:a16="http://schemas.microsoft.com/office/drawing/2014/main" id="{0536A10A-EEF3-4DD2-98D8-1A2CE81B5310}"/>
+                <a16:creationId xmlns:a16="http://schemas.microsoft.com/office/drawing/2014/main" id="{E86484FA-2777-4A23-8910-808DC73BB7D8}"/>
               </a:ext>
             </a:extLst>
           </p:cNvPr>
@@ -4044,22 +4781,12 @@
             <p:ph type="title"/>
           </p:nvPr>
         </p:nvSpPr>
-        <p:spPr>
-          <a:xfrm>
-            <a:off x="838200" y="365125"/>
-            <a:ext cx="10411437" cy="767389"/>
-          </a:xfrm>
-        </p:spPr>
-        <p:txBody>
-          <a:bodyPr>
-            <a:normAutofit/>
-          </a:bodyPr>
+        <p:spPr/>
+        <p:txBody>
+          <a:bodyPr/>
           <a:lstStyle/>
           <a:p>
-            <a:r>
-              <a:rPr lang="en-GB" sz="1500" dirty="0"/>
-              <a:t>Posterior Predictive Checks: Comparing observed Barseq data against replicated data</a:t>
-            </a:r>
+            <a:endParaRPr lang="en-GB"/>
           </a:p>
         </p:txBody>
       </p:sp>
@@ -4068,7 +4795,7 @@
           <p:cNvPr id="5" name="Content Placeholder 4">
             <a:extLst>
               <a:ext uri="{FF2B5EF4-FFF2-40B4-BE49-F238E27FC236}">
-                <a16:creationId xmlns:a16="http://schemas.microsoft.com/office/drawing/2014/main" id="{2AFC8727-EB3D-4161-862C-0C6F049D57C0}"/>
+                <a16:creationId xmlns:a16="http://schemas.microsoft.com/office/drawing/2014/main" id="{6979BA88-AB6C-4EB5-A327-5C399A9F4669}"/>
               </a:ext>
             </a:extLst>
           </p:cNvPr>
@@ -4093,51 +4820,15 @@
         </p:blipFill>
         <p:spPr>
           <a:xfrm>
-            <a:off x="561364" y="4008336"/>
-            <a:ext cx="10515600" cy="2401945"/>
+            <a:off x="838199" y="1618156"/>
+            <a:ext cx="7591185" cy="4428192"/>
           </a:xfrm>
-        </p:spPr>
-      </p:pic>
-      <p:pic>
-        <p:nvPicPr>
-          <p:cNvPr id="7" name="Picture 6">
-            <a:extLst>
-              <a:ext uri="{FF2B5EF4-FFF2-40B4-BE49-F238E27FC236}">
-                <a16:creationId xmlns:a16="http://schemas.microsoft.com/office/drawing/2014/main" id="{D6A229B7-9732-4DA6-8E24-182B82CFC419}"/>
-              </a:ext>
-            </a:extLst>
-          </p:cNvPr>
-          <p:cNvPicPr>
-            <a:picLocks noChangeAspect="1"/>
-          </p:cNvPicPr>
-          <p:nvPr/>
-        </p:nvPicPr>
-        <p:blipFill>
-          <a:blip r:embed="rId3">
-            <a:extLst>
-              <a:ext uri="{28A0092B-C50C-407E-A947-70E740481C1C}">
-                <a14:useLocalDpi xmlns:a14="http://schemas.microsoft.com/office/drawing/2010/main" val="0"/>
-              </a:ext>
-            </a:extLst>
-          </a:blip>
-          <a:stretch>
-            <a:fillRect/>
-          </a:stretch>
-        </p:blipFill>
-        <p:spPr>
-          <a:xfrm>
-            <a:off x="495349" y="1563458"/>
-            <a:ext cx="10515600" cy="2477497"/>
-          </a:xfrm>
-          <a:prstGeom prst="rect">
-            <a:avLst/>
-          </a:prstGeom>
         </p:spPr>
       </p:pic>
     </p:spTree>
     <p:extLst>
       <p:ext uri="{BB962C8B-B14F-4D97-AF65-F5344CB8AC3E}">
-        <p14:creationId xmlns:p14="http://schemas.microsoft.com/office/powerpoint/2010/main" val="2773771917"/>
+        <p14:creationId xmlns:p14="http://schemas.microsoft.com/office/powerpoint/2010/main" val="3490467886"/>
       </p:ext>
     </p:extLst>
   </p:cSld>
@@ -4206,10 +4897,10 @@
       </p:sp>
       <p:pic>
         <p:nvPicPr>
-          <p:cNvPr id="5" name="Picture 4">
-            <a:extLst>
-              <a:ext uri="{FF2B5EF4-FFF2-40B4-BE49-F238E27FC236}">
-                <a16:creationId xmlns:a16="http://schemas.microsoft.com/office/drawing/2014/main" id="{A4954BC7-F990-4E00-AFDE-34B57D8B3B38}"/>
+          <p:cNvPr id="4" name="Picture 3">
+            <a:extLst>
+              <a:ext uri="{FF2B5EF4-FFF2-40B4-BE49-F238E27FC236}">
+                <a16:creationId xmlns:a16="http://schemas.microsoft.com/office/drawing/2014/main" id="{036712D8-9205-4216-A8E9-91103EEDF029}"/>
               </a:ext>
             </a:extLst>
           </p:cNvPr>
@@ -4232,8 +4923,8 @@
         </p:blipFill>
         <p:spPr>
           <a:xfrm>
-            <a:off x="838200" y="1378357"/>
-            <a:ext cx="8511330" cy="4964943"/>
+            <a:off x="838200" y="1094490"/>
+            <a:ext cx="9591044" cy="5594776"/>
           </a:xfrm>
           <a:prstGeom prst="rect">
             <a:avLst/>
@@ -4275,7 +4966,7 @@
           <p:cNvPr id="2" name="Title 1">
             <a:extLst>
               <a:ext uri="{FF2B5EF4-FFF2-40B4-BE49-F238E27FC236}">
-                <a16:creationId xmlns:a16="http://schemas.microsoft.com/office/drawing/2014/main" id="{1ADB7B2D-E67E-4076-8452-280B02642C72}"/>
+                <a16:creationId xmlns:a16="http://schemas.microsoft.com/office/drawing/2014/main" id="{55B9E581-A242-4FE9-9A20-849F2E8D3CFF}"/>
               </a:ext>
             </a:extLst>
           </p:cNvPr>
@@ -4286,38 +4977,30 @@
             <p:ph type="title"/>
           </p:nvPr>
         </p:nvSpPr>
-        <p:spPr>
-          <a:xfrm>
-            <a:off x="838200" y="365125"/>
-            <a:ext cx="10515600" cy="901613"/>
-          </a:xfrm>
-        </p:spPr>
-        <p:txBody>
-          <a:bodyPr>
-            <a:normAutofit/>
-          </a:bodyPr>
+        <p:spPr/>
+        <p:txBody>
+          <a:bodyPr/>
           <a:lstStyle/>
           <a:p>
-            <a:r>
-              <a:rPr lang="en-GB" sz="1500" dirty="0"/>
-              <a:t>K-means with 30 clusters: Neurons are reordered by the k-means allocation. </a:t>
-            </a:r>
+            <a:endParaRPr lang="en-GB"/>
           </a:p>
         </p:txBody>
       </p:sp>
       <p:pic>
         <p:nvPicPr>
-          <p:cNvPr id="5" name="Picture 4">
-            <a:extLst>
-              <a:ext uri="{FF2B5EF4-FFF2-40B4-BE49-F238E27FC236}">
-                <a16:creationId xmlns:a16="http://schemas.microsoft.com/office/drawing/2014/main" id="{84BCDAAF-08C0-4E38-9EB2-709ADE5A92C6}"/>
+          <p:cNvPr id="5" name="Content Placeholder 4">
+            <a:extLst>
+              <a:ext uri="{FF2B5EF4-FFF2-40B4-BE49-F238E27FC236}">
+                <a16:creationId xmlns:a16="http://schemas.microsoft.com/office/drawing/2014/main" id="{957E2A9F-DCE3-4FBB-A509-5ACC42498492}"/>
               </a:ext>
             </a:extLst>
           </p:cNvPr>
           <p:cNvPicPr>
-            <a:picLocks noChangeAspect="1"/>
+            <a:picLocks noGrp="1" noChangeAspect="1"/>
           </p:cNvPicPr>
-          <p:nvPr/>
+          <p:nvPr>
+            <p:ph idx="1"/>
+          </p:nvPr>
         </p:nvPicPr>
         <p:blipFill>
           <a:blip r:embed="rId2">
@@ -4333,18 +5016,15 @@
         </p:blipFill>
         <p:spPr>
           <a:xfrm>
-            <a:off x="838200" y="1338220"/>
-            <a:ext cx="7606417" cy="4537832"/>
+            <a:off x="838199" y="1027905"/>
+            <a:ext cx="9358513" cy="5459133"/>
           </a:xfrm>
-          <a:prstGeom prst="rect">
-            <a:avLst/>
-          </a:prstGeom>
         </p:spPr>
       </p:pic>
     </p:spTree>
     <p:extLst>
       <p:ext uri="{BB962C8B-B14F-4D97-AF65-F5344CB8AC3E}">
-        <p14:creationId xmlns:p14="http://schemas.microsoft.com/office/powerpoint/2010/main" val="3647369202"/>
+        <p14:creationId xmlns:p14="http://schemas.microsoft.com/office/powerpoint/2010/main" val="3777134402"/>
       </p:ext>
     </p:extLst>
   </p:cSld>
@@ -4376,7 +5056,7 @@
           <p:cNvPr id="2" name="Title 1">
             <a:extLst>
               <a:ext uri="{FF2B5EF4-FFF2-40B4-BE49-F238E27FC236}">
-                <a16:creationId xmlns:a16="http://schemas.microsoft.com/office/drawing/2014/main" id="{1ADB7B2D-E67E-4076-8452-280B02642C72}"/>
+                <a16:creationId xmlns:a16="http://schemas.microsoft.com/office/drawing/2014/main" id="{7FEBE125-4D80-46CD-8526-6582FEDC5EC4}"/>
               </a:ext>
             </a:extLst>
           </p:cNvPr>
@@ -4387,38 +5067,30 @@
             <p:ph type="title"/>
           </p:nvPr>
         </p:nvSpPr>
-        <p:spPr>
-          <a:xfrm>
-            <a:off x="838200" y="365125"/>
-            <a:ext cx="10515600" cy="901613"/>
-          </a:xfrm>
-        </p:spPr>
-        <p:txBody>
-          <a:bodyPr>
-            <a:normAutofit/>
-          </a:bodyPr>
+        <p:spPr/>
+        <p:txBody>
+          <a:bodyPr/>
           <a:lstStyle/>
           <a:p>
-            <a:r>
-              <a:rPr lang="en-GB" sz="1500" dirty="0"/>
-              <a:t>K-means with 50 clusters: Neurons are reordered by the k-means allocation. </a:t>
-            </a:r>
+            <a:endParaRPr lang="en-GB"/>
           </a:p>
         </p:txBody>
       </p:sp>
       <p:pic>
         <p:nvPicPr>
-          <p:cNvPr id="4" name="Picture 3">
-            <a:extLst>
-              <a:ext uri="{FF2B5EF4-FFF2-40B4-BE49-F238E27FC236}">
-                <a16:creationId xmlns:a16="http://schemas.microsoft.com/office/drawing/2014/main" id="{534D9784-D00D-4F7F-B2B0-6C23E9B56262}"/>
+          <p:cNvPr id="5" name="Content Placeholder 4">
+            <a:extLst>
+              <a:ext uri="{FF2B5EF4-FFF2-40B4-BE49-F238E27FC236}">
+                <a16:creationId xmlns:a16="http://schemas.microsoft.com/office/drawing/2014/main" id="{448CFF37-34D0-4B9F-8F31-25EE635B1DA8}"/>
               </a:ext>
             </a:extLst>
           </p:cNvPr>
           <p:cNvPicPr>
-            <a:picLocks noChangeAspect="1"/>
+            <a:picLocks noGrp="1" noChangeAspect="1"/>
           </p:cNvPicPr>
-          <p:nvPr/>
+          <p:nvPr>
+            <p:ph idx="1"/>
+          </p:nvPr>
         </p:nvPicPr>
         <p:blipFill>
           <a:blip r:embed="rId2">
@@ -4434,18 +5106,15 @@
         </p:blipFill>
         <p:spPr>
           <a:xfrm>
-            <a:off x="838200" y="1469776"/>
-            <a:ext cx="7548341" cy="4503185"/>
+            <a:off x="838199" y="1253330"/>
+            <a:ext cx="8835999" cy="5154334"/>
           </a:xfrm>
-          <a:prstGeom prst="rect">
-            <a:avLst/>
-          </a:prstGeom>
         </p:spPr>
       </p:pic>
     </p:spTree>
     <p:extLst>
       <p:ext uri="{BB962C8B-B14F-4D97-AF65-F5344CB8AC3E}">
-        <p14:creationId xmlns:p14="http://schemas.microsoft.com/office/powerpoint/2010/main" val="4251302318"/>
+        <p14:creationId xmlns:p14="http://schemas.microsoft.com/office/powerpoint/2010/main" val="2955535300"/>
       </p:ext>
     </p:extLst>
   </p:cSld>
@@ -4472,12 +5141,42 @@
           <a:chExt cx="0" cy="0"/>
         </a:xfrm>
       </p:grpSpPr>
+      <p:sp>
+        <p:nvSpPr>
+          <p:cNvPr id="2" name="Title 1">
+            <a:extLst>
+              <a:ext uri="{FF2B5EF4-FFF2-40B4-BE49-F238E27FC236}">
+                <a16:creationId xmlns:a16="http://schemas.microsoft.com/office/drawing/2014/main" id="{B5AFF049-52A8-4D65-AED0-DC1A2E912224}"/>
+              </a:ext>
+            </a:extLst>
+          </p:cNvPr>
+          <p:cNvSpPr>
+            <a:spLocks noGrp="1"/>
+          </p:cNvSpPr>
+          <p:nvPr>
+            <p:ph type="title"/>
+          </p:nvPr>
+        </p:nvSpPr>
+        <p:spPr/>
+        <p:txBody>
+          <a:bodyPr>
+            <a:normAutofit/>
+          </a:bodyPr>
+          <a:lstStyle/>
+          <a:p>
+            <a:r>
+              <a:rPr lang="en-GB" sz="2000" dirty="0"/>
+              <a:t>Trace of total number of clusters</a:t>
+            </a:r>
+          </a:p>
+        </p:txBody>
+      </p:sp>
       <p:pic>
         <p:nvPicPr>
           <p:cNvPr id="5" name="Content Placeholder 4">
             <a:extLst>
               <a:ext uri="{FF2B5EF4-FFF2-40B4-BE49-F238E27FC236}">
-                <a16:creationId xmlns:a16="http://schemas.microsoft.com/office/drawing/2014/main" id="{BB5E7FDA-3D5D-41CF-BC61-AB1DB9D6F473}"/>
+                <a16:creationId xmlns:a16="http://schemas.microsoft.com/office/drawing/2014/main" id="{F85AEDFD-3299-4938-83BF-4EAFE031605B}"/>
               </a:ext>
             </a:extLst>
           </p:cNvPr>
@@ -4502,50 +5201,15 @@
         </p:blipFill>
         <p:spPr>
           <a:xfrm>
-            <a:off x="896923" y="1792070"/>
-            <a:ext cx="7252230" cy="4351338"/>
+            <a:off x="838200" y="1387635"/>
+            <a:ext cx="4351338" cy="4351338"/>
           </a:xfrm>
         </p:spPr>
       </p:pic>
-      <p:sp>
-        <p:nvSpPr>
-          <p:cNvPr id="6" name="Title 1">
-            <a:extLst>
-              <a:ext uri="{FF2B5EF4-FFF2-40B4-BE49-F238E27FC236}">
-                <a16:creationId xmlns:a16="http://schemas.microsoft.com/office/drawing/2014/main" id="{B065EB0E-FEB5-4BDF-B27A-DCB83305FEB5}"/>
-              </a:ext>
-            </a:extLst>
-          </p:cNvPr>
-          <p:cNvSpPr>
-            <a:spLocks noGrp="1"/>
-          </p:cNvSpPr>
-          <p:nvPr>
-            <p:ph type="title"/>
-          </p:nvPr>
-        </p:nvSpPr>
-        <p:spPr>
-          <a:xfrm>
-            <a:off x="838200" y="365125"/>
-            <a:ext cx="10515600" cy="901613"/>
-          </a:xfrm>
-        </p:spPr>
-        <p:txBody>
-          <a:bodyPr>
-            <a:normAutofit/>
-          </a:bodyPr>
-          <a:lstStyle/>
-          <a:p>
-            <a:r>
-              <a:rPr lang="en-GB" sz="1500" dirty="0"/>
-              <a:t>K-means with 70 clusters: Neurons are reordered by the k-means allocation. </a:t>
-            </a:r>
-          </a:p>
-        </p:txBody>
-      </p:sp>
     </p:spTree>
     <p:extLst>
       <p:ext uri="{BB962C8B-B14F-4D97-AF65-F5344CB8AC3E}">
-        <p14:creationId xmlns:p14="http://schemas.microsoft.com/office/powerpoint/2010/main" val="676060478"/>
+        <p14:creationId xmlns:p14="http://schemas.microsoft.com/office/powerpoint/2010/main" val="3392379724"/>
       </p:ext>
     </p:extLst>
   </p:cSld>
@@ -4572,21 +5236,54 @@
           <a:chExt cx="0" cy="0"/>
         </a:xfrm>
       </p:grpSpPr>
+      <p:sp>
+        <p:nvSpPr>
+          <p:cNvPr id="2" name="Title 1">
+            <a:extLst>
+              <a:ext uri="{FF2B5EF4-FFF2-40B4-BE49-F238E27FC236}">
+                <a16:creationId xmlns:a16="http://schemas.microsoft.com/office/drawing/2014/main" id="{1ADB7B2D-E67E-4076-8452-280B02642C72}"/>
+              </a:ext>
+            </a:extLst>
+          </p:cNvPr>
+          <p:cNvSpPr>
+            <a:spLocks noGrp="1"/>
+          </p:cNvSpPr>
+          <p:nvPr>
+            <p:ph type="title"/>
+          </p:nvPr>
+        </p:nvSpPr>
+        <p:spPr>
+          <a:xfrm>
+            <a:off x="838200" y="365125"/>
+            <a:ext cx="10515600" cy="901613"/>
+          </a:xfrm>
+        </p:spPr>
+        <p:txBody>
+          <a:bodyPr>
+            <a:normAutofit/>
+          </a:bodyPr>
+          <a:lstStyle/>
+          <a:p>
+            <a:r>
+              <a:rPr lang="en-GB" sz="1500" dirty="0"/>
+              <a:t>K-means with 40 clusters: Neurons are reordered by the k-means allocation. </a:t>
+            </a:r>
+          </a:p>
+        </p:txBody>
+      </p:sp>
       <p:pic>
         <p:nvPicPr>
-          <p:cNvPr id="5" name="Content Placeholder 4">
-            <a:extLst>
-              <a:ext uri="{FF2B5EF4-FFF2-40B4-BE49-F238E27FC236}">
-                <a16:creationId xmlns:a16="http://schemas.microsoft.com/office/drawing/2014/main" id="{DACC020D-51FC-4EB9-8B4A-AC0F0DC5A821}"/>
+          <p:cNvPr id="4" name="Picture 3">
+            <a:extLst>
+              <a:ext uri="{FF2B5EF4-FFF2-40B4-BE49-F238E27FC236}">
+                <a16:creationId xmlns:a16="http://schemas.microsoft.com/office/drawing/2014/main" id="{BC0D7EB3-5932-45C6-86ED-1F3C95BCD6D2}"/>
               </a:ext>
             </a:extLst>
           </p:cNvPr>
           <p:cNvPicPr>
-            <a:picLocks noGrp="1" noChangeAspect="1"/>
+            <a:picLocks noChangeAspect="1"/>
           </p:cNvPicPr>
-          <p:nvPr>
-            <p:ph idx="1"/>
-          </p:nvPr>
+          <p:nvPr/>
         </p:nvPicPr>
         <p:blipFill>
           <a:blip r:embed="rId2">
@@ -4602,50 +5299,18 @@
         </p:blipFill>
         <p:spPr>
           <a:xfrm>
-            <a:off x="1312278" y="982639"/>
-            <a:ext cx="7453418" cy="5194325"/>
+            <a:off x="838200" y="1144921"/>
+            <a:ext cx="5482558" cy="5482558"/>
           </a:xfrm>
+          <a:prstGeom prst="rect">
+            <a:avLst/>
+          </a:prstGeom>
         </p:spPr>
       </p:pic>
-      <p:sp>
-        <p:nvSpPr>
-          <p:cNvPr id="6" name="Title 1">
-            <a:extLst>
-              <a:ext uri="{FF2B5EF4-FFF2-40B4-BE49-F238E27FC236}">
-                <a16:creationId xmlns:a16="http://schemas.microsoft.com/office/drawing/2014/main" id="{5527907D-1FA8-4A45-8490-5CE0A948380F}"/>
-              </a:ext>
-            </a:extLst>
-          </p:cNvPr>
-          <p:cNvSpPr>
-            <a:spLocks noGrp="1"/>
-          </p:cNvSpPr>
-          <p:nvPr>
-            <p:ph type="title"/>
-          </p:nvPr>
-        </p:nvSpPr>
-        <p:spPr>
-          <a:xfrm>
-            <a:off x="838200" y="230229"/>
-            <a:ext cx="10515600" cy="901613"/>
-          </a:xfrm>
-        </p:spPr>
-        <p:txBody>
-          <a:bodyPr>
-            <a:normAutofit/>
-          </a:bodyPr>
-          <a:lstStyle/>
-          <a:p>
-            <a:r>
-              <a:rPr lang="en-GB" sz="1500" dirty="0"/>
-              <a:t>Binomial result </a:t>
-            </a:r>
-          </a:p>
-        </p:txBody>
-      </p:sp>
     </p:spTree>
     <p:extLst>
       <p:ext uri="{BB962C8B-B14F-4D97-AF65-F5344CB8AC3E}">
-        <p14:creationId xmlns:p14="http://schemas.microsoft.com/office/powerpoint/2010/main" val="1938836949"/>
+        <p14:creationId xmlns:p14="http://schemas.microsoft.com/office/powerpoint/2010/main" val="3647369202"/>
       </p:ext>
     </p:extLst>
   </p:cSld>
@@ -4677,7 +5342,7 @@
           <p:cNvPr id="2" name="Title 1">
             <a:extLst>
               <a:ext uri="{FF2B5EF4-FFF2-40B4-BE49-F238E27FC236}">
-                <a16:creationId xmlns:a16="http://schemas.microsoft.com/office/drawing/2014/main" id="{F60F0957-EB80-4CC7-85B5-334ACCD739D9}"/>
+                <a16:creationId xmlns:a16="http://schemas.microsoft.com/office/drawing/2014/main" id="{1ADB7B2D-E67E-4076-8452-280B02642C72}"/>
               </a:ext>
             </a:extLst>
           </p:cNvPr>
@@ -4688,7 +5353,12 @@
             <p:ph type="title"/>
           </p:nvPr>
         </p:nvSpPr>
-        <p:spPr/>
+        <p:spPr>
+          <a:xfrm>
+            <a:off x="838200" y="365125"/>
+            <a:ext cx="10515600" cy="901613"/>
+          </a:xfrm>
+        </p:spPr>
         <p:txBody>
           <a:bodyPr>
             <a:normAutofit/>
@@ -4696,18 +5366,18 @@
           <a:lstStyle/>
           <a:p>
             <a:r>
-              <a:rPr lang="en-GB" sz="2000" dirty="0"/>
-              <a:t>Variation of Information (standardized to values between 0 to 1) between clustering estimates</a:t>
+              <a:rPr lang="en-GB" sz="1500" dirty="0"/>
+              <a:t>K-means with 60 clusters: Neurons are reordered by the k-means allocation. </a:t>
             </a:r>
           </a:p>
         </p:txBody>
       </p:sp>
       <p:pic>
         <p:nvPicPr>
-          <p:cNvPr id="9" name="Picture 8">
-            <a:extLst>
-              <a:ext uri="{FF2B5EF4-FFF2-40B4-BE49-F238E27FC236}">
-                <a16:creationId xmlns:a16="http://schemas.microsoft.com/office/drawing/2014/main" id="{B4A3B6B0-7D67-4290-BFD2-4040CA5B2DEC}"/>
+          <p:cNvPr id="5" name="Picture 4">
+            <a:extLst>
+              <a:ext uri="{FF2B5EF4-FFF2-40B4-BE49-F238E27FC236}">
+                <a16:creationId xmlns:a16="http://schemas.microsoft.com/office/drawing/2014/main" id="{EAEBF452-6976-4AF6-942D-43B2FFBDB1B9}"/>
               </a:ext>
             </a:extLst>
           </p:cNvPr>
@@ -4730,8 +5400,8 @@
         </p:blipFill>
         <p:spPr>
           <a:xfrm>
-            <a:off x="838200" y="1455797"/>
-            <a:ext cx="5401429" cy="800212"/>
+            <a:off x="838200" y="1167972"/>
+            <a:ext cx="5439035" cy="5439035"/>
           </a:xfrm>
           <a:prstGeom prst="rect">
             <a:avLst/>
@@ -4741,7 +5411,7 @@
     </p:spTree>
     <p:extLst>
       <p:ext uri="{BB962C8B-B14F-4D97-AF65-F5344CB8AC3E}">
-        <p14:creationId xmlns:p14="http://schemas.microsoft.com/office/powerpoint/2010/main" val="654275408"/>
+        <p14:creationId xmlns:p14="http://schemas.microsoft.com/office/powerpoint/2010/main" val="4251302318"/>
       </p:ext>
     </p:extLst>
   </p:cSld>
@@ -4770,24 +5440,24 @@
       </p:grpSpPr>
       <p:sp>
         <p:nvSpPr>
-          <p:cNvPr id="3" name="Content Placeholder 2">
-            <a:extLst>
-              <a:ext uri="{FF2B5EF4-FFF2-40B4-BE49-F238E27FC236}">
-                <a16:creationId xmlns:a16="http://schemas.microsoft.com/office/drawing/2014/main" id="{2272557A-556C-4337-B05C-8A6AB8580132}"/>
-              </a:ext>
-            </a:extLst>
-          </p:cNvPr>
-          <p:cNvSpPr>
-            <a:spLocks noGrp="1"/>
-          </p:cNvSpPr>
-          <p:nvPr>
-            <p:ph idx="1"/>
+          <p:cNvPr id="6" name="Title 1">
+            <a:extLst>
+              <a:ext uri="{FF2B5EF4-FFF2-40B4-BE49-F238E27FC236}">
+                <a16:creationId xmlns:a16="http://schemas.microsoft.com/office/drawing/2014/main" id="{B065EB0E-FEB5-4BDF-B27A-DCB83305FEB5}"/>
+              </a:ext>
+            </a:extLst>
+          </p:cNvPr>
+          <p:cNvSpPr>
+            <a:spLocks noGrp="1"/>
+          </p:cNvSpPr>
+          <p:nvPr>
+            <p:ph type="title"/>
           </p:nvPr>
         </p:nvSpPr>
         <p:spPr>
           <a:xfrm>
-            <a:off x="779477" y="466609"/>
-            <a:ext cx="10515600" cy="573626"/>
+            <a:off x="838200" y="365125"/>
+            <a:ext cx="10515600" cy="901613"/>
           </a:xfrm>
         </p:spPr>
         <p:txBody>
@@ -4796,29 +5466,28 @@
           </a:bodyPr>
           <a:lstStyle/>
           <a:p>
-            <a:pPr marL="0" indent="0">
-              <a:buNone/>
-            </a:pPr>
             <a:r>
               <a:rPr lang="en-GB" sz="1500" dirty="0"/>
-              <a:t>For some large Bayesian motifs, we plot the projection strength of neurons, color-coded by the corresponding Binomial motifs.</a:t>
+              <a:t>K-means with 80 clusters: Neurons are reordered by the k-means allocation. </a:t>
             </a:r>
           </a:p>
         </p:txBody>
       </p:sp>
       <p:pic>
         <p:nvPicPr>
-          <p:cNvPr id="5" name="Picture 4">
-            <a:extLst>
-              <a:ext uri="{FF2B5EF4-FFF2-40B4-BE49-F238E27FC236}">
-                <a16:creationId xmlns:a16="http://schemas.microsoft.com/office/drawing/2014/main" id="{98967CB6-4489-4DB6-9C42-6BEC7267FD81}"/>
+          <p:cNvPr id="7" name="Content Placeholder 6">
+            <a:extLst>
+              <a:ext uri="{FF2B5EF4-FFF2-40B4-BE49-F238E27FC236}">
+                <a16:creationId xmlns:a16="http://schemas.microsoft.com/office/drawing/2014/main" id="{124D4F1D-8DFF-4AA2-A1E0-FA9BA962DD58}"/>
               </a:ext>
             </a:extLst>
           </p:cNvPr>
           <p:cNvPicPr>
-            <a:picLocks noChangeAspect="1"/>
+            <a:picLocks noGrp="1" noChangeAspect="1"/>
           </p:cNvPicPr>
-          <p:nvPr/>
+          <p:nvPr>
+            <p:ph idx="1"/>
+          </p:nvPr>
         </p:nvPicPr>
         <p:blipFill>
           <a:blip r:embed="rId2">
@@ -4834,54 +5503,15 @@
         </p:blipFill>
         <p:spPr>
           <a:xfrm>
-            <a:off x="536196" y="1568742"/>
-            <a:ext cx="5199078" cy="3249424"/>
+            <a:off x="838200" y="1266738"/>
+            <a:ext cx="5257800" cy="5257800"/>
           </a:xfrm>
-          <a:prstGeom prst="rect">
-            <a:avLst/>
-          </a:prstGeom>
-        </p:spPr>
-      </p:pic>
-      <p:pic>
-        <p:nvPicPr>
-          <p:cNvPr id="6" name="Content Placeholder 4">
-            <a:extLst>
-              <a:ext uri="{FF2B5EF4-FFF2-40B4-BE49-F238E27FC236}">
-                <a16:creationId xmlns:a16="http://schemas.microsoft.com/office/drawing/2014/main" id="{EED646AE-8A97-48B4-94C3-5C340B479A69}"/>
-              </a:ext>
-            </a:extLst>
-          </p:cNvPr>
-          <p:cNvPicPr>
-            <a:picLocks noChangeAspect="1"/>
-          </p:cNvPicPr>
-          <p:nvPr/>
-        </p:nvPicPr>
-        <p:blipFill>
-          <a:blip r:embed="rId3">
-            <a:extLst>
-              <a:ext uri="{28A0092B-C50C-407E-A947-70E740481C1C}">
-                <a14:useLocalDpi xmlns:a14="http://schemas.microsoft.com/office/drawing/2010/main" val="0"/>
-              </a:ext>
-            </a:extLst>
-          </a:blip>
-          <a:stretch>
-            <a:fillRect/>
-          </a:stretch>
-        </p:blipFill>
-        <p:spPr>
-          <a:xfrm>
-            <a:off x="5906911" y="1568742"/>
-            <a:ext cx="5199078" cy="3249424"/>
-          </a:xfrm>
-          <a:prstGeom prst="rect">
-            <a:avLst/>
-          </a:prstGeom>
         </p:spPr>
       </p:pic>
     </p:spTree>
     <p:extLst>
       <p:ext uri="{BB962C8B-B14F-4D97-AF65-F5344CB8AC3E}">
-        <p14:creationId xmlns:p14="http://schemas.microsoft.com/office/powerpoint/2010/main" val="1062846705"/>
+        <p14:creationId xmlns:p14="http://schemas.microsoft.com/office/powerpoint/2010/main" val="676060478"/>
       </p:ext>
     </p:extLst>
   </p:cSld>
@@ -4908,19 +5538,46 @@
           <a:chExt cx="0" cy="0"/>
         </a:xfrm>
       </p:grpSpPr>
+      <p:sp>
+        <p:nvSpPr>
+          <p:cNvPr id="2" name="Title 1">
+            <a:extLst>
+              <a:ext uri="{FF2B5EF4-FFF2-40B4-BE49-F238E27FC236}">
+                <a16:creationId xmlns:a16="http://schemas.microsoft.com/office/drawing/2014/main" id="{21968E11-A22E-4067-A507-557560BDC73E}"/>
+              </a:ext>
+            </a:extLst>
+          </p:cNvPr>
+          <p:cNvSpPr>
+            <a:spLocks noGrp="1"/>
+          </p:cNvSpPr>
+          <p:nvPr>
+            <p:ph type="title"/>
+          </p:nvPr>
+        </p:nvSpPr>
+        <p:spPr/>
+        <p:txBody>
+          <a:bodyPr/>
+          <a:lstStyle/>
+          <a:p>
+            <a:endParaRPr lang="en-GB" dirty="0"/>
+          </a:p>
+        </p:txBody>
+      </p:sp>
       <p:pic>
         <p:nvPicPr>
-          <p:cNvPr id="8" name="Content Placeholder 4">
-            <a:extLst>
-              <a:ext uri="{FF2B5EF4-FFF2-40B4-BE49-F238E27FC236}">
-                <a16:creationId xmlns:a16="http://schemas.microsoft.com/office/drawing/2014/main" id="{33029052-EB80-481B-9DA8-D817CA461773}"/>
+          <p:cNvPr id="5" name="Content Placeholder 4">
+            <a:extLst>
+              <a:ext uri="{FF2B5EF4-FFF2-40B4-BE49-F238E27FC236}">
+                <a16:creationId xmlns:a16="http://schemas.microsoft.com/office/drawing/2014/main" id="{49470330-34D7-42AC-92C1-8C6F40A6C4E9}"/>
               </a:ext>
             </a:extLst>
           </p:cNvPr>
           <p:cNvPicPr>
-            <a:picLocks noChangeAspect="1"/>
+            <a:picLocks noGrp="1" noChangeAspect="1"/>
           </p:cNvPicPr>
-          <p:nvPr/>
+          <p:nvPr>
+            <p:ph idx="1"/>
+          </p:nvPr>
         </p:nvPicPr>
         <p:blipFill>
           <a:blip r:embed="rId2">
@@ -4936,8 +5593,41 @@
         </p:blipFill>
         <p:spPr>
           <a:xfrm>
-            <a:off x="551238" y="1331515"/>
-            <a:ext cx="5455279" cy="3409550"/>
+            <a:off x="329811" y="1690688"/>
+            <a:ext cx="3549024" cy="3549024"/>
+          </a:xfrm>
+        </p:spPr>
+      </p:pic>
+      <p:pic>
+        <p:nvPicPr>
+          <p:cNvPr id="7" name="Picture 6">
+            <a:extLst>
+              <a:ext uri="{FF2B5EF4-FFF2-40B4-BE49-F238E27FC236}">
+                <a16:creationId xmlns:a16="http://schemas.microsoft.com/office/drawing/2014/main" id="{A0D48AFE-1CA3-4460-AB84-3916C4427F20}"/>
+              </a:ext>
+            </a:extLst>
+          </p:cNvPr>
+          <p:cNvPicPr>
+            <a:picLocks noChangeAspect="1"/>
+          </p:cNvPicPr>
+          <p:nvPr/>
+        </p:nvPicPr>
+        <p:blipFill>
+          <a:blip r:embed="rId3">
+            <a:extLst>
+              <a:ext uri="{28A0092B-C50C-407E-A947-70E740481C1C}">
+                <a14:useLocalDpi xmlns:a14="http://schemas.microsoft.com/office/drawing/2010/main" val="0"/>
+              </a:ext>
+            </a:extLst>
+          </a:blip>
+          <a:stretch>
+            <a:fillRect/>
+          </a:stretch>
+        </p:blipFill>
+        <p:spPr>
+          <a:xfrm>
+            <a:off x="4013417" y="1690689"/>
+            <a:ext cx="3543094" cy="3543094"/>
           </a:xfrm>
           <a:prstGeom prst="rect">
             <a:avLst/>
@@ -4946,10 +5636,10 @@
       </p:pic>
       <p:pic>
         <p:nvPicPr>
-          <p:cNvPr id="13" name="Picture 12">
-            <a:extLst>
-              <a:ext uri="{FF2B5EF4-FFF2-40B4-BE49-F238E27FC236}">
-                <a16:creationId xmlns:a16="http://schemas.microsoft.com/office/drawing/2014/main" id="{F0865204-3BF6-4A0E-9AEA-236670A668E5}"/>
+          <p:cNvPr id="9" name="Picture 8">
+            <a:extLst>
+              <a:ext uri="{FF2B5EF4-FFF2-40B4-BE49-F238E27FC236}">
+                <a16:creationId xmlns:a16="http://schemas.microsoft.com/office/drawing/2014/main" id="{41EE855B-3F08-4153-8056-79D8E3C62146}"/>
               </a:ext>
             </a:extLst>
           </p:cNvPr>
@@ -4959,7 +5649,7 @@
           <p:nvPr/>
         </p:nvPicPr>
         <p:blipFill>
-          <a:blip r:embed="rId3">
+          <a:blip r:embed="rId4">
             <a:extLst>
               <a:ext uri="{28A0092B-C50C-407E-A947-70E740481C1C}">
                 <a14:useLocalDpi xmlns:a14="http://schemas.microsoft.com/office/drawing/2010/main" val="0"/>
@@ -4972,8 +5662,8 @@
         </p:blipFill>
         <p:spPr>
           <a:xfrm>
-            <a:off x="6302929" y="1331514"/>
-            <a:ext cx="5455279" cy="3409549"/>
+            <a:off x="7810705" y="1690688"/>
+            <a:ext cx="3543095" cy="3543095"/>
           </a:xfrm>
           <a:prstGeom prst="rect">
             <a:avLst/>
@@ -4983,7 +5673,7 @@
     </p:spTree>
     <p:extLst>
       <p:ext uri="{BB962C8B-B14F-4D97-AF65-F5344CB8AC3E}">
-        <p14:creationId xmlns:p14="http://schemas.microsoft.com/office/powerpoint/2010/main" val="2054459301"/>
+        <p14:creationId xmlns:p14="http://schemas.microsoft.com/office/powerpoint/2010/main" val="4139649542"/>
       </p:ext>
     </p:extLst>
   </p:cSld>
@@ -5010,12 +5700,37 @@
           <a:chExt cx="0" cy="0"/>
         </a:xfrm>
       </p:grpSpPr>
+      <p:sp>
+        <p:nvSpPr>
+          <p:cNvPr id="2" name="Title 1">
+            <a:extLst>
+              <a:ext uri="{FF2B5EF4-FFF2-40B4-BE49-F238E27FC236}">
+                <a16:creationId xmlns:a16="http://schemas.microsoft.com/office/drawing/2014/main" id="{68F55284-9AAD-4564-B82B-ED07749FF091}"/>
+              </a:ext>
+            </a:extLst>
+          </p:cNvPr>
+          <p:cNvSpPr>
+            <a:spLocks noGrp="1"/>
+          </p:cNvSpPr>
+          <p:nvPr>
+            <p:ph type="title"/>
+          </p:nvPr>
+        </p:nvSpPr>
+        <p:spPr/>
+        <p:txBody>
+          <a:bodyPr/>
+          <a:lstStyle/>
+          <a:p>
+            <a:endParaRPr lang="en-GB"/>
+          </a:p>
+        </p:txBody>
+      </p:sp>
       <p:pic>
         <p:nvPicPr>
-          <p:cNvPr id="9" name="Content Placeholder 8">
-            <a:extLst>
-              <a:ext uri="{FF2B5EF4-FFF2-40B4-BE49-F238E27FC236}">
-                <a16:creationId xmlns:a16="http://schemas.microsoft.com/office/drawing/2014/main" id="{9734BD43-770D-412E-9A14-B58F7133DDF7}"/>
+          <p:cNvPr id="5" name="Content Placeholder 4">
+            <a:extLst>
+              <a:ext uri="{FF2B5EF4-FFF2-40B4-BE49-F238E27FC236}">
+                <a16:creationId xmlns:a16="http://schemas.microsoft.com/office/drawing/2014/main" id="{A2B386F8-1D52-46D4-90C5-62F4A2C9C1E3}"/>
               </a:ext>
             </a:extLst>
           </p:cNvPr>
@@ -5040,51 +5755,15 @@
         </p:blipFill>
         <p:spPr>
           <a:xfrm>
-            <a:off x="598776" y="1387555"/>
-            <a:ext cx="5497224" cy="3435765"/>
+            <a:off x="838200" y="1495211"/>
+            <a:ext cx="4351338" cy="4351338"/>
           </a:xfrm>
-        </p:spPr>
-      </p:pic>
-      <p:pic>
-        <p:nvPicPr>
-          <p:cNvPr id="11" name="Picture 10">
-            <a:extLst>
-              <a:ext uri="{FF2B5EF4-FFF2-40B4-BE49-F238E27FC236}">
-                <a16:creationId xmlns:a16="http://schemas.microsoft.com/office/drawing/2014/main" id="{B3BB8A1F-A582-4090-89FA-9178A31EA0A0}"/>
-              </a:ext>
-            </a:extLst>
-          </p:cNvPr>
-          <p:cNvPicPr>
-            <a:picLocks noChangeAspect="1"/>
-          </p:cNvPicPr>
-          <p:nvPr/>
-        </p:nvPicPr>
-        <p:blipFill>
-          <a:blip r:embed="rId3">
-            <a:extLst>
-              <a:ext uri="{28A0092B-C50C-407E-A947-70E740481C1C}">
-                <a14:useLocalDpi xmlns:a14="http://schemas.microsoft.com/office/drawing/2010/main" val="0"/>
-              </a:ext>
-            </a:extLst>
-          </a:blip>
-          <a:stretch>
-            <a:fillRect/>
-          </a:stretch>
-        </p:blipFill>
-        <p:spPr>
-          <a:xfrm>
-            <a:off x="6253993" y="1387554"/>
-            <a:ext cx="5497224" cy="3435765"/>
-          </a:xfrm>
-          <a:prstGeom prst="rect">
-            <a:avLst/>
-          </a:prstGeom>
         </p:spPr>
       </p:pic>
     </p:spTree>
     <p:extLst>
       <p:ext uri="{BB962C8B-B14F-4D97-AF65-F5344CB8AC3E}">
-        <p14:creationId xmlns:p14="http://schemas.microsoft.com/office/powerpoint/2010/main" val="255377094"/>
+        <p14:creationId xmlns:p14="http://schemas.microsoft.com/office/powerpoint/2010/main" val="3690412395"/>
       </p:ext>
     </p:extLst>
   </p:cSld>
@@ -5320,17 +5999,17 @@
             </a:pPr>
             <a:r>
               <a:rPr lang="en-GB" sz="1500" dirty="0"/>
-              <a:t>There are 149 clusters (motifs) in total:</a:t>
+              <a:t>There are 66 clusters (motifs) in total:</a:t>
             </a:r>
           </a:p>
         </p:txBody>
       </p:sp>
       <p:pic>
         <p:nvPicPr>
-          <p:cNvPr id="7" name="Picture 6">
-            <a:extLst>
-              <a:ext uri="{FF2B5EF4-FFF2-40B4-BE49-F238E27FC236}">
-                <a16:creationId xmlns:a16="http://schemas.microsoft.com/office/drawing/2014/main" id="{74C99822-B9F2-4048-85DA-1E944C8D9515}"/>
+          <p:cNvPr id="4" name="Picture 3">
+            <a:extLst>
+              <a:ext uri="{FF2B5EF4-FFF2-40B4-BE49-F238E27FC236}">
+                <a16:creationId xmlns:a16="http://schemas.microsoft.com/office/drawing/2014/main" id="{B72F8511-5182-4DDD-BD11-76BF478360F8}"/>
               </a:ext>
             </a:extLst>
           </p:cNvPr>
@@ -5353,8 +6032,8 @@
         </p:blipFill>
         <p:spPr>
           <a:xfrm>
-            <a:off x="0" y="2556545"/>
-            <a:ext cx="12192000" cy="3657600"/>
+            <a:off x="0" y="2693963"/>
+            <a:ext cx="12192000" cy="3413760"/>
           </a:xfrm>
           <a:prstGeom prst="rect">
             <a:avLst/>
@@ -5391,19 +6070,51 @@
           <a:chExt cx="0" cy="0"/>
         </a:xfrm>
       </p:grpSpPr>
+      <p:sp>
+        <p:nvSpPr>
+          <p:cNvPr id="2" name="Title 1">
+            <a:extLst>
+              <a:ext uri="{FF2B5EF4-FFF2-40B4-BE49-F238E27FC236}">
+                <a16:creationId xmlns:a16="http://schemas.microsoft.com/office/drawing/2014/main" id="{5FB941C3-D8BE-4F78-9F2C-91F1C9BC7DDE}"/>
+              </a:ext>
+            </a:extLst>
+          </p:cNvPr>
+          <p:cNvSpPr>
+            <a:spLocks noGrp="1"/>
+          </p:cNvSpPr>
+          <p:nvPr>
+            <p:ph type="title"/>
+          </p:nvPr>
+        </p:nvSpPr>
+        <p:spPr/>
+        <p:txBody>
+          <a:bodyPr>
+            <a:normAutofit/>
+          </a:bodyPr>
+          <a:lstStyle/>
+          <a:p>
+            <a:r>
+              <a:rPr lang="en-GB" sz="2000" dirty="0"/>
+              <a:t>Conditional probability of projecting to region B, given it projects to region A, for mouse 1</a:t>
+            </a:r>
+          </a:p>
+        </p:txBody>
+      </p:sp>
       <p:pic>
         <p:nvPicPr>
-          <p:cNvPr id="5" name="Picture 4">
-            <a:extLst>
-              <a:ext uri="{FF2B5EF4-FFF2-40B4-BE49-F238E27FC236}">
-                <a16:creationId xmlns:a16="http://schemas.microsoft.com/office/drawing/2014/main" id="{6C51C247-EEE5-41F2-AC2A-F0C68B97BF81}"/>
+          <p:cNvPr id="5" name="Content Placeholder 4">
+            <a:extLst>
+              <a:ext uri="{FF2B5EF4-FFF2-40B4-BE49-F238E27FC236}">
+                <a16:creationId xmlns:a16="http://schemas.microsoft.com/office/drawing/2014/main" id="{84F7564A-21B3-49D2-BECC-583579C7A1A4}"/>
               </a:ext>
             </a:extLst>
           </p:cNvPr>
           <p:cNvPicPr>
-            <a:picLocks noChangeAspect="1"/>
+            <a:picLocks noGrp="1" noChangeAspect="1"/>
           </p:cNvPicPr>
-          <p:nvPr/>
+          <p:nvPr>
+            <p:ph idx="1"/>
+          </p:nvPr>
         </p:nvPicPr>
         <p:blipFill>
           <a:blip r:embed="rId2">
@@ -5419,18 +6130,15 @@
         </p:blipFill>
         <p:spPr>
           <a:xfrm>
-            <a:off x="708870" y="1089695"/>
-            <a:ext cx="5733875" cy="3583672"/>
+            <a:off x="838199" y="1395319"/>
+            <a:ext cx="4855669" cy="4855669"/>
           </a:xfrm>
-          <a:prstGeom prst="rect">
-            <a:avLst/>
-          </a:prstGeom>
         </p:spPr>
       </p:pic>
     </p:spTree>
     <p:extLst>
       <p:ext uri="{BB962C8B-B14F-4D97-AF65-F5344CB8AC3E}">
-        <p14:creationId xmlns:p14="http://schemas.microsoft.com/office/powerpoint/2010/main" val="280099353"/>
+        <p14:creationId xmlns:p14="http://schemas.microsoft.com/office/powerpoint/2010/main" val="57223636"/>
       </p:ext>
     </p:extLst>
   </p:cSld>
@@ -5457,19 +6165,46 @@
           <a:chExt cx="0" cy="0"/>
         </a:xfrm>
       </p:grpSpPr>
+      <p:sp>
+        <p:nvSpPr>
+          <p:cNvPr id="2" name="Title 1">
+            <a:extLst>
+              <a:ext uri="{FF2B5EF4-FFF2-40B4-BE49-F238E27FC236}">
+                <a16:creationId xmlns:a16="http://schemas.microsoft.com/office/drawing/2014/main" id="{90560041-7E72-4EE4-80E6-B528002C778A}"/>
+              </a:ext>
+            </a:extLst>
+          </p:cNvPr>
+          <p:cNvSpPr>
+            <a:spLocks noGrp="1"/>
+          </p:cNvSpPr>
+          <p:nvPr>
+            <p:ph type="title"/>
+          </p:nvPr>
+        </p:nvSpPr>
+        <p:spPr/>
+        <p:txBody>
+          <a:bodyPr/>
+          <a:lstStyle/>
+          <a:p>
+            <a:endParaRPr lang="en-GB"/>
+          </a:p>
+        </p:txBody>
+      </p:sp>
       <p:pic>
         <p:nvPicPr>
-          <p:cNvPr id="5" name="Picture 4">
-            <a:extLst>
-              <a:ext uri="{FF2B5EF4-FFF2-40B4-BE49-F238E27FC236}">
-                <a16:creationId xmlns:a16="http://schemas.microsoft.com/office/drawing/2014/main" id="{3E86CE03-61EA-4D10-91CE-F9B7EC0A55FD}"/>
+          <p:cNvPr id="5" name="Content Placeholder 4">
+            <a:extLst>
+              <a:ext uri="{FF2B5EF4-FFF2-40B4-BE49-F238E27FC236}">
+                <a16:creationId xmlns:a16="http://schemas.microsoft.com/office/drawing/2014/main" id="{B4BE98F6-7613-404D-9B90-C42D5A2E043A}"/>
               </a:ext>
             </a:extLst>
           </p:cNvPr>
           <p:cNvPicPr>
-            <a:picLocks noChangeAspect="1"/>
+            <a:picLocks noGrp="1" noChangeAspect="1"/>
           </p:cNvPicPr>
-          <p:nvPr/>
+          <p:nvPr>
+            <p:ph idx="1"/>
+          </p:nvPr>
         </p:nvPicPr>
         <p:blipFill>
           <a:blip r:embed="rId2">
@@ -5485,30 +6220,84 @@
         </p:blipFill>
         <p:spPr>
           <a:xfrm>
-            <a:off x="171974" y="1302215"/>
-            <a:ext cx="5799869" cy="3624918"/>
+            <a:off x="838199" y="1595103"/>
+            <a:ext cx="4824933" cy="4824933"/>
           </a:xfrm>
-          <a:prstGeom prst="rect">
-            <a:avLst/>
-          </a:prstGeom>
         </p:spPr>
       </p:pic>
+    </p:spTree>
+    <p:extLst>
+      <p:ext uri="{BB962C8B-B14F-4D97-AF65-F5344CB8AC3E}">
+        <p14:creationId xmlns:p14="http://schemas.microsoft.com/office/powerpoint/2010/main" val="1245428203"/>
+      </p:ext>
+    </p:extLst>
+  </p:cSld>
+  <p:clrMapOvr>
+    <a:masterClrMapping/>
+  </p:clrMapOvr>
+</p:sld>
+</file>
+
+<file path=ppt/slides/slide22.xml><?xml version="1.0" encoding="utf-8"?>
+<p:sld xmlns:a="http://schemas.openxmlformats.org/drawingml/2006/main" xmlns:r="http://schemas.openxmlformats.org/officeDocument/2006/relationships" xmlns:p="http://schemas.openxmlformats.org/presentationml/2006/main">
+  <p:cSld>
+    <p:spTree>
+      <p:nvGrpSpPr>
+        <p:cNvPr id="1" name=""/>
+        <p:cNvGrpSpPr/>
+        <p:nvPr/>
+      </p:nvGrpSpPr>
+      <p:grpSpPr>
+        <a:xfrm>
+          <a:off x="0" y="0"/>
+          <a:ext cx="0" cy="0"/>
+          <a:chOff x="0" y="0"/>
+          <a:chExt cx="0" cy="0"/>
+        </a:xfrm>
+      </p:grpSpPr>
+      <p:sp>
+        <p:nvSpPr>
+          <p:cNvPr id="2" name="Title 1">
+            <a:extLst>
+              <a:ext uri="{FF2B5EF4-FFF2-40B4-BE49-F238E27FC236}">
+                <a16:creationId xmlns:a16="http://schemas.microsoft.com/office/drawing/2014/main" id="{81E02811-AADA-4CF0-9576-5EBDC2B7E17A}"/>
+              </a:ext>
+            </a:extLst>
+          </p:cNvPr>
+          <p:cNvSpPr>
+            <a:spLocks noGrp="1"/>
+          </p:cNvSpPr>
+          <p:nvPr>
+            <p:ph type="title"/>
+          </p:nvPr>
+        </p:nvSpPr>
+        <p:spPr/>
+        <p:txBody>
+          <a:bodyPr/>
+          <a:lstStyle/>
+          <a:p>
+            <a:endParaRPr lang="en-GB"/>
+          </a:p>
+        </p:txBody>
+      </p:sp>
       <p:pic>
         <p:nvPicPr>
-          <p:cNvPr id="7" name="Picture 6">
-            <a:extLst>
-              <a:ext uri="{FF2B5EF4-FFF2-40B4-BE49-F238E27FC236}">
-                <a16:creationId xmlns:a16="http://schemas.microsoft.com/office/drawing/2014/main" id="{570FAEE7-D896-45E9-A15E-EC86C3F3891B}"/>
+          <p:cNvPr id="5" name="Content Placeholder 4">
+            <a:extLst>
+              <a:ext uri="{FF2B5EF4-FFF2-40B4-BE49-F238E27FC236}">
+                <a16:creationId xmlns:a16="http://schemas.microsoft.com/office/drawing/2014/main" id="{A862E85F-CD47-4367-8BFC-B496DF303A10}"/>
               </a:ext>
             </a:extLst>
           </p:cNvPr>
           <p:cNvPicPr>
-            <a:picLocks noChangeAspect="1"/>
+            <a:picLocks noGrp="1" noChangeAspect="1"/>
           </p:cNvPicPr>
-          <p:nvPr/>
+          <p:nvPr>
+            <p:ph idx="1"/>
+          </p:nvPr>
         </p:nvPicPr>
         <p:blipFill>
-          <a:blip r:embed="rId3">
+          <a:blip r:embed="rId2">
             <a:extLst>
               <a:ext uri="{28A0092B-C50C-407E-A947-70E740481C1C}">
                 <a14:useLocalDpi xmlns:a14="http://schemas.microsoft.com/office/drawing/2010/main" val="0"/>
@@ -5521,264 +6310,110 @@
         </p:blipFill>
         <p:spPr>
           <a:xfrm>
-            <a:off x="5971843" y="1302215"/>
-            <a:ext cx="5799868" cy="3624917"/>
+            <a:off x="838200" y="1387635"/>
+            <a:ext cx="5086190" cy="5086190"/>
           </a:xfrm>
-          <a:prstGeom prst="rect">
-            <a:avLst/>
-          </a:prstGeom>
         </p:spPr>
       </p:pic>
-      <p:sp>
-        <p:nvSpPr>
-          <p:cNvPr id="8" name="Content Placeholder 2">
-            <a:extLst>
-              <a:ext uri="{FF2B5EF4-FFF2-40B4-BE49-F238E27FC236}">
-                <a16:creationId xmlns:a16="http://schemas.microsoft.com/office/drawing/2014/main" id="{F795A6A2-31A7-4618-A744-6CE6D3CE5FC6}"/>
-              </a:ext>
-            </a:extLst>
-          </p:cNvPr>
-          <p:cNvSpPr>
-            <a:spLocks noGrp="1"/>
-          </p:cNvSpPr>
-          <p:nvPr>
-            <p:ph idx="1"/>
-          </p:nvPr>
-        </p:nvSpPr>
-        <p:spPr>
-          <a:xfrm>
-            <a:off x="171974" y="474998"/>
-            <a:ext cx="10515600" cy="573626"/>
-          </a:xfrm>
-        </p:spPr>
+    </p:spTree>
+    <p:extLst>
+      <p:ext uri="{BB962C8B-B14F-4D97-AF65-F5344CB8AC3E}">
+        <p14:creationId xmlns:p14="http://schemas.microsoft.com/office/powerpoint/2010/main" val="2507062780"/>
+      </p:ext>
+    </p:extLst>
+  </p:cSld>
+  <p:clrMapOvr>
+    <a:masterClrMapping/>
+  </p:clrMapOvr>
+</p:sld>
+</file>
+
+<file path=ppt/slides/slide23.xml><?xml version="1.0" encoding="utf-8"?>
+<p:sld xmlns:a="http://schemas.openxmlformats.org/drawingml/2006/main" xmlns:r="http://schemas.openxmlformats.org/officeDocument/2006/relationships" xmlns:p="http://schemas.openxmlformats.org/presentationml/2006/main">
+  <p:cSld>
+    <p:spTree>
+      <p:nvGrpSpPr>
+        <p:cNvPr id="1" name=""/>
+        <p:cNvGrpSpPr/>
+        <p:nvPr/>
+      </p:nvGrpSpPr>
+      <p:grpSpPr>
+        <a:xfrm>
+          <a:off x="0" y="0"/>
+          <a:ext cx="0" cy="0"/>
+          <a:chOff x="0" y="0"/>
+          <a:chExt cx="0" cy="0"/>
+        </a:xfrm>
+      </p:grpSpPr>
+      <p:sp>
+        <p:nvSpPr>
+          <p:cNvPr id="2" name="Title 1">
+            <a:extLst>
+              <a:ext uri="{FF2B5EF4-FFF2-40B4-BE49-F238E27FC236}">
+                <a16:creationId xmlns:a16="http://schemas.microsoft.com/office/drawing/2014/main" id="{CEABB2AD-4E3A-4DCF-91F7-196F4B6A426E}"/>
+              </a:ext>
+            </a:extLst>
+          </p:cNvPr>
+          <p:cNvSpPr>
+            <a:spLocks noGrp="1"/>
+          </p:cNvSpPr>
+          <p:nvPr>
+            <p:ph type="title"/>
+          </p:nvPr>
+        </p:nvSpPr>
+        <p:spPr/>
         <p:txBody>
           <a:bodyPr>
             <a:normAutofit/>
           </a:bodyPr>
           <a:lstStyle/>
           <a:p>
-            <a:pPr marL="0" indent="0">
-              <a:buNone/>
-            </a:pPr>
-            <a:r>
-              <a:rPr lang="en-GB" sz="1500" dirty="0"/>
-              <a:t>For some large Binomial motifs, we plot the projection strength of neurons, color-coded by the corresponding Bayesian motifs.</a:t>
-            </a:r>
-          </a:p>
-        </p:txBody>
-      </p:sp>
-      <p:sp>
-        <p:nvSpPr>
-          <p:cNvPr id="9" name="Content Placeholder 2">
-            <a:extLst>
-              <a:ext uri="{FF2B5EF4-FFF2-40B4-BE49-F238E27FC236}">
-                <a16:creationId xmlns:a16="http://schemas.microsoft.com/office/drawing/2014/main" id="{75D09BB4-C614-4850-94B0-8305631F2FFF}"/>
-              </a:ext>
-            </a:extLst>
-          </p:cNvPr>
-          <p:cNvSpPr txBox="1">
-            <a:spLocks/>
-          </p:cNvSpPr>
-          <p:nvPr/>
-        </p:nvSpPr>
+            <a:r>
+              <a:rPr lang="en-GB" sz="2000" dirty="0"/>
+              <a:t>Probability of projecting to a brain region for each mouse</a:t>
+            </a:r>
+          </a:p>
+        </p:txBody>
+      </p:sp>
+      <p:pic>
+        <p:nvPicPr>
+          <p:cNvPr id="5" name="Content Placeholder 4">
+            <a:extLst>
+              <a:ext uri="{FF2B5EF4-FFF2-40B4-BE49-F238E27FC236}">
+                <a16:creationId xmlns:a16="http://schemas.microsoft.com/office/drawing/2014/main" id="{C89A65C3-26CB-4264-B7F0-271D81A85424}"/>
+              </a:ext>
+            </a:extLst>
+          </p:cNvPr>
+          <p:cNvPicPr>
+            <a:picLocks noGrp="1" noChangeAspect="1"/>
+          </p:cNvPicPr>
+          <p:nvPr>
+            <p:ph idx="1"/>
+          </p:nvPr>
+        </p:nvPicPr>
+        <p:blipFill>
+          <a:blip r:embed="rId2">
+            <a:extLst>
+              <a:ext uri="{28A0092B-C50C-407E-A947-70E740481C1C}">
+                <a14:useLocalDpi xmlns:a14="http://schemas.microsoft.com/office/drawing/2010/main" val="0"/>
+              </a:ext>
+            </a:extLst>
+          </a:blip>
+          <a:stretch>
+            <a:fillRect/>
+          </a:stretch>
+        </p:blipFill>
         <p:spPr>
           <a:xfrm>
-            <a:off x="374708" y="5555785"/>
-            <a:ext cx="10515600" cy="573626"/>
+            <a:off x="838200" y="1426055"/>
+            <a:ext cx="4648200" cy="4648200"/>
           </a:xfrm>
-          <a:prstGeom prst="rect">
-            <a:avLst/>
-          </a:prstGeom>
         </p:spPr>
-        <p:txBody>
-          <a:bodyPr vert="horz" lIns="91440" tIns="45720" rIns="91440" bIns="45720" rtlCol="0">
-            <a:normAutofit/>
-          </a:bodyPr>
-          <a:lstStyle>
-            <a:lvl1pPr marL="228600" indent="-228600" algn="l" defTabSz="914400" rtl="0" eaLnBrk="1" latinLnBrk="0" hangingPunct="1">
-              <a:lnSpc>
-                <a:spcPct val="90000"/>
-              </a:lnSpc>
-              <a:spcBef>
-                <a:spcPts val="1000"/>
-              </a:spcBef>
-              <a:buFont typeface="Arial" panose="020B0604020202020204" pitchFamily="34" charset="0"/>
-              <a:buChar char="•"/>
-              <a:defRPr sz="2800" kern="1200">
-                <a:solidFill>
-                  <a:schemeClr val="tx1"/>
-                </a:solidFill>
-                <a:latin typeface="+mn-lt"/>
-                <a:ea typeface="+mn-ea"/>
-                <a:cs typeface="+mn-cs"/>
-              </a:defRPr>
-            </a:lvl1pPr>
-            <a:lvl2pPr marL="685800" indent="-228600" algn="l" defTabSz="914400" rtl="0" eaLnBrk="1" latinLnBrk="0" hangingPunct="1">
-              <a:lnSpc>
-                <a:spcPct val="90000"/>
-              </a:lnSpc>
-              <a:spcBef>
-                <a:spcPts val="500"/>
-              </a:spcBef>
-              <a:buFont typeface="Arial" panose="020B0604020202020204" pitchFamily="34" charset="0"/>
-              <a:buChar char="•"/>
-              <a:defRPr sz="2400" kern="1200">
-                <a:solidFill>
-                  <a:schemeClr val="tx1"/>
-                </a:solidFill>
-                <a:latin typeface="+mn-lt"/>
-                <a:ea typeface="+mn-ea"/>
-                <a:cs typeface="+mn-cs"/>
-              </a:defRPr>
-            </a:lvl2pPr>
-            <a:lvl3pPr marL="1143000" indent="-228600" algn="l" defTabSz="914400" rtl="0" eaLnBrk="1" latinLnBrk="0" hangingPunct="1">
-              <a:lnSpc>
-                <a:spcPct val="90000"/>
-              </a:lnSpc>
-              <a:spcBef>
-                <a:spcPts val="500"/>
-              </a:spcBef>
-              <a:buFont typeface="Arial" panose="020B0604020202020204" pitchFamily="34" charset="0"/>
-              <a:buChar char="•"/>
-              <a:defRPr sz="2000" kern="1200">
-                <a:solidFill>
-                  <a:schemeClr val="tx1"/>
-                </a:solidFill>
-                <a:latin typeface="+mn-lt"/>
-                <a:ea typeface="+mn-ea"/>
-                <a:cs typeface="+mn-cs"/>
-              </a:defRPr>
-            </a:lvl3pPr>
-            <a:lvl4pPr marL="1600200" indent="-228600" algn="l" defTabSz="914400" rtl="0" eaLnBrk="1" latinLnBrk="0" hangingPunct="1">
-              <a:lnSpc>
-                <a:spcPct val="90000"/>
-              </a:lnSpc>
-              <a:spcBef>
-                <a:spcPts val="500"/>
-              </a:spcBef>
-              <a:buFont typeface="Arial" panose="020B0604020202020204" pitchFamily="34" charset="0"/>
-              <a:buChar char="•"/>
-              <a:defRPr sz="1800" kern="1200">
-                <a:solidFill>
-                  <a:schemeClr val="tx1"/>
-                </a:solidFill>
-                <a:latin typeface="+mn-lt"/>
-                <a:ea typeface="+mn-ea"/>
-                <a:cs typeface="+mn-cs"/>
-              </a:defRPr>
-            </a:lvl4pPr>
-            <a:lvl5pPr marL="2057400" indent="-228600" algn="l" defTabSz="914400" rtl="0" eaLnBrk="1" latinLnBrk="0" hangingPunct="1">
-              <a:lnSpc>
-                <a:spcPct val="90000"/>
-              </a:lnSpc>
-              <a:spcBef>
-                <a:spcPts val="500"/>
-              </a:spcBef>
-              <a:buFont typeface="Arial" panose="020B0604020202020204" pitchFamily="34" charset="0"/>
-              <a:buChar char="•"/>
-              <a:defRPr sz="1800" kern="1200">
-                <a:solidFill>
-                  <a:schemeClr val="tx1"/>
-                </a:solidFill>
-                <a:latin typeface="+mn-lt"/>
-                <a:ea typeface="+mn-ea"/>
-                <a:cs typeface="+mn-cs"/>
-              </a:defRPr>
-            </a:lvl5pPr>
-            <a:lvl6pPr marL="2514600" indent="-228600" algn="l" defTabSz="914400" rtl="0" eaLnBrk="1" latinLnBrk="0" hangingPunct="1">
-              <a:lnSpc>
-                <a:spcPct val="90000"/>
-              </a:lnSpc>
-              <a:spcBef>
-                <a:spcPts val="500"/>
-              </a:spcBef>
-              <a:buFont typeface="Arial" panose="020B0604020202020204" pitchFamily="34" charset="0"/>
-              <a:buChar char="•"/>
-              <a:defRPr sz="1800" kern="1200">
-                <a:solidFill>
-                  <a:schemeClr val="tx1"/>
-                </a:solidFill>
-                <a:latin typeface="+mn-lt"/>
-                <a:ea typeface="+mn-ea"/>
-                <a:cs typeface="+mn-cs"/>
-              </a:defRPr>
-            </a:lvl6pPr>
-            <a:lvl7pPr marL="2971800" indent="-228600" algn="l" defTabSz="914400" rtl="0" eaLnBrk="1" latinLnBrk="0" hangingPunct="1">
-              <a:lnSpc>
-                <a:spcPct val="90000"/>
-              </a:lnSpc>
-              <a:spcBef>
-                <a:spcPts val="500"/>
-              </a:spcBef>
-              <a:buFont typeface="Arial" panose="020B0604020202020204" pitchFamily="34" charset="0"/>
-              <a:buChar char="•"/>
-              <a:defRPr sz="1800" kern="1200">
-                <a:solidFill>
-                  <a:schemeClr val="tx1"/>
-                </a:solidFill>
-                <a:latin typeface="+mn-lt"/>
-                <a:ea typeface="+mn-ea"/>
-                <a:cs typeface="+mn-cs"/>
-              </a:defRPr>
-            </a:lvl7pPr>
-            <a:lvl8pPr marL="3429000" indent="-228600" algn="l" defTabSz="914400" rtl="0" eaLnBrk="1" latinLnBrk="0" hangingPunct="1">
-              <a:lnSpc>
-                <a:spcPct val="90000"/>
-              </a:lnSpc>
-              <a:spcBef>
-                <a:spcPts val="500"/>
-              </a:spcBef>
-              <a:buFont typeface="Arial" panose="020B0604020202020204" pitchFamily="34" charset="0"/>
-              <a:buChar char="•"/>
-              <a:defRPr sz="1800" kern="1200">
-                <a:solidFill>
-                  <a:schemeClr val="tx1"/>
-                </a:solidFill>
-                <a:latin typeface="+mn-lt"/>
-                <a:ea typeface="+mn-ea"/>
-                <a:cs typeface="+mn-cs"/>
-              </a:defRPr>
-            </a:lvl8pPr>
-            <a:lvl9pPr marL="3886200" indent="-228600" algn="l" defTabSz="914400" rtl="0" eaLnBrk="1" latinLnBrk="0" hangingPunct="1">
-              <a:lnSpc>
-                <a:spcPct val="90000"/>
-              </a:lnSpc>
-              <a:spcBef>
-                <a:spcPts val="500"/>
-              </a:spcBef>
-              <a:buFont typeface="Arial" panose="020B0604020202020204" pitchFamily="34" charset="0"/>
-              <a:buChar char="•"/>
-              <a:defRPr sz="1800" kern="1200">
-                <a:solidFill>
-                  <a:schemeClr val="tx1"/>
-                </a:solidFill>
-                <a:latin typeface="+mn-lt"/>
-                <a:ea typeface="+mn-ea"/>
-                <a:cs typeface="+mn-cs"/>
-              </a:defRPr>
-            </a:lvl9pPr>
-          </a:lstStyle>
-          <a:p>
-            <a:pPr marL="0" indent="0">
-              <a:buFont typeface="Arial" panose="020B0604020202020204" pitchFamily="34" charset="0"/>
-              <a:buNone/>
-            </a:pPr>
-            <a:r>
-              <a:rPr lang="en-GB" sz="1500" dirty="0"/>
-              <a:t>And there are 12 other Binomial motifs with more than </a:t>
-            </a:r>
-            <a:r>
-              <a:rPr lang="en-GB" sz="1500"/>
-              <a:t>100 neurons.</a:t>
-            </a:r>
-            <a:endParaRPr lang="en-GB" sz="1500" dirty="0"/>
-          </a:p>
-        </p:txBody>
-      </p:sp>
+      </p:pic>
     </p:spTree>
     <p:extLst>
       <p:ext uri="{BB962C8B-B14F-4D97-AF65-F5344CB8AC3E}">
-        <p14:creationId xmlns:p14="http://schemas.microsoft.com/office/powerpoint/2010/main" val="3384237116"/>
+        <p14:creationId xmlns:p14="http://schemas.microsoft.com/office/powerpoint/2010/main" val="27252148"/>
       </p:ext>
     </p:extLst>
   </p:cSld>
@@ -5845,10 +6480,10 @@
       </p:sp>
       <p:pic>
         <p:nvPicPr>
-          <p:cNvPr id="6" name="Content Placeholder 5">
-            <a:extLst>
-              <a:ext uri="{FF2B5EF4-FFF2-40B4-BE49-F238E27FC236}">
-                <a16:creationId xmlns:a16="http://schemas.microsoft.com/office/drawing/2014/main" id="{A3166965-3AA0-49FD-8323-882EC8BAC049}"/>
+          <p:cNvPr id="5" name="Content Placeholder 4">
+            <a:extLst>
+              <a:ext uri="{FF2B5EF4-FFF2-40B4-BE49-F238E27FC236}">
+                <a16:creationId xmlns:a16="http://schemas.microsoft.com/office/drawing/2014/main" id="{489B9B3A-9734-4801-AEB5-5F393F04FA71}"/>
               </a:ext>
             </a:extLst>
           </p:cNvPr>
@@ -5873,8 +6508,8 @@
         </p:blipFill>
         <p:spPr>
           <a:xfrm>
-            <a:off x="535280" y="480977"/>
-            <a:ext cx="10991193" cy="6182547"/>
+            <a:off x="893277" y="588495"/>
+            <a:ext cx="10405445" cy="5945969"/>
           </a:xfrm>
         </p:spPr>
       </p:pic>
@@ -5910,10 +6545,10 @@
       </p:grpSpPr>
       <p:pic>
         <p:nvPicPr>
-          <p:cNvPr id="5" name="Content Placeholder 4">
-            <a:extLst>
-              <a:ext uri="{FF2B5EF4-FFF2-40B4-BE49-F238E27FC236}">
-                <a16:creationId xmlns:a16="http://schemas.microsoft.com/office/drawing/2014/main" id="{1D8DC62B-269B-4822-A9E9-CD4AAA91C2F3}"/>
+          <p:cNvPr id="6" name="Content Placeholder 5">
+            <a:extLst>
+              <a:ext uri="{FF2B5EF4-FFF2-40B4-BE49-F238E27FC236}">
+                <a16:creationId xmlns:a16="http://schemas.microsoft.com/office/drawing/2014/main" id="{B65AF6E3-AEB8-43B5-9C44-01A912546DBC}"/>
               </a:ext>
             </a:extLst>
           </p:cNvPr>
@@ -5938,17 +6573,17 @@
         </p:blipFill>
         <p:spPr>
           <a:xfrm>
-            <a:off x="6293495" y="914876"/>
-            <a:ext cx="5682286" cy="4454362"/>
+            <a:off x="1038819" y="1253331"/>
+            <a:ext cx="4351338" cy="4351338"/>
           </a:xfrm>
         </p:spPr>
       </p:pic>
       <p:pic>
         <p:nvPicPr>
-          <p:cNvPr id="7" name="Picture 6">
-            <a:extLst>
-              <a:ext uri="{FF2B5EF4-FFF2-40B4-BE49-F238E27FC236}">
-                <a16:creationId xmlns:a16="http://schemas.microsoft.com/office/drawing/2014/main" id="{BB520516-D44D-46C8-9367-5E22A9738FA2}"/>
+          <p:cNvPr id="9" name="Picture 8">
+            <a:extLst>
+              <a:ext uri="{FF2B5EF4-FFF2-40B4-BE49-F238E27FC236}">
+                <a16:creationId xmlns:a16="http://schemas.microsoft.com/office/drawing/2014/main" id="{38DE3F48-D211-4AD6-A8EF-0A982E2D2E43}"/>
               </a:ext>
             </a:extLst>
           </p:cNvPr>
@@ -5971,8 +6606,8 @@
         </p:blipFill>
         <p:spPr>
           <a:xfrm>
-            <a:off x="413712" y="914875"/>
-            <a:ext cx="5682288" cy="4454362"/>
+            <a:off x="5971970" y="1191860"/>
+            <a:ext cx="4351336" cy="4351336"/>
           </a:xfrm>
           <a:prstGeom prst="rect">
             <a:avLst/>
@@ -6011,10 +6646,10 @@
       </p:grpSpPr>
       <p:pic>
         <p:nvPicPr>
-          <p:cNvPr id="3" name="Picture 2">
-            <a:extLst>
-              <a:ext uri="{FF2B5EF4-FFF2-40B4-BE49-F238E27FC236}">
-                <a16:creationId xmlns:a16="http://schemas.microsoft.com/office/drawing/2014/main" id="{2D6D7F6A-6F5A-4009-A93A-67916124C5F7}"/>
+          <p:cNvPr id="4" name="Picture 3">
+            <a:extLst>
+              <a:ext uri="{FF2B5EF4-FFF2-40B4-BE49-F238E27FC236}">
+                <a16:creationId xmlns:a16="http://schemas.microsoft.com/office/drawing/2014/main" id="{0ED1AAEF-FA0C-48F3-88D0-E7021B7F60F0}"/>
               </a:ext>
             </a:extLst>
           </p:cNvPr>
@@ -6037,8 +6672,8 @@
         </p:blipFill>
         <p:spPr>
           <a:xfrm>
-            <a:off x="1818095" y="629174"/>
-            <a:ext cx="7829951" cy="5456732"/>
+            <a:off x="1975437" y="138312"/>
+            <a:ext cx="6235593" cy="6235593"/>
           </a:xfrm>
           <a:prstGeom prst="rect">
             <a:avLst/>
@@ -6115,10 +6750,10 @@
       </p:sp>
       <p:pic>
         <p:nvPicPr>
-          <p:cNvPr id="4" name="Picture 3">
-            <a:extLst>
-              <a:ext uri="{FF2B5EF4-FFF2-40B4-BE49-F238E27FC236}">
-                <a16:creationId xmlns:a16="http://schemas.microsoft.com/office/drawing/2014/main" id="{6F5806EA-1A12-46BC-A6F1-D122084311F0}"/>
+          <p:cNvPr id="5" name="Picture 4">
+            <a:extLst>
+              <a:ext uri="{FF2B5EF4-FFF2-40B4-BE49-F238E27FC236}">
+                <a16:creationId xmlns:a16="http://schemas.microsoft.com/office/drawing/2014/main" id="{986E421D-1947-49A8-AECE-4AA55996E801}"/>
               </a:ext>
             </a:extLst>
           </p:cNvPr>
@@ -6141,8 +6776,8 @@
         </p:blipFill>
         <p:spPr>
           <a:xfrm>
-            <a:off x="0" y="990600"/>
-            <a:ext cx="12192000" cy="4876800"/>
+            <a:off x="273423" y="1017173"/>
+            <a:ext cx="11430000" cy="5715000"/>
           </a:xfrm>
           <a:prstGeom prst="rect">
             <a:avLst/>
@@ -6211,10 +6846,10 @@
       </p:sp>
       <p:pic>
         <p:nvPicPr>
-          <p:cNvPr id="7" name="Content Placeholder 6">
-            <a:extLst>
-              <a:ext uri="{FF2B5EF4-FFF2-40B4-BE49-F238E27FC236}">
-                <a16:creationId xmlns:a16="http://schemas.microsoft.com/office/drawing/2014/main" id="{8FDADCC0-A2BB-46FA-AFE9-D782EE378D27}"/>
+          <p:cNvPr id="6" name="Content Placeholder 5">
+            <a:extLst>
+              <a:ext uri="{FF2B5EF4-FFF2-40B4-BE49-F238E27FC236}">
+                <a16:creationId xmlns:a16="http://schemas.microsoft.com/office/drawing/2014/main" id="{C254402C-AB7A-4945-B477-CBC4C4460705}"/>
               </a:ext>
             </a:extLst>
           </p:cNvPr>
@@ -6239,8 +6874,8 @@
         </p:blipFill>
         <p:spPr>
           <a:xfrm>
-            <a:off x="476424" y="2035219"/>
-            <a:ext cx="11239152" cy="2809788"/>
+            <a:off x="1333500" y="2096294"/>
+            <a:ext cx="9525000" cy="3810000"/>
           </a:xfrm>
         </p:spPr>
       </p:pic>
@@ -6311,10 +6946,10 @@
       </p:sp>
       <p:pic>
         <p:nvPicPr>
-          <p:cNvPr id="5" name="Picture 4">
-            <a:extLst>
-              <a:ext uri="{FF2B5EF4-FFF2-40B4-BE49-F238E27FC236}">
-                <a16:creationId xmlns:a16="http://schemas.microsoft.com/office/drawing/2014/main" id="{E76F88AF-EE71-49F7-AC98-24D0F5ABD5F2}"/>
+          <p:cNvPr id="4" name="Picture 3">
+            <a:extLst>
+              <a:ext uri="{FF2B5EF4-FFF2-40B4-BE49-F238E27FC236}">
+                <a16:creationId xmlns:a16="http://schemas.microsoft.com/office/drawing/2014/main" id="{B3AEADEF-FB95-4DD9-BD36-5BCB15948E96}"/>
               </a:ext>
             </a:extLst>
           </p:cNvPr>
@@ -6380,7 +7015,7 @@
           <p:cNvPr id="2" name="Title 1">
             <a:extLst>
               <a:ext uri="{FF2B5EF4-FFF2-40B4-BE49-F238E27FC236}">
-                <a16:creationId xmlns:a16="http://schemas.microsoft.com/office/drawing/2014/main" id="{4168C583-7E59-430E-804B-8FE25A882227}"/>
+                <a16:creationId xmlns:a16="http://schemas.microsoft.com/office/drawing/2014/main" id="{0536A10A-EEF3-4DD2-98D8-1A2CE81B5310}"/>
               </a:ext>
             </a:extLst>
           </p:cNvPr>
@@ -6393,8 +7028,8 @@
         </p:nvSpPr>
         <p:spPr>
           <a:xfrm>
-            <a:off x="838200" y="365126"/>
-            <a:ext cx="10515600" cy="759000"/>
+            <a:off x="838200" y="365125"/>
+            <a:ext cx="10411437" cy="767389"/>
           </a:xfrm>
         </p:spPr>
         <p:txBody>
@@ -6405,24 +7040,26 @@
           <a:p>
             <a:r>
               <a:rPr lang="en-GB" sz="1500" dirty="0"/>
-              <a:t>Example of significant difference in component probabilities between two mice:</a:t>
+              <a:t>Posterior Predictive Checks: Comparing observed Barseq data against replicated data</a:t>
             </a:r>
           </a:p>
         </p:txBody>
       </p:sp>
       <p:pic>
         <p:nvPicPr>
-          <p:cNvPr id="5" name="Picture 4">
-            <a:extLst>
-              <a:ext uri="{FF2B5EF4-FFF2-40B4-BE49-F238E27FC236}">
-                <a16:creationId xmlns:a16="http://schemas.microsoft.com/office/drawing/2014/main" id="{A5E00299-27F7-4478-B45C-26418AE96832}"/>
+          <p:cNvPr id="8" name="Content Placeholder 7">
+            <a:extLst>
+              <a:ext uri="{FF2B5EF4-FFF2-40B4-BE49-F238E27FC236}">
+                <a16:creationId xmlns:a16="http://schemas.microsoft.com/office/drawing/2014/main" id="{CDB9A02D-63BD-4ED5-96DE-449446CFE7AB}"/>
               </a:ext>
             </a:extLst>
           </p:cNvPr>
           <p:cNvPicPr>
-            <a:picLocks noChangeAspect="1"/>
+            <a:picLocks noGrp="1" noChangeAspect="1"/>
           </p:cNvPicPr>
-          <p:nvPr/>
+          <p:nvPr>
+            <p:ph idx="1"/>
+          </p:nvPr>
         </p:nvPicPr>
         <p:blipFill>
           <a:blip r:embed="rId2">
@@ -6438,18 +7075,15 @@
         </p:blipFill>
         <p:spPr>
           <a:xfrm>
-            <a:off x="1400961" y="1851200"/>
-            <a:ext cx="8703141" cy="4641675"/>
+            <a:off x="838200" y="1587420"/>
+            <a:ext cx="7446229" cy="4343634"/>
           </a:xfrm>
-          <a:prstGeom prst="rect">
-            <a:avLst/>
-          </a:prstGeom>
         </p:spPr>
       </p:pic>
     </p:spTree>
     <p:extLst>
       <p:ext uri="{BB962C8B-B14F-4D97-AF65-F5344CB8AC3E}">
-        <p14:creationId xmlns:p14="http://schemas.microsoft.com/office/powerpoint/2010/main" val="1865936040"/>
+        <p14:creationId xmlns:p14="http://schemas.microsoft.com/office/powerpoint/2010/main" val="2773771917"/>
       </p:ext>
     </p:extLst>
   </p:cSld>
